--- a/Presentatie/Kyoku.pptx
+++ b/Presentatie/Kyoku.pptx
@@ -1,34 +1,48 @@
 
 <file path=ppt/presentation.xml><?xml version="1.0" encoding="utf-8"?>
-<p:presentation xmlns:a="http://schemas.openxmlformats.org/drawingml/2006/main" xmlns:r="http://schemas.openxmlformats.org/officeDocument/2006/relationships" xmlns:mc="http://schemas.openxmlformats.org/markup-compatibility/2006" xmlns:mv="urn:schemas-microsoft-com:mac:vml" xmlns:p="http://schemas.openxmlformats.org/presentationml/2006/main" xmlns:c="http://schemas.openxmlformats.org/drawingml/2006/chart" xmlns:dgm="http://schemas.openxmlformats.org/drawingml/2006/diagram" xmlns:o="urn:schemas-microsoft-com:office:office" xmlns:v="urn:schemas-microsoft-com:vml" xmlns:pvml="urn:schemas-microsoft-com:office:powerpoint" xmlns:com="http://schemas.openxmlformats.org/drawingml/2006/compatibility" xmlns:p14="http://schemas.microsoft.com/office/powerpoint/2010/main" xmlns:p15="http://schemas.microsoft.com/office/powerpoint/2012/main" xmlns:ahyp="http://schemas.microsoft.com/office/drawing/2018/hyperlinkcolor" autoCompressPictures="0" embedTrueTypeFonts="1" strictFirstAndLastChars="0" saveSubsetFonts="1">
+<p:presentation xmlns:a="http://schemas.openxmlformats.org/drawingml/2006/main" xmlns:r="http://schemas.openxmlformats.org/officeDocument/2006/relationships" xmlns:p="http://schemas.openxmlformats.org/presentationml/2006/main" strictFirstAndLastChars="0" embedTrueTypeFonts="1" saveSubsetFonts="1" autoCompressPictures="0">
   <p:sldMasterIdLst>
-    <p:sldMasterId id="2147483648" r:id="rId3"/>
+    <p:sldMasterId id="2147483648" r:id="rId1"/>
   </p:sldMasterIdLst>
   <p:notesMasterIdLst>
-    <p:notesMasterId r:id="rId4"/>
+    <p:notesMasterId r:id="rId8"/>
   </p:notesMasterIdLst>
   <p:sldIdLst>
-    <p:sldId id="256" r:id="rId5"/>
-    <p:sldId id="257" r:id="rId6"/>
-    <p:sldId id="258" r:id="rId7"/>
-    <p:sldId id="259" r:id="rId8"/>
-    <p:sldId id="260" r:id="rId9"/>
-    <p:sldId id="261" r:id="rId10"/>
-    <p:sldId id="262" r:id="rId11"/>
-    <p:sldId id="263" r:id="rId12"/>
-    <p:sldId id="264" r:id="rId13"/>
+    <p:sldId id="256" r:id="rId2"/>
+    <p:sldId id="257" r:id="rId3"/>
+    <p:sldId id="265" r:id="rId4"/>
+    <p:sldId id="267" r:id="rId5"/>
+    <p:sldId id="259" r:id="rId6"/>
+    <p:sldId id="266" r:id="rId7"/>
   </p:sldIdLst>
-  <p:sldSz cy="6858000" cx="12192000"/>
+  <p:sldSz cx="12192000" cy="6858000"/>
   <p:notesSz cx="6858000" cy="9144000"/>
   <p:embeddedFontLst>
     <p:embeddedFont>
-      <p:font typeface="Sorts Mill Goudy"/>
-      <p:regular r:id="rId14"/>
-      <p:italic r:id="rId15"/>
+      <p:font typeface="Calibri" panose="020F0502020204030204" pitchFamily="34" charset="0"/>
+      <p:regular r:id="rId9"/>
+      <p:bold r:id="rId10"/>
+      <p:italic r:id="rId11"/>
+      <p:boldItalic r:id="rId12"/>
+    </p:embeddedFont>
+    <p:embeddedFont>
+      <p:font typeface="Noto Sans Symbols" pitchFamily="2" charset="0"/>
+      <p:regular r:id="rId13"/>
+      <p:bold r:id="rId14"/>
+    </p:embeddedFont>
+    <p:embeddedFont>
+      <p:font typeface="Oxygen" panose="02000503000000000000" pitchFamily="2" charset="0"/>
+      <p:regular r:id="rId15"/>
+      <p:bold r:id="rId16"/>
+    </p:embeddedFont>
+    <p:embeddedFont>
+      <p:font typeface="Sorts Mill Goudy" panose="020B0604020202020204" charset="0"/>
+      <p:regular r:id="rId17"/>
+      <p:italic r:id="rId18"/>
     </p:embeddedFont>
   </p:embeddedFontLst>
   <p:defaultTextStyle>
-    <a:defPPr lvl="0" marR="0" rtl="0" algn="l">
+    <a:defPPr marR="0" lvl="0" algn="l" rtl="0">
       <a:lnSpc>
         <a:spcPct val="100000"/>
       </a:lnSpc>
@@ -39,7 +53,7 @@
         <a:spcPts val="0"/>
       </a:spcAft>
     </a:defPPr>
-    <a:lvl1pPr lvl="0" marR="0" rtl="0" algn="l">
+    <a:lvl1pPr marR="0" lvl="0" algn="l" rtl="0">
       <a:lnSpc>
         <a:spcPct val="100000"/>
       </a:lnSpc>
@@ -53,7 +67,7 @@
         <a:srgbClr val="000000"/>
       </a:buClr>
       <a:buFont typeface="Arial"/>
-      <a:defRPr b="0" i="0" sz="1400" u="none" cap="none" strike="noStrike">
+      <a:defRPr sz="1400" b="0" i="0" u="none" strike="noStrike" cap="none">
         <a:solidFill>
           <a:srgbClr val="000000"/>
         </a:solidFill>
@@ -63,7 +77,7 @@
         <a:sym typeface="Arial"/>
       </a:defRPr>
     </a:lvl1pPr>
-    <a:lvl2pPr lvl="1" marR="0" rtl="0" algn="l">
+    <a:lvl2pPr marR="0" lvl="1" algn="l" rtl="0">
       <a:lnSpc>
         <a:spcPct val="100000"/>
       </a:lnSpc>
@@ -77,7 +91,7 @@
         <a:srgbClr val="000000"/>
       </a:buClr>
       <a:buFont typeface="Arial"/>
-      <a:defRPr b="0" i="0" sz="1400" u="none" cap="none" strike="noStrike">
+      <a:defRPr sz="1400" b="0" i="0" u="none" strike="noStrike" cap="none">
         <a:solidFill>
           <a:srgbClr val="000000"/>
         </a:solidFill>
@@ -87,7 +101,7 @@
         <a:sym typeface="Arial"/>
       </a:defRPr>
     </a:lvl2pPr>
-    <a:lvl3pPr lvl="2" marR="0" rtl="0" algn="l">
+    <a:lvl3pPr marR="0" lvl="2" algn="l" rtl="0">
       <a:lnSpc>
         <a:spcPct val="100000"/>
       </a:lnSpc>
@@ -101,7 +115,7 @@
         <a:srgbClr val="000000"/>
       </a:buClr>
       <a:buFont typeface="Arial"/>
-      <a:defRPr b="0" i="0" sz="1400" u="none" cap="none" strike="noStrike">
+      <a:defRPr sz="1400" b="0" i="0" u="none" strike="noStrike" cap="none">
         <a:solidFill>
           <a:srgbClr val="000000"/>
         </a:solidFill>
@@ -111,7 +125,7 @@
         <a:sym typeface="Arial"/>
       </a:defRPr>
     </a:lvl3pPr>
-    <a:lvl4pPr lvl="3" marR="0" rtl="0" algn="l">
+    <a:lvl4pPr marR="0" lvl="3" algn="l" rtl="0">
       <a:lnSpc>
         <a:spcPct val="100000"/>
       </a:lnSpc>
@@ -125,7 +139,7 @@
         <a:srgbClr val="000000"/>
       </a:buClr>
       <a:buFont typeface="Arial"/>
-      <a:defRPr b="0" i="0" sz="1400" u="none" cap="none" strike="noStrike">
+      <a:defRPr sz="1400" b="0" i="0" u="none" strike="noStrike" cap="none">
         <a:solidFill>
           <a:srgbClr val="000000"/>
         </a:solidFill>
@@ -135,7 +149,7 @@
         <a:sym typeface="Arial"/>
       </a:defRPr>
     </a:lvl4pPr>
-    <a:lvl5pPr lvl="4" marR="0" rtl="0" algn="l">
+    <a:lvl5pPr marR="0" lvl="4" algn="l" rtl="0">
       <a:lnSpc>
         <a:spcPct val="100000"/>
       </a:lnSpc>
@@ -149,7 +163,7 @@
         <a:srgbClr val="000000"/>
       </a:buClr>
       <a:buFont typeface="Arial"/>
-      <a:defRPr b="0" i="0" sz="1400" u="none" cap="none" strike="noStrike">
+      <a:defRPr sz="1400" b="0" i="0" u="none" strike="noStrike" cap="none">
         <a:solidFill>
           <a:srgbClr val="000000"/>
         </a:solidFill>
@@ -159,7 +173,7 @@
         <a:sym typeface="Arial"/>
       </a:defRPr>
     </a:lvl5pPr>
-    <a:lvl6pPr lvl="5" marR="0" rtl="0" algn="l">
+    <a:lvl6pPr marR="0" lvl="5" algn="l" rtl="0">
       <a:lnSpc>
         <a:spcPct val="100000"/>
       </a:lnSpc>
@@ -173,7 +187,7 @@
         <a:srgbClr val="000000"/>
       </a:buClr>
       <a:buFont typeface="Arial"/>
-      <a:defRPr b="0" i="0" sz="1400" u="none" cap="none" strike="noStrike">
+      <a:defRPr sz="1400" b="0" i="0" u="none" strike="noStrike" cap="none">
         <a:solidFill>
           <a:srgbClr val="000000"/>
         </a:solidFill>
@@ -183,7 +197,7 @@
         <a:sym typeface="Arial"/>
       </a:defRPr>
     </a:lvl6pPr>
-    <a:lvl7pPr lvl="6" marR="0" rtl="0" algn="l">
+    <a:lvl7pPr marR="0" lvl="6" algn="l" rtl="0">
       <a:lnSpc>
         <a:spcPct val="100000"/>
       </a:lnSpc>
@@ -197,7 +211,7 @@
         <a:srgbClr val="000000"/>
       </a:buClr>
       <a:buFont typeface="Arial"/>
-      <a:defRPr b="0" i="0" sz="1400" u="none" cap="none" strike="noStrike">
+      <a:defRPr sz="1400" b="0" i="0" u="none" strike="noStrike" cap="none">
         <a:solidFill>
           <a:srgbClr val="000000"/>
         </a:solidFill>
@@ -207,7 +221,7 @@
         <a:sym typeface="Arial"/>
       </a:defRPr>
     </a:lvl7pPr>
-    <a:lvl8pPr lvl="7" marR="0" rtl="0" algn="l">
+    <a:lvl8pPr marR="0" lvl="7" algn="l" rtl="0">
       <a:lnSpc>
         <a:spcPct val="100000"/>
       </a:lnSpc>
@@ -221,7 +235,7 @@
         <a:srgbClr val="000000"/>
       </a:buClr>
       <a:buFont typeface="Arial"/>
-      <a:defRPr b="0" i="0" sz="1400" u="none" cap="none" strike="noStrike">
+      <a:defRPr sz="1400" b="0" i="0" u="none" strike="noStrike" cap="none">
         <a:solidFill>
           <a:srgbClr val="000000"/>
         </a:solidFill>
@@ -231,7 +245,7 @@
         <a:sym typeface="Arial"/>
       </a:defRPr>
     </a:lvl8pPr>
-    <a:lvl9pPr lvl="8" marR="0" rtl="0" algn="l">
+    <a:lvl9pPr marR="0" lvl="8" algn="l" rtl="0">
       <a:lnSpc>
         <a:spcPct val="100000"/>
       </a:lnSpc>
@@ -245,7 +259,7 @@
         <a:srgbClr val="000000"/>
       </a:buClr>
       <a:buFont typeface="Arial"/>
-      <a:defRPr b="0" i="0" sz="1400" u="none" cap="none" strike="noStrike">
+      <a:defRPr sz="1400" b="0" i="0" u="none" strike="noStrike" cap="none">
         <a:solidFill>
           <a:srgbClr val="000000"/>
         </a:solidFill>
@@ -257,26 +271,262 @@
     </a:lvl9pPr>
   </p:defaultTextStyle>
   <p:extLst>
+    <p:ext uri="{EFAFB233-063F-42B5-8137-9DF3F51BA10A}">
+      <p15:sldGuideLst xmlns:p15="http://schemas.microsoft.com/office/powerpoint/2012/main"/>
+    </p:ext>
     <p:ext uri="http://customooxmlschemas.google.com/">
-      <go:slidesCustomData xmlns:go="http://customooxmlschemas.google.com/" r:id="rId16" roundtripDataSignature="AMtx7mgW36KhqQA9Q/VjdQzVrwkLCZWDlA=="/>
+      <go:slidesCustomData xmlns="" xmlns:mc="http://schemas.openxmlformats.org/markup-compatibility/2006" xmlns:mv="urn:schemas-microsoft-com:mac:vml" xmlns:c="http://schemas.openxmlformats.org/drawingml/2006/chart" xmlns:dgm="http://schemas.openxmlformats.org/drawingml/2006/diagram" xmlns:o="urn:schemas-microsoft-com:office:office" xmlns:v="urn:schemas-microsoft-com:vml" xmlns:pvml="urn:schemas-microsoft-com:office:powerpoint" xmlns:com="http://schemas.openxmlformats.org/drawingml/2006/compatibility" xmlns:p14="http://schemas.microsoft.com/office/powerpoint/2010/main" xmlns:p15="http://schemas.microsoft.com/office/powerpoint/2012/main" xmlns:ahyp="http://schemas.microsoft.com/office/drawing/2018/hyperlinkcolor" xmlns:go="http://customooxmlschemas.google.com/" r:id="rId23" roundtripDataSignature="AMtx7mgW36KhqQA9Q/VjdQzVrwkLCZWDlA=="/>
     </p:ext>
   </p:extLst>
 </p:presentation>
 </file>
 
+<file path=ppt/revisionInfo.xml><?xml version="1.0" encoding="utf-8"?>
+<p1510:revInfo xmlns:a="http://schemas.openxmlformats.org/drawingml/2006/main" xmlns:r="http://schemas.openxmlformats.org/officeDocument/2006/relationships" xmlns:p1510="http://schemas.microsoft.com/office/powerpoint/2015/10/main">
+  <p1510:revLst>
+    <p1510:client id="{89E24401-52A0-4D24-A81C-D54A8F7CAA2F}" v="5" dt="2023-01-30T10:23:24.198"/>
+  </p1510:revLst>
+</p1510:revInfo>
+</file>
+
+<file path=ppt/changesInfos/changesInfo1.xml><?xml version="1.0" encoding="utf-8"?>
+<pc:chgInfo xmlns:a="http://schemas.openxmlformats.org/drawingml/2006/main" xmlns:r="http://schemas.openxmlformats.org/officeDocument/2006/relationships" xmlns:ac="http://schemas.microsoft.com/office/drawing/2013/main/command" xmlns:pc="http://schemas.microsoft.com/office/powerpoint/2013/main/command">
+  <pc:docChgLst>
+    <pc:chgData name="lander depotter" userId="8919745d22dd8bb1" providerId="LiveId" clId="{89E24401-52A0-4D24-A81C-D54A8F7CAA2F}"/>
+    <pc:docChg chg="undo custSel addSld modSld">
+      <pc:chgData name="lander depotter" userId="8919745d22dd8bb1" providerId="LiveId" clId="{89E24401-52A0-4D24-A81C-D54A8F7CAA2F}" dt="2023-01-30T10:33:20.297" v="244" actId="14826"/>
+      <pc:docMkLst>
+        <pc:docMk/>
+      </pc:docMkLst>
+      <pc:sldChg chg="delSp mod delAnim">
+        <pc:chgData name="lander depotter" userId="8919745d22dd8bb1" providerId="LiveId" clId="{89E24401-52A0-4D24-A81C-D54A8F7CAA2F}" dt="2023-01-30T10:30:00.844" v="243" actId="478"/>
+        <pc:sldMkLst>
+          <pc:docMk/>
+          <pc:sldMk cId="0" sldId="259"/>
+        </pc:sldMkLst>
+        <pc:picChg chg="del">
+          <ac:chgData name="lander depotter" userId="8919745d22dd8bb1" providerId="LiveId" clId="{89E24401-52A0-4D24-A81C-D54A8F7CAA2F}" dt="2023-01-30T10:30:00.844" v="243" actId="478"/>
+          <ac:picMkLst>
+            <pc:docMk/>
+            <pc:sldMk cId="0" sldId="259"/>
+            <ac:picMk id="56" creationId="{00000000-0000-0000-0000-000000000000}"/>
+          </ac:picMkLst>
+        </pc:picChg>
+      </pc:sldChg>
+      <pc:sldChg chg="addSp modSp mod">
+        <pc:chgData name="lander depotter" userId="8919745d22dd8bb1" providerId="LiveId" clId="{89E24401-52A0-4D24-A81C-D54A8F7CAA2F}" dt="2023-01-19T08:42:47.422" v="212" actId="1076"/>
+        <pc:sldMkLst>
+          <pc:docMk/>
+          <pc:sldMk cId="0" sldId="261"/>
+        </pc:sldMkLst>
+        <pc:spChg chg="add mod">
+          <ac:chgData name="lander depotter" userId="8919745d22dd8bb1" providerId="LiveId" clId="{89E24401-52A0-4D24-A81C-D54A8F7CAA2F}" dt="2023-01-19T08:42:47.422" v="212" actId="1076"/>
+          <ac:spMkLst>
+            <pc:docMk/>
+            <pc:sldMk cId="0" sldId="261"/>
+            <ac:spMk id="3" creationId="{085F9746-D279-AA9F-B8D5-3CF70B6C9CFD}"/>
+          </ac:spMkLst>
+        </pc:spChg>
+        <pc:spChg chg="mod">
+          <ac:chgData name="lander depotter" userId="8919745d22dd8bb1" providerId="LiveId" clId="{89E24401-52A0-4D24-A81C-D54A8F7CAA2F}" dt="2023-01-19T08:34:54.162" v="63" actId="20577"/>
+          <ac:spMkLst>
+            <pc:docMk/>
+            <pc:sldMk cId="0" sldId="261"/>
+            <ac:spMk id="72" creationId="{00000000-0000-0000-0000-000000000000}"/>
+          </ac:spMkLst>
+        </pc:spChg>
+        <pc:grpChg chg="add mod">
+          <ac:chgData name="lander depotter" userId="8919745d22dd8bb1" providerId="LiveId" clId="{89E24401-52A0-4D24-A81C-D54A8F7CAA2F}" dt="2023-01-19T08:40:36.115" v="154" actId="1076"/>
+          <ac:grpSpMkLst>
+            <pc:docMk/>
+            <pc:sldMk cId="0" sldId="261"/>
+            <ac:grpSpMk id="2" creationId="{F092E2C4-7798-9AA0-A3B2-102BEBF15906}"/>
+          </ac:grpSpMkLst>
+        </pc:grpChg>
+        <pc:picChg chg="mod">
+          <ac:chgData name="lander depotter" userId="8919745d22dd8bb1" providerId="LiveId" clId="{89E24401-52A0-4D24-A81C-D54A8F7CAA2F}" dt="2023-01-19T08:40:32.720" v="152" actId="164"/>
+          <ac:picMkLst>
+            <pc:docMk/>
+            <pc:sldMk cId="0" sldId="261"/>
+            <ac:picMk id="73" creationId="{00000000-0000-0000-0000-000000000000}"/>
+          </ac:picMkLst>
+        </pc:picChg>
+        <pc:picChg chg="mod">
+          <ac:chgData name="lander depotter" userId="8919745d22dd8bb1" providerId="LiveId" clId="{89E24401-52A0-4D24-A81C-D54A8F7CAA2F}" dt="2023-01-19T08:40:32.720" v="152" actId="164"/>
+          <ac:picMkLst>
+            <pc:docMk/>
+            <pc:sldMk cId="0" sldId="261"/>
+            <ac:picMk id="74" creationId="{00000000-0000-0000-0000-000000000000}"/>
+          </ac:picMkLst>
+        </pc:picChg>
+        <pc:picChg chg="mod">
+          <ac:chgData name="lander depotter" userId="8919745d22dd8bb1" providerId="LiveId" clId="{89E24401-52A0-4D24-A81C-D54A8F7CAA2F}" dt="2023-01-19T08:40:32.720" v="152" actId="164"/>
+          <ac:picMkLst>
+            <pc:docMk/>
+            <pc:sldMk cId="0" sldId="261"/>
+            <ac:picMk id="75" creationId="{00000000-0000-0000-0000-000000000000}"/>
+          </ac:picMkLst>
+        </pc:picChg>
+      </pc:sldChg>
+      <pc:sldChg chg="addSp modSp mod">
+        <pc:chgData name="lander depotter" userId="8919745d22dd8bb1" providerId="LiveId" clId="{89E24401-52A0-4D24-A81C-D54A8F7CAA2F}" dt="2023-01-19T08:40:24.991" v="150" actId="1076"/>
+        <pc:sldMkLst>
+          <pc:docMk/>
+          <pc:sldMk cId="0" sldId="262"/>
+        </pc:sldMkLst>
+        <pc:spChg chg="mod">
+          <ac:chgData name="lander depotter" userId="8919745d22dd8bb1" providerId="LiveId" clId="{89E24401-52A0-4D24-A81C-D54A8F7CAA2F}" dt="2023-01-19T08:34:57.219" v="65" actId="20577"/>
+          <ac:spMkLst>
+            <pc:docMk/>
+            <pc:sldMk cId="0" sldId="262"/>
+            <ac:spMk id="82" creationId="{00000000-0000-0000-0000-000000000000}"/>
+          </ac:spMkLst>
+        </pc:spChg>
+        <pc:grpChg chg="add mod">
+          <ac:chgData name="lander depotter" userId="8919745d22dd8bb1" providerId="LiveId" clId="{89E24401-52A0-4D24-A81C-D54A8F7CAA2F}" dt="2023-01-19T08:40:24.991" v="150" actId="1076"/>
+          <ac:grpSpMkLst>
+            <pc:docMk/>
+            <pc:sldMk cId="0" sldId="262"/>
+            <ac:grpSpMk id="2" creationId="{8CF08521-5524-7E8C-9BF6-100ADFA43216}"/>
+          </ac:grpSpMkLst>
+        </pc:grpChg>
+        <pc:picChg chg="mod">
+          <ac:chgData name="lander depotter" userId="8919745d22dd8bb1" providerId="LiveId" clId="{89E24401-52A0-4D24-A81C-D54A8F7CAA2F}" dt="2023-01-19T08:40:01.210" v="144" actId="164"/>
+          <ac:picMkLst>
+            <pc:docMk/>
+            <pc:sldMk cId="0" sldId="262"/>
+            <ac:picMk id="83" creationId="{00000000-0000-0000-0000-000000000000}"/>
+          </ac:picMkLst>
+        </pc:picChg>
+        <pc:picChg chg="mod">
+          <ac:chgData name="lander depotter" userId="8919745d22dd8bb1" providerId="LiveId" clId="{89E24401-52A0-4D24-A81C-D54A8F7CAA2F}" dt="2023-01-19T08:40:01.210" v="144" actId="164"/>
+          <ac:picMkLst>
+            <pc:docMk/>
+            <pc:sldMk cId="0" sldId="262"/>
+            <ac:picMk id="84" creationId="{00000000-0000-0000-0000-000000000000}"/>
+          </ac:picMkLst>
+        </pc:picChg>
+        <pc:picChg chg="mod">
+          <ac:chgData name="lander depotter" userId="8919745d22dd8bb1" providerId="LiveId" clId="{89E24401-52A0-4D24-A81C-D54A8F7CAA2F}" dt="2023-01-19T08:40:01.210" v="144" actId="164"/>
+          <ac:picMkLst>
+            <pc:docMk/>
+            <pc:sldMk cId="0" sldId="262"/>
+            <ac:picMk id="85" creationId="{00000000-0000-0000-0000-000000000000}"/>
+          </ac:picMkLst>
+        </pc:picChg>
+        <pc:picChg chg="mod">
+          <ac:chgData name="lander depotter" userId="8919745d22dd8bb1" providerId="LiveId" clId="{89E24401-52A0-4D24-A81C-D54A8F7CAA2F}" dt="2023-01-19T08:40:01.210" v="144" actId="164"/>
+          <ac:picMkLst>
+            <pc:docMk/>
+            <pc:sldMk cId="0" sldId="262"/>
+            <ac:picMk id="86" creationId="{00000000-0000-0000-0000-000000000000}"/>
+          </ac:picMkLst>
+        </pc:picChg>
+        <pc:picChg chg="mod">
+          <ac:chgData name="lander depotter" userId="8919745d22dd8bb1" providerId="LiveId" clId="{89E24401-52A0-4D24-A81C-D54A8F7CAA2F}" dt="2023-01-19T08:40:01.210" v="144" actId="164"/>
+          <ac:picMkLst>
+            <pc:docMk/>
+            <pc:sldMk cId="0" sldId="262"/>
+            <ac:picMk id="87" creationId="{00000000-0000-0000-0000-000000000000}"/>
+          </ac:picMkLst>
+        </pc:picChg>
+      </pc:sldChg>
+      <pc:sldChg chg="modSp mod">
+        <pc:chgData name="lander depotter" userId="8919745d22dd8bb1" providerId="LiveId" clId="{89E24401-52A0-4D24-A81C-D54A8F7CAA2F}" dt="2023-01-19T08:31:29.842" v="28" actId="20577"/>
+        <pc:sldMkLst>
+          <pc:docMk/>
+          <pc:sldMk cId="0" sldId="263"/>
+        </pc:sldMkLst>
+        <pc:spChg chg="mod">
+          <ac:chgData name="lander depotter" userId="8919745d22dd8bb1" providerId="LiveId" clId="{89E24401-52A0-4D24-A81C-D54A8F7CAA2F}" dt="2023-01-19T08:31:29.842" v="28" actId="20577"/>
+          <ac:spMkLst>
+            <pc:docMk/>
+            <pc:sldMk cId="0" sldId="263"/>
+            <ac:spMk id="93" creationId="{00000000-0000-0000-0000-000000000000}"/>
+          </ac:spMkLst>
+        </pc:spChg>
+      </pc:sldChg>
+      <pc:sldChg chg="addSp modSp mod">
+        <pc:chgData name="lander depotter" userId="8919745d22dd8bb1" providerId="LiveId" clId="{89E24401-52A0-4D24-A81C-D54A8F7CAA2F}" dt="2023-01-19T08:37:58.375" v="143" actId="1076"/>
+        <pc:sldMkLst>
+          <pc:docMk/>
+          <pc:sldMk cId="0" sldId="264"/>
+        </pc:sldMkLst>
+        <pc:spChg chg="add mod">
+          <ac:chgData name="lander depotter" userId="8919745d22dd8bb1" providerId="LiveId" clId="{89E24401-52A0-4D24-A81C-D54A8F7CAA2F}" dt="2023-01-19T08:37:58.375" v="143" actId="1076"/>
+          <ac:spMkLst>
+            <pc:docMk/>
+            <pc:sldMk cId="0" sldId="264"/>
+            <ac:spMk id="2" creationId="{BC54A07D-39A7-8038-3B79-06223C46CD86}"/>
+          </ac:spMkLst>
+        </pc:spChg>
+        <pc:spChg chg="mod">
+          <ac:chgData name="lander depotter" userId="8919745d22dd8bb1" providerId="LiveId" clId="{89E24401-52A0-4D24-A81C-D54A8F7CAA2F}" dt="2023-01-19T08:36:40.798" v="120" actId="207"/>
+          <ac:spMkLst>
+            <pc:docMk/>
+            <pc:sldMk cId="0" sldId="264"/>
+            <ac:spMk id="100" creationId="{00000000-0000-0000-0000-000000000000}"/>
+          </ac:spMkLst>
+        </pc:spChg>
+        <pc:picChg chg="mod">
+          <ac:chgData name="lander depotter" userId="8919745d22dd8bb1" providerId="LiveId" clId="{89E24401-52A0-4D24-A81C-D54A8F7CAA2F}" dt="2023-01-19T08:34:42.461" v="61" actId="1076"/>
+          <ac:picMkLst>
+            <pc:docMk/>
+            <pc:sldMk cId="0" sldId="264"/>
+            <ac:picMk id="101" creationId="{00000000-0000-0000-0000-000000000000}"/>
+          </ac:picMkLst>
+        </pc:picChg>
+      </pc:sldChg>
+      <pc:sldChg chg="addSp delSp modSp new mod">
+        <pc:chgData name="lander depotter" userId="8919745d22dd8bb1" providerId="LiveId" clId="{89E24401-52A0-4D24-A81C-D54A8F7CAA2F}" dt="2023-01-30T10:33:20.297" v="244" actId="14826"/>
+        <pc:sldMkLst>
+          <pc:docMk/>
+          <pc:sldMk cId="3727464728" sldId="265"/>
+        </pc:sldMkLst>
+        <pc:spChg chg="mod">
+          <ac:chgData name="lander depotter" userId="8919745d22dd8bb1" providerId="LiveId" clId="{89E24401-52A0-4D24-A81C-D54A8F7CAA2F}" dt="2023-01-30T10:23:08.131" v="234" actId="20577"/>
+          <ac:spMkLst>
+            <pc:docMk/>
+            <pc:sldMk cId="3727464728" sldId="265"/>
+            <ac:spMk id="2" creationId="{B620ACD3-E80B-95CD-8D35-46DF1B6208B9}"/>
+          </ac:spMkLst>
+        </pc:spChg>
+        <pc:spChg chg="del">
+          <ac:chgData name="lander depotter" userId="8919745d22dd8bb1" providerId="LiveId" clId="{89E24401-52A0-4D24-A81C-D54A8F7CAA2F}" dt="2023-01-30T10:23:37.785" v="237" actId="478"/>
+          <ac:spMkLst>
+            <pc:docMk/>
+            <pc:sldMk cId="3727464728" sldId="265"/>
+            <ac:spMk id="3" creationId="{E983A80C-4734-8BAC-C3CF-A4B32B2B5856}"/>
+          </ac:spMkLst>
+        </pc:spChg>
+        <pc:picChg chg="add mod">
+          <ac:chgData name="lander depotter" userId="8919745d22dd8bb1" providerId="LiveId" clId="{89E24401-52A0-4D24-A81C-D54A8F7CAA2F}" dt="2023-01-30T10:33:20.297" v="244" actId="14826"/>
+          <ac:picMkLst>
+            <pc:docMk/>
+            <pc:sldMk cId="3727464728" sldId="265"/>
+            <ac:picMk id="4" creationId="{213E559C-BC15-379C-164E-8A36B381CC5C}"/>
+          </ac:picMkLst>
+        </pc:picChg>
+      </pc:sldChg>
+    </pc:docChg>
+  </pc:docChgLst>
+</pc:chgInfo>
+</file>
+
 <file path=ppt/notesMasters/notesMaster1.xml><?xml version="1.0" encoding="utf-8"?>
-<p:notesMaster xmlns:a="http://schemas.openxmlformats.org/drawingml/2006/main" xmlns:r="http://schemas.openxmlformats.org/officeDocument/2006/relationships" xmlns:mc="http://schemas.openxmlformats.org/markup-compatibility/2006" xmlns:mv="urn:schemas-microsoft-com:mac:vml" xmlns:p="http://schemas.openxmlformats.org/presentationml/2006/main" xmlns:c="http://schemas.openxmlformats.org/drawingml/2006/chart" xmlns:dgm="http://schemas.openxmlformats.org/drawingml/2006/diagram" xmlns:o="urn:schemas-microsoft-com:office:office" xmlns:v="urn:schemas-microsoft-com:vml" xmlns:pvml="urn:schemas-microsoft-com:office:powerpoint" xmlns:com="http://schemas.openxmlformats.org/drawingml/2006/compatibility" xmlns:p14="http://schemas.microsoft.com/office/powerpoint/2010/main" xmlns:p15="http://schemas.microsoft.com/office/powerpoint/2012/main" xmlns:ahyp="http://schemas.microsoft.com/office/drawing/2018/hyperlinkcolor">
+<p:notesMaster xmlns:a="http://schemas.openxmlformats.org/drawingml/2006/main" xmlns:r="http://schemas.openxmlformats.org/officeDocument/2006/relationships" xmlns:p="http://schemas.openxmlformats.org/presentationml/2006/main">
   <p:cSld>
     <p:bg>
       <p:bgPr>
         <a:solidFill>
           <a:schemeClr val="lt1"/>
         </a:solidFill>
+        <a:effectLst/>
       </p:bgPr>
     </p:bg>
     <p:spTree>
       <p:nvGrpSpPr>
-        <p:cNvPr id="2" name="Shape 2"/>
+        <p:cNvPr id="1" name="Shape 2"/>
         <p:cNvGrpSpPr/>
         <p:nvPr/>
       </p:nvGrpSpPr>
@@ -291,9 +541,11 @@
       <p:sp>
         <p:nvSpPr>
           <p:cNvPr id="3" name="Google Shape;3;n"/>
-          <p:cNvSpPr txBox="1"/>
+          <p:cNvSpPr txBox="1">
+            <a:spLocks noGrp="1"/>
+          </p:cNvSpPr>
           <p:nvPr>
-            <p:ph idx="2" type="hdr"/>
+            <p:ph type="hdr" idx="2"/>
           </p:nvPr>
         </p:nvSpPr>
         <p:spPr>
@@ -310,20 +562,20 @@
           </a:ln>
         </p:spPr>
         <p:txBody>
-          <a:bodyPr anchorCtr="0" anchor="t" bIns="45700" lIns="91425" spcFirstLastPara="1" rIns="91425" wrap="square" tIns="45700">
+          <a:bodyPr spcFirstLastPara="1" wrap="square" lIns="91425" tIns="45700" rIns="91425" bIns="45700" anchor="t" anchorCtr="0">
             <a:noAutofit/>
           </a:bodyPr>
           <a:lstStyle>
-            <a:lvl1pPr lvl="0" marR="0" rtl="0" algn="l">
-              <a:spcBef>
-                <a:spcPts val="0"/>
-              </a:spcBef>
-              <a:spcAft>
-                <a:spcPts val="0"/>
-              </a:spcAft>
-              <a:buSzPts val="1400"/>
-              <a:buNone/>
-              <a:defRPr b="0" i="0" sz="1200" u="none" cap="none" strike="noStrike">
+            <a:lvl1pPr marR="0" lvl="0" algn="l" rtl="0">
+              <a:spcBef>
+                <a:spcPts val="0"/>
+              </a:spcBef>
+              <a:spcAft>
+                <a:spcPts val="0"/>
+              </a:spcAft>
+              <a:buSzPts val="1400"/>
+              <a:buNone/>
+              <a:defRPr sz="1200" b="0" i="0" u="none" strike="noStrike" cap="none">
                 <a:solidFill>
                   <a:schemeClr val="dk1"/>
                 </a:solidFill>
@@ -333,16 +585,16 @@
                 <a:sym typeface="Calibri"/>
               </a:defRPr>
             </a:lvl1pPr>
-            <a:lvl2pPr lvl="1" marR="0" rtl="0" algn="l">
-              <a:spcBef>
-                <a:spcPts val="0"/>
-              </a:spcBef>
-              <a:spcAft>
-                <a:spcPts val="0"/>
-              </a:spcAft>
-              <a:buSzPts val="1400"/>
-              <a:buNone/>
-              <a:defRPr b="0" i="0" sz="1800" u="none" cap="none" strike="noStrike">
+            <a:lvl2pPr marR="0" lvl="1" algn="l" rtl="0">
+              <a:spcBef>
+                <a:spcPts val="0"/>
+              </a:spcBef>
+              <a:spcAft>
+                <a:spcPts val="0"/>
+              </a:spcAft>
+              <a:buSzPts val="1400"/>
+              <a:buNone/>
+              <a:defRPr sz="1800" b="0" i="0" u="none" strike="noStrike" cap="none">
                 <a:solidFill>
                   <a:schemeClr val="dk1"/>
                 </a:solidFill>
@@ -352,16 +604,16 @@
                 <a:sym typeface="Calibri"/>
               </a:defRPr>
             </a:lvl2pPr>
-            <a:lvl3pPr lvl="2" marR="0" rtl="0" algn="l">
-              <a:spcBef>
-                <a:spcPts val="0"/>
-              </a:spcBef>
-              <a:spcAft>
-                <a:spcPts val="0"/>
-              </a:spcAft>
-              <a:buSzPts val="1400"/>
-              <a:buNone/>
-              <a:defRPr b="0" i="0" sz="1800" u="none" cap="none" strike="noStrike">
+            <a:lvl3pPr marR="0" lvl="2" algn="l" rtl="0">
+              <a:spcBef>
+                <a:spcPts val="0"/>
+              </a:spcBef>
+              <a:spcAft>
+                <a:spcPts val="0"/>
+              </a:spcAft>
+              <a:buSzPts val="1400"/>
+              <a:buNone/>
+              <a:defRPr sz="1800" b="0" i="0" u="none" strike="noStrike" cap="none">
                 <a:solidFill>
                   <a:schemeClr val="dk1"/>
                 </a:solidFill>
@@ -371,16 +623,16 @@
                 <a:sym typeface="Calibri"/>
               </a:defRPr>
             </a:lvl3pPr>
-            <a:lvl4pPr lvl="3" marR="0" rtl="0" algn="l">
-              <a:spcBef>
-                <a:spcPts val="0"/>
-              </a:spcBef>
-              <a:spcAft>
-                <a:spcPts val="0"/>
-              </a:spcAft>
-              <a:buSzPts val="1400"/>
-              <a:buNone/>
-              <a:defRPr b="0" i="0" sz="1800" u="none" cap="none" strike="noStrike">
+            <a:lvl4pPr marR="0" lvl="3" algn="l" rtl="0">
+              <a:spcBef>
+                <a:spcPts val="0"/>
+              </a:spcBef>
+              <a:spcAft>
+                <a:spcPts val="0"/>
+              </a:spcAft>
+              <a:buSzPts val="1400"/>
+              <a:buNone/>
+              <a:defRPr sz="1800" b="0" i="0" u="none" strike="noStrike" cap="none">
                 <a:solidFill>
                   <a:schemeClr val="dk1"/>
                 </a:solidFill>
@@ -390,16 +642,16 @@
                 <a:sym typeface="Calibri"/>
               </a:defRPr>
             </a:lvl4pPr>
-            <a:lvl5pPr lvl="4" marR="0" rtl="0" algn="l">
-              <a:spcBef>
-                <a:spcPts val="0"/>
-              </a:spcBef>
-              <a:spcAft>
-                <a:spcPts val="0"/>
-              </a:spcAft>
-              <a:buSzPts val="1400"/>
-              <a:buNone/>
-              <a:defRPr b="0" i="0" sz="1800" u="none" cap="none" strike="noStrike">
+            <a:lvl5pPr marR="0" lvl="4" algn="l" rtl="0">
+              <a:spcBef>
+                <a:spcPts val="0"/>
+              </a:spcBef>
+              <a:spcAft>
+                <a:spcPts val="0"/>
+              </a:spcAft>
+              <a:buSzPts val="1400"/>
+              <a:buNone/>
+              <a:defRPr sz="1800" b="0" i="0" u="none" strike="noStrike" cap="none">
                 <a:solidFill>
                   <a:schemeClr val="dk1"/>
                 </a:solidFill>
@@ -409,16 +661,16 @@
                 <a:sym typeface="Calibri"/>
               </a:defRPr>
             </a:lvl5pPr>
-            <a:lvl6pPr lvl="5" marR="0" rtl="0" algn="l">
-              <a:spcBef>
-                <a:spcPts val="0"/>
-              </a:spcBef>
-              <a:spcAft>
-                <a:spcPts val="0"/>
-              </a:spcAft>
-              <a:buSzPts val="1400"/>
-              <a:buNone/>
-              <a:defRPr b="0" i="0" sz="1800" u="none" cap="none" strike="noStrike">
+            <a:lvl6pPr marR="0" lvl="5" algn="l" rtl="0">
+              <a:spcBef>
+                <a:spcPts val="0"/>
+              </a:spcBef>
+              <a:spcAft>
+                <a:spcPts val="0"/>
+              </a:spcAft>
+              <a:buSzPts val="1400"/>
+              <a:buNone/>
+              <a:defRPr sz="1800" b="0" i="0" u="none" strike="noStrike" cap="none">
                 <a:solidFill>
                   <a:schemeClr val="dk1"/>
                 </a:solidFill>
@@ -428,16 +680,16 @@
                 <a:sym typeface="Calibri"/>
               </a:defRPr>
             </a:lvl6pPr>
-            <a:lvl7pPr lvl="6" marR="0" rtl="0" algn="l">
-              <a:spcBef>
-                <a:spcPts val="0"/>
-              </a:spcBef>
-              <a:spcAft>
-                <a:spcPts val="0"/>
-              </a:spcAft>
-              <a:buSzPts val="1400"/>
-              <a:buNone/>
-              <a:defRPr b="0" i="0" sz="1800" u="none" cap="none" strike="noStrike">
+            <a:lvl7pPr marR="0" lvl="6" algn="l" rtl="0">
+              <a:spcBef>
+                <a:spcPts val="0"/>
+              </a:spcBef>
+              <a:spcAft>
+                <a:spcPts val="0"/>
+              </a:spcAft>
+              <a:buSzPts val="1400"/>
+              <a:buNone/>
+              <a:defRPr sz="1800" b="0" i="0" u="none" strike="noStrike" cap="none">
                 <a:solidFill>
                   <a:schemeClr val="dk1"/>
                 </a:solidFill>
@@ -447,16 +699,16 @@
                 <a:sym typeface="Calibri"/>
               </a:defRPr>
             </a:lvl7pPr>
-            <a:lvl8pPr lvl="7" marR="0" rtl="0" algn="l">
-              <a:spcBef>
-                <a:spcPts val="0"/>
-              </a:spcBef>
-              <a:spcAft>
-                <a:spcPts val="0"/>
-              </a:spcAft>
-              <a:buSzPts val="1400"/>
-              <a:buNone/>
-              <a:defRPr b="0" i="0" sz="1800" u="none" cap="none" strike="noStrike">
+            <a:lvl8pPr marR="0" lvl="7" algn="l" rtl="0">
+              <a:spcBef>
+                <a:spcPts val="0"/>
+              </a:spcBef>
+              <a:spcAft>
+                <a:spcPts val="0"/>
+              </a:spcAft>
+              <a:buSzPts val="1400"/>
+              <a:buNone/>
+              <a:defRPr sz="1800" b="0" i="0" u="none" strike="noStrike" cap="none">
                 <a:solidFill>
                   <a:schemeClr val="dk1"/>
                 </a:solidFill>
@@ -466,16 +718,16 @@
                 <a:sym typeface="Calibri"/>
               </a:defRPr>
             </a:lvl8pPr>
-            <a:lvl9pPr lvl="8" marR="0" rtl="0" algn="l">
-              <a:spcBef>
-                <a:spcPts val="0"/>
-              </a:spcBef>
-              <a:spcAft>
-                <a:spcPts val="0"/>
-              </a:spcAft>
-              <a:buSzPts val="1400"/>
-              <a:buNone/>
-              <a:defRPr b="0" i="0" sz="1800" u="none" cap="none" strike="noStrike">
+            <a:lvl9pPr marR="0" lvl="8" algn="l" rtl="0">
+              <a:spcBef>
+                <a:spcPts val="0"/>
+              </a:spcBef>
+              <a:spcAft>
+                <a:spcPts val="0"/>
+              </a:spcAft>
+              <a:buSzPts val="1400"/>
+              <a:buNone/>
+              <a:defRPr sz="1800" b="0" i="0" u="none" strike="noStrike" cap="none">
                 <a:solidFill>
                   <a:schemeClr val="dk1"/>
                 </a:solidFill>
@@ -486,15 +738,19 @@
               </a:defRPr>
             </a:lvl9pPr>
           </a:lstStyle>
-          <a:p/>
+          <a:p>
+            <a:endParaRPr/>
+          </a:p>
         </p:txBody>
       </p:sp>
       <p:sp>
         <p:nvSpPr>
           <p:cNvPr id="4" name="Google Shape;4;n"/>
-          <p:cNvSpPr txBox="1"/>
+          <p:cNvSpPr txBox="1">
+            <a:spLocks noGrp="1"/>
+          </p:cNvSpPr>
           <p:nvPr>
-            <p:ph idx="10" type="dt"/>
+            <p:ph type="dt" idx="10"/>
           </p:nvPr>
         </p:nvSpPr>
         <p:spPr>
@@ -511,20 +767,20 @@
           </a:ln>
         </p:spPr>
         <p:txBody>
-          <a:bodyPr anchorCtr="0" anchor="t" bIns="45700" lIns="91425" spcFirstLastPara="1" rIns="91425" wrap="square" tIns="45700">
+          <a:bodyPr spcFirstLastPara="1" wrap="square" lIns="91425" tIns="45700" rIns="91425" bIns="45700" anchor="t" anchorCtr="0">
             <a:noAutofit/>
           </a:bodyPr>
           <a:lstStyle>
-            <a:lvl1pPr lvl="0" marR="0" rtl="0" algn="r">
-              <a:spcBef>
-                <a:spcPts val="0"/>
-              </a:spcBef>
-              <a:spcAft>
-                <a:spcPts val="0"/>
-              </a:spcAft>
-              <a:buSzPts val="1400"/>
-              <a:buNone/>
-              <a:defRPr b="0" i="0" sz="1200" u="none" cap="none" strike="noStrike">
+            <a:lvl1pPr marR="0" lvl="0" algn="r" rtl="0">
+              <a:spcBef>
+                <a:spcPts val="0"/>
+              </a:spcBef>
+              <a:spcAft>
+                <a:spcPts val="0"/>
+              </a:spcAft>
+              <a:buSzPts val="1400"/>
+              <a:buNone/>
+              <a:defRPr sz="1200" b="0" i="0" u="none" strike="noStrike" cap="none">
                 <a:solidFill>
                   <a:schemeClr val="dk1"/>
                 </a:solidFill>
@@ -534,16 +790,16 @@
                 <a:sym typeface="Calibri"/>
               </a:defRPr>
             </a:lvl1pPr>
-            <a:lvl2pPr lvl="1" marR="0" rtl="0" algn="l">
-              <a:spcBef>
-                <a:spcPts val="0"/>
-              </a:spcBef>
-              <a:spcAft>
-                <a:spcPts val="0"/>
-              </a:spcAft>
-              <a:buSzPts val="1400"/>
-              <a:buNone/>
-              <a:defRPr b="0" i="0" sz="1800" u="none" cap="none" strike="noStrike">
+            <a:lvl2pPr marR="0" lvl="1" algn="l" rtl="0">
+              <a:spcBef>
+                <a:spcPts val="0"/>
+              </a:spcBef>
+              <a:spcAft>
+                <a:spcPts val="0"/>
+              </a:spcAft>
+              <a:buSzPts val="1400"/>
+              <a:buNone/>
+              <a:defRPr sz="1800" b="0" i="0" u="none" strike="noStrike" cap="none">
                 <a:solidFill>
                   <a:schemeClr val="dk1"/>
                 </a:solidFill>
@@ -553,16 +809,16 @@
                 <a:sym typeface="Calibri"/>
               </a:defRPr>
             </a:lvl2pPr>
-            <a:lvl3pPr lvl="2" marR="0" rtl="0" algn="l">
-              <a:spcBef>
-                <a:spcPts val="0"/>
-              </a:spcBef>
-              <a:spcAft>
-                <a:spcPts val="0"/>
-              </a:spcAft>
-              <a:buSzPts val="1400"/>
-              <a:buNone/>
-              <a:defRPr b="0" i="0" sz="1800" u="none" cap="none" strike="noStrike">
+            <a:lvl3pPr marR="0" lvl="2" algn="l" rtl="0">
+              <a:spcBef>
+                <a:spcPts val="0"/>
+              </a:spcBef>
+              <a:spcAft>
+                <a:spcPts val="0"/>
+              </a:spcAft>
+              <a:buSzPts val="1400"/>
+              <a:buNone/>
+              <a:defRPr sz="1800" b="0" i="0" u="none" strike="noStrike" cap="none">
                 <a:solidFill>
                   <a:schemeClr val="dk1"/>
                 </a:solidFill>
@@ -572,16 +828,16 @@
                 <a:sym typeface="Calibri"/>
               </a:defRPr>
             </a:lvl3pPr>
-            <a:lvl4pPr lvl="3" marR="0" rtl="0" algn="l">
-              <a:spcBef>
-                <a:spcPts val="0"/>
-              </a:spcBef>
-              <a:spcAft>
-                <a:spcPts val="0"/>
-              </a:spcAft>
-              <a:buSzPts val="1400"/>
-              <a:buNone/>
-              <a:defRPr b="0" i="0" sz="1800" u="none" cap="none" strike="noStrike">
+            <a:lvl4pPr marR="0" lvl="3" algn="l" rtl="0">
+              <a:spcBef>
+                <a:spcPts val="0"/>
+              </a:spcBef>
+              <a:spcAft>
+                <a:spcPts val="0"/>
+              </a:spcAft>
+              <a:buSzPts val="1400"/>
+              <a:buNone/>
+              <a:defRPr sz="1800" b="0" i="0" u="none" strike="noStrike" cap="none">
                 <a:solidFill>
                   <a:schemeClr val="dk1"/>
                 </a:solidFill>
@@ -591,16 +847,16 @@
                 <a:sym typeface="Calibri"/>
               </a:defRPr>
             </a:lvl4pPr>
-            <a:lvl5pPr lvl="4" marR="0" rtl="0" algn="l">
-              <a:spcBef>
-                <a:spcPts val="0"/>
-              </a:spcBef>
-              <a:spcAft>
-                <a:spcPts val="0"/>
-              </a:spcAft>
-              <a:buSzPts val="1400"/>
-              <a:buNone/>
-              <a:defRPr b="0" i="0" sz="1800" u="none" cap="none" strike="noStrike">
+            <a:lvl5pPr marR="0" lvl="4" algn="l" rtl="0">
+              <a:spcBef>
+                <a:spcPts val="0"/>
+              </a:spcBef>
+              <a:spcAft>
+                <a:spcPts val="0"/>
+              </a:spcAft>
+              <a:buSzPts val="1400"/>
+              <a:buNone/>
+              <a:defRPr sz="1800" b="0" i="0" u="none" strike="noStrike" cap="none">
                 <a:solidFill>
                   <a:schemeClr val="dk1"/>
                 </a:solidFill>
@@ -610,16 +866,16 @@
                 <a:sym typeface="Calibri"/>
               </a:defRPr>
             </a:lvl5pPr>
-            <a:lvl6pPr lvl="5" marR="0" rtl="0" algn="l">
-              <a:spcBef>
-                <a:spcPts val="0"/>
-              </a:spcBef>
-              <a:spcAft>
-                <a:spcPts val="0"/>
-              </a:spcAft>
-              <a:buSzPts val="1400"/>
-              <a:buNone/>
-              <a:defRPr b="0" i="0" sz="1800" u="none" cap="none" strike="noStrike">
+            <a:lvl6pPr marR="0" lvl="5" algn="l" rtl="0">
+              <a:spcBef>
+                <a:spcPts val="0"/>
+              </a:spcBef>
+              <a:spcAft>
+                <a:spcPts val="0"/>
+              </a:spcAft>
+              <a:buSzPts val="1400"/>
+              <a:buNone/>
+              <a:defRPr sz="1800" b="0" i="0" u="none" strike="noStrike" cap="none">
                 <a:solidFill>
                   <a:schemeClr val="dk1"/>
                 </a:solidFill>
@@ -629,16 +885,16 @@
                 <a:sym typeface="Calibri"/>
               </a:defRPr>
             </a:lvl6pPr>
-            <a:lvl7pPr lvl="6" marR="0" rtl="0" algn="l">
-              <a:spcBef>
-                <a:spcPts val="0"/>
-              </a:spcBef>
-              <a:spcAft>
-                <a:spcPts val="0"/>
-              </a:spcAft>
-              <a:buSzPts val="1400"/>
-              <a:buNone/>
-              <a:defRPr b="0" i="0" sz="1800" u="none" cap="none" strike="noStrike">
+            <a:lvl7pPr marR="0" lvl="6" algn="l" rtl="0">
+              <a:spcBef>
+                <a:spcPts val="0"/>
+              </a:spcBef>
+              <a:spcAft>
+                <a:spcPts val="0"/>
+              </a:spcAft>
+              <a:buSzPts val="1400"/>
+              <a:buNone/>
+              <a:defRPr sz="1800" b="0" i="0" u="none" strike="noStrike" cap="none">
                 <a:solidFill>
                   <a:schemeClr val="dk1"/>
                 </a:solidFill>
@@ -648,16 +904,16 @@
                 <a:sym typeface="Calibri"/>
               </a:defRPr>
             </a:lvl7pPr>
-            <a:lvl8pPr lvl="7" marR="0" rtl="0" algn="l">
-              <a:spcBef>
-                <a:spcPts val="0"/>
-              </a:spcBef>
-              <a:spcAft>
-                <a:spcPts val="0"/>
-              </a:spcAft>
-              <a:buSzPts val="1400"/>
-              <a:buNone/>
-              <a:defRPr b="0" i="0" sz="1800" u="none" cap="none" strike="noStrike">
+            <a:lvl8pPr marR="0" lvl="7" algn="l" rtl="0">
+              <a:spcBef>
+                <a:spcPts val="0"/>
+              </a:spcBef>
+              <a:spcAft>
+                <a:spcPts val="0"/>
+              </a:spcAft>
+              <a:buSzPts val="1400"/>
+              <a:buNone/>
+              <a:defRPr sz="1800" b="0" i="0" u="none" strike="noStrike" cap="none">
                 <a:solidFill>
                   <a:schemeClr val="dk1"/>
                 </a:solidFill>
@@ -667,16 +923,16 @@
                 <a:sym typeface="Calibri"/>
               </a:defRPr>
             </a:lvl8pPr>
-            <a:lvl9pPr lvl="8" marR="0" rtl="0" algn="l">
-              <a:spcBef>
-                <a:spcPts val="0"/>
-              </a:spcBef>
-              <a:spcAft>
-                <a:spcPts val="0"/>
-              </a:spcAft>
-              <a:buSzPts val="1400"/>
-              <a:buNone/>
-              <a:defRPr b="0" i="0" sz="1800" u="none" cap="none" strike="noStrike">
+            <a:lvl9pPr marR="0" lvl="8" algn="l" rtl="0">
+              <a:spcBef>
+                <a:spcPts val="0"/>
+              </a:spcBef>
+              <a:spcAft>
+                <a:spcPts val="0"/>
+              </a:spcAft>
+              <a:buSzPts val="1400"/>
+              <a:buNone/>
+              <a:defRPr sz="1800" b="0" i="0" u="none" strike="noStrike" cap="none">
                 <a:solidFill>
                   <a:schemeClr val="dk1"/>
                 </a:solidFill>
@@ -687,15 +943,19 @@
               </a:defRPr>
             </a:lvl9pPr>
           </a:lstStyle>
-          <a:p/>
+          <a:p>
+            <a:endParaRPr/>
+          </a:p>
         </p:txBody>
       </p:sp>
       <p:sp>
         <p:nvSpPr>
           <p:cNvPr id="5" name="Google Shape;5;n"/>
-          <p:cNvSpPr/>
+          <p:cNvSpPr>
+            <a:spLocks noGrp="1" noRot="1" noChangeAspect="1"/>
+          </p:cNvSpPr>
           <p:nvPr>
-            <p:ph idx="3" type="sldImg"/>
+            <p:ph type="sldImg" idx="3"/>
           </p:nvPr>
         </p:nvSpPr>
         <p:spPr>
@@ -704,9 +964,13 @@
             <a:ext cx="5486400" cy="3086100"/>
           </a:xfrm>
           <a:custGeom>
-            <a:rect b="b" l="l" r="r" t="t"/>
+            <a:avLst/>
+            <a:gdLst/>
+            <a:ahLst/>
+            <a:cxnLst/>
+            <a:rect l="l" t="t" r="r" b="b"/>
             <a:pathLst>
-              <a:path extrusionOk="0" h="120000" w="120000">
+              <a:path w="120000" h="120000" extrusionOk="0">
                 <a:moveTo>
                   <a:pt x="0" y="0"/>
                 </a:moveTo>
@@ -724,23 +988,25 @@
             </a:pathLst>
           </a:custGeom>
           <a:noFill/>
-          <a:ln cap="flat" cmpd="sng" w="12700">
+          <a:ln w="12700" cap="flat" cmpd="sng">
             <a:solidFill>
               <a:srgbClr val="000000"/>
             </a:solidFill>
             <a:prstDash val="solid"/>
             <a:round/>
-            <a:headEnd len="sm" w="sm" type="none"/>
-            <a:tailEnd len="sm" w="sm" type="none"/>
+            <a:headEnd type="none" w="sm" len="sm"/>
+            <a:tailEnd type="none" w="sm" len="sm"/>
           </a:ln>
         </p:spPr>
       </p:sp>
       <p:sp>
         <p:nvSpPr>
           <p:cNvPr id="6" name="Google Shape;6;n"/>
-          <p:cNvSpPr txBox="1"/>
+          <p:cNvSpPr txBox="1">
+            <a:spLocks noGrp="1"/>
+          </p:cNvSpPr>
           <p:nvPr>
-            <p:ph idx="1" type="body"/>
+            <p:ph type="body" idx="1"/>
           </p:nvPr>
         </p:nvSpPr>
         <p:spPr>
@@ -757,20 +1023,20 @@
           </a:ln>
         </p:spPr>
         <p:txBody>
-          <a:bodyPr anchorCtr="0" anchor="t" bIns="45700" lIns="91425" spcFirstLastPara="1" rIns="91425" wrap="square" tIns="45700">
+          <a:bodyPr spcFirstLastPara="1" wrap="square" lIns="91425" tIns="45700" rIns="91425" bIns="45700" anchor="t" anchorCtr="0">
             <a:noAutofit/>
           </a:bodyPr>
           <a:lstStyle>
-            <a:lvl1pPr indent="-228600" lvl="0" marL="457200" marR="0" rtl="0" algn="l">
-              <a:spcBef>
-                <a:spcPts val="0"/>
-              </a:spcBef>
-              <a:spcAft>
-                <a:spcPts val="0"/>
-              </a:spcAft>
-              <a:buSzPts val="1400"/>
-              <a:buNone/>
-              <a:defRPr b="0" i="0" sz="1200" u="none" cap="none" strike="noStrike">
+            <a:lvl1pPr marL="457200" marR="0" lvl="0" indent="-228600" algn="l" rtl="0">
+              <a:spcBef>
+                <a:spcPts val="0"/>
+              </a:spcBef>
+              <a:spcAft>
+                <a:spcPts val="0"/>
+              </a:spcAft>
+              <a:buSzPts val="1400"/>
+              <a:buNone/>
+              <a:defRPr sz="1200" b="0" i="0" u="none" strike="noStrike" cap="none">
                 <a:solidFill>
                   <a:schemeClr val="dk1"/>
                 </a:solidFill>
@@ -780,16 +1046,16 @@
                 <a:sym typeface="Calibri"/>
               </a:defRPr>
             </a:lvl1pPr>
-            <a:lvl2pPr indent="-228600" lvl="1" marL="914400" marR="0" rtl="0" algn="l">
-              <a:spcBef>
-                <a:spcPts val="0"/>
-              </a:spcBef>
-              <a:spcAft>
-                <a:spcPts val="0"/>
-              </a:spcAft>
-              <a:buSzPts val="1400"/>
-              <a:buNone/>
-              <a:defRPr b="0" i="0" sz="1200" u="none" cap="none" strike="noStrike">
+            <a:lvl2pPr marL="914400" marR="0" lvl="1" indent="-228600" algn="l" rtl="0">
+              <a:spcBef>
+                <a:spcPts val="0"/>
+              </a:spcBef>
+              <a:spcAft>
+                <a:spcPts val="0"/>
+              </a:spcAft>
+              <a:buSzPts val="1400"/>
+              <a:buNone/>
+              <a:defRPr sz="1200" b="0" i="0" u="none" strike="noStrike" cap="none">
                 <a:solidFill>
                   <a:schemeClr val="dk1"/>
                 </a:solidFill>
@@ -799,16 +1065,16 @@
                 <a:sym typeface="Calibri"/>
               </a:defRPr>
             </a:lvl2pPr>
-            <a:lvl3pPr indent="-228600" lvl="2" marL="1371600" marR="0" rtl="0" algn="l">
-              <a:spcBef>
-                <a:spcPts val="0"/>
-              </a:spcBef>
-              <a:spcAft>
-                <a:spcPts val="0"/>
-              </a:spcAft>
-              <a:buSzPts val="1400"/>
-              <a:buNone/>
-              <a:defRPr b="0" i="0" sz="1200" u="none" cap="none" strike="noStrike">
+            <a:lvl3pPr marL="1371600" marR="0" lvl="2" indent="-228600" algn="l" rtl="0">
+              <a:spcBef>
+                <a:spcPts val="0"/>
+              </a:spcBef>
+              <a:spcAft>
+                <a:spcPts val="0"/>
+              </a:spcAft>
+              <a:buSzPts val="1400"/>
+              <a:buNone/>
+              <a:defRPr sz="1200" b="0" i="0" u="none" strike="noStrike" cap="none">
                 <a:solidFill>
                   <a:schemeClr val="dk1"/>
                 </a:solidFill>
@@ -818,16 +1084,16 @@
                 <a:sym typeface="Calibri"/>
               </a:defRPr>
             </a:lvl3pPr>
-            <a:lvl4pPr indent="-228600" lvl="3" marL="1828800" marR="0" rtl="0" algn="l">
-              <a:spcBef>
-                <a:spcPts val="0"/>
-              </a:spcBef>
-              <a:spcAft>
-                <a:spcPts val="0"/>
-              </a:spcAft>
-              <a:buSzPts val="1400"/>
-              <a:buNone/>
-              <a:defRPr b="0" i="0" sz="1200" u="none" cap="none" strike="noStrike">
+            <a:lvl4pPr marL="1828800" marR="0" lvl="3" indent="-228600" algn="l" rtl="0">
+              <a:spcBef>
+                <a:spcPts val="0"/>
+              </a:spcBef>
+              <a:spcAft>
+                <a:spcPts val="0"/>
+              </a:spcAft>
+              <a:buSzPts val="1400"/>
+              <a:buNone/>
+              <a:defRPr sz="1200" b="0" i="0" u="none" strike="noStrike" cap="none">
                 <a:solidFill>
                   <a:schemeClr val="dk1"/>
                 </a:solidFill>
@@ -837,16 +1103,16 @@
                 <a:sym typeface="Calibri"/>
               </a:defRPr>
             </a:lvl4pPr>
-            <a:lvl5pPr indent="-228600" lvl="4" marL="2286000" marR="0" rtl="0" algn="l">
-              <a:spcBef>
-                <a:spcPts val="0"/>
-              </a:spcBef>
-              <a:spcAft>
-                <a:spcPts val="0"/>
-              </a:spcAft>
-              <a:buSzPts val="1400"/>
-              <a:buNone/>
-              <a:defRPr b="0" i="0" sz="1200" u="none" cap="none" strike="noStrike">
+            <a:lvl5pPr marL="2286000" marR="0" lvl="4" indent="-228600" algn="l" rtl="0">
+              <a:spcBef>
+                <a:spcPts val="0"/>
+              </a:spcBef>
+              <a:spcAft>
+                <a:spcPts val="0"/>
+              </a:spcAft>
+              <a:buSzPts val="1400"/>
+              <a:buNone/>
+              <a:defRPr sz="1200" b="0" i="0" u="none" strike="noStrike" cap="none">
                 <a:solidFill>
                   <a:schemeClr val="dk1"/>
                 </a:solidFill>
@@ -856,16 +1122,16 @@
                 <a:sym typeface="Calibri"/>
               </a:defRPr>
             </a:lvl5pPr>
-            <a:lvl6pPr indent="-228600" lvl="5" marL="2743200" marR="0" rtl="0" algn="l">
-              <a:spcBef>
-                <a:spcPts val="0"/>
-              </a:spcBef>
-              <a:spcAft>
-                <a:spcPts val="0"/>
-              </a:spcAft>
-              <a:buSzPts val="1400"/>
-              <a:buNone/>
-              <a:defRPr b="0" i="0" sz="1200" u="none" cap="none" strike="noStrike">
+            <a:lvl6pPr marL="2743200" marR="0" lvl="5" indent="-228600" algn="l" rtl="0">
+              <a:spcBef>
+                <a:spcPts val="0"/>
+              </a:spcBef>
+              <a:spcAft>
+                <a:spcPts val="0"/>
+              </a:spcAft>
+              <a:buSzPts val="1400"/>
+              <a:buNone/>
+              <a:defRPr sz="1200" b="0" i="0" u="none" strike="noStrike" cap="none">
                 <a:solidFill>
                   <a:schemeClr val="dk1"/>
                 </a:solidFill>
@@ -875,16 +1141,16 @@
                 <a:sym typeface="Calibri"/>
               </a:defRPr>
             </a:lvl6pPr>
-            <a:lvl7pPr indent="-228600" lvl="6" marL="3200400" marR="0" rtl="0" algn="l">
-              <a:spcBef>
-                <a:spcPts val="0"/>
-              </a:spcBef>
-              <a:spcAft>
-                <a:spcPts val="0"/>
-              </a:spcAft>
-              <a:buSzPts val="1400"/>
-              <a:buNone/>
-              <a:defRPr b="0" i="0" sz="1200" u="none" cap="none" strike="noStrike">
+            <a:lvl7pPr marL="3200400" marR="0" lvl="6" indent="-228600" algn="l" rtl="0">
+              <a:spcBef>
+                <a:spcPts val="0"/>
+              </a:spcBef>
+              <a:spcAft>
+                <a:spcPts val="0"/>
+              </a:spcAft>
+              <a:buSzPts val="1400"/>
+              <a:buNone/>
+              <a:defRPr sz="1200" b="0" i="0" u="none" strike="noStrike" cap="none">
                 <a:solidFill>
                   <a:schemeClr val="dk1"/>
                 </a:solidFill>
@@ -894,16 +1160,16 @@
                 <a:sym typeface="Calibri"/>
               </a:defRPr>
             </a:lvl7pPr>
-            <a:lvl8pPr indent="-228600" lvl="7" marL="3657600" marR="0" rtl="0" algn="l">
-              <a:spcBef>
-                <a:spcPts val="0"/>
-              </a:spcBef>
-              <a:spcAft>
-                <a:spcPts val="0"/>
-              </a:spcAft>
-              <a:buSzPts val="1400"/>
-              <a:buNone/>
-              <a:defRPr b="0" i="0" sz="1200" u="none" cap="none" strike="noStrike">
+            <a:lvl8pPr marL="3657600" marR="0" lvl="7" indent="-228600" algn="l" rtl="0">
+              <a:spcBef>
+                <a:spcPts val="0"/>
+              </a:spcBef>
+              <a:spcAft>
+                <a:spcPts val="0"/>
+              </a:spcAft>
+              <a:buSzPts val="1400"/>
+              <a:buNone/>
+              <a:defRPr sz="1200" b="0" i="0" u="none" strike="noStrike" cap="none">
                 <a:solidFill>
                   <a:schemeClr val="dk1"/>
                 </a:solidFill>
@@ -913,16 +1179,16 @@
                 <a:sym typeface="Calibri"/>
               </a:defRPr>
             </a:lvl8pPr>
-            <a:lvl9pPr indent="-228600" lvl="8" marL="4114800" marR="0" rtl="0" algn="l">
-              <a:spcBef>
-                <a:spcPts val="0"/>
-              </a:spcBef>
-              <a:spcAft>
-                <a:spcPts val="0"/>
-              </a:spcAft>
-              <a:buSzPts val="1400"/>
-              <a:buNone/>
-              <a:defRPr b="0" i="0" sz="1200" u="none" cap="none" strike="noStrike">
+            <a:lvl9pPr marL="4114800" marR="0" lvl="8" indent="-228600" algn="l" rtl="0">
+              <a:spcBef>
+                <a:spcPts val="0"/>
+              </a:spcBef>
+              <a:spcAft>
+                <a:spcPts val="0"/>
+              </a:spcAft>
+              <a:buSzPts val="1400"/>
+              <a:buNone/>
+              <a:defRPr sz="1200" b="0" i="0" u="none" strike="noStrike" cap="none">
                 <a:solidFill>
                   <a:schemeClr val="dk1"/>
                 </a:solidFill>
@@ -933,15 +1199,19 @@
               </a:defRPr>
             </a:lvl9pPr>
           </a:lstStyle>
-          <a:p/>
+          <a:p>
+            <a:endParaRPr/>
+          </a:p>
         </p:txBody>
       </p:sp>
       <p:sp>
         <p:nvSpPr>
           <p:cNvPr id="7" name="Google Shape;7;n"/>
-          <p:cNvSpPr txBox="1"/>
+          <p:cNvSpPr txBox="1">
+            <a:spLocks noGrp="1"/>
+          </p:cNvSpPr>
           <p:nvPr>
-            <p:ph idx="11" type="ftr"/>
+            <p:ph type="ftr" idx="11"/>
           </p:nvPr>
         </p:nvSpPr>
         <p:spPr>
@@ -958,20 +1228,20 @@
           </a:ln>
         </p:spPr>
         <p:txBody>
-          <a:bodyPr anchorCtr="0" anchor="b" bIns="45700" lIns="91425" spcFirstLastPara="1" rIns="91425" wrap="square" tIns="45700">
+          <a:bodyPr spcFirstLastPara="1" wrap="square" lIns="91425" tIns="45700" rIns="91425" bIns="45700" anchor="b" anchorCtr="0">
             <a:noAutofit/>
           </a:bodyPr>
           <a:lstStyle>
-            <a:lvl1pPr lvl="0" marR="0" rtl="0" algn="l">
-              <a:spcBef>
-                <a:spcPts val="0"/>
-              </a:spcBef>
-              <a:spcAft>
-                <a:spcPts val="0"/>
-              </a:spcAft>
-              <a:buSzPts val="1400"/>
-              <a:buNone/>
-              <a:defRPr b="0" i="0" sz="1200" u="none" cap="none" strike="noStrike">
+            <a:lvl1pPr marR="0" lvl="0" algn="l" rtl="0">
+              <a:spcBef>
+                <a:spcPts val="0"/>
+              </a:spcBef>
+              <a:spcAft>
+                <a:spcPts val="0"/>
+              </a:spcAft>
+              <a:buSzPts val="1400"/>
+              <a:buNone/>
+              <a:defRPr sz="1200" b="0" i="0" u="none" strike="noStrike" cap="none">
                 <a:solidFill>
                   <a:schemeClr val="dk1"/>
                 </a:solidFill>
@@ -981,16 +1251,16 @@
                 <a:sym typeface="Calibri"/>
               </a:defRPr>
             </a:lvl1pPr>
-            <a:lvl2pPr lvl="1" marR="0" rtl="0" algn="l">
-              <a:spcBef>
-                <a:spcPts val="0"/>
-              </a:spcBef>
-              <a:spcAft>
-                <a:spcPts val="0"/>
-              </a:spcAft>
-              <a:buSzPts val="1400"/>
-              <a:buNone/>
-              <a:defRPr b="0" i="0" sz="1800" u="none" cap="none" strike="noStrike">
+            <a:lvl2pPr marR="0" lvl="1" algn="l" rtl="0">
+              <a:spcBef>
+                <a:spcPts val="0"/>
+              </a:spcBef>
+              <a:spcAft>
+                <a:spcPts val="0"/>
+              </a:spcAft>
+              <a:buSzPts val="1400"/>
+              <a:buNone/>
+              <a:defRPr sz="1800" b="0" i="0" u="none" strike="noStrike" cap="none">
                 <a:solidFill>
                   <a:schemeClr val="dk1"/>
                 </a:solidFill>
@@ -1000,16 +1270,16 @@
                 <a:sym typeface="Calibri"/>
               </a:defRPr>
             </a:lvl2pPr>
-            <a:lvl3pPr lvl="2" marR="0" rtl="0" algn="l">
-              <a:spcBef>
-                <a:spcPts val="0"/>
-              </a:spcBef>
-              <a:spcAft>
-                <a:spcPts val="0"/>
-              </a:spcAft>
-              <a:buSzPts val="1400"/>
-              <a:buNone/>
-              <a:defRPr b="0" i="0" sz="1800" u="none" cap="none" strike="noStrike">
+            <a:lvl3pPr marR="0" lvl="2" algn="l" rtl="0">
+              <a:spcBef>
+                <a:spcPts val="0"/>
+              </a:spcBef>
+              <a:spcAft>
+                <a:spcPts val="0"/>
+              </a:spcAft>
+              <a:buSzPts val="1400"/>
+              <a:buNone/>
+              <a:defRPr sz="1800" b="0" i="0" u="none" strike="noStrike" cap="none">
                 <a:solidFill>
                   <a:schemeClr val="dk1"/>
                 </a:solidFill>
@@ -1019,16 +1289,16 @@
                 <a:sym typeface="Calibri"/>
               </a:defRPr>
             </a:lvl3pPr>
-            <a:lvl4pPr lvl="3" marR="0" rtl="0" algn="l">
-              <a:spcBef>
-                <a:spcPts val="0"/>
-              </a:spcBef>
-              <a:spcAft>
-                <a:spcPts val="0"/>
-              </a:spcAft>
-              <a:buSzPts val="1400"/>
-              <a:buNone/>
-              <a:defRPr b="0" i="0" sz="1800" u="none" cap="none" strike="noStrike">
+            <a:lvl4pPr marR="0" lvl="3" algn="l" rtl="0">
+              <a:spcBef>
+                <a:spcPts val="0"/>
+              </a:spcBef>
+              <a:spcAft>
+                <a:spcPts val="0"/>
+              </a:spcAft>
+              <a:buSzPts val="1400"/>
+              <a:buNone/>
+              <a:defRPr sz="1800" b="0" i="0" u="none" strike="noStrike" cap="none">
                 <a:solidFill>
                   <a:schemeClr val="dk1"/>
                 </a:solidFill>
@@ -1038,16 +1308,16 @@
                 <a:sym typeface="Calibri"/>
               </a:defRPr>
             </a:lvl4pPr>
-            <a:lvl5pPr lvl="4" marR="0" rtl="0" algn="l">
-              <a:spcBef>
-                <a:spcPts val="0"/>
-              </a:spcBef>
-              <a:spcAft>
-                <a:spcPts val="0"/>
-              </a:spcAft>
-              <a:buSzPts val="1400"/>
-              <a:buNone/>
-              <a:defRPr b="0" i="0" sz="1800" u="none" cap="none" strike="noStrike">
+            <a:lvl5pPr marR="0" lvl="4" algn="l" rtl="0">
+              <a:spcBef>
+                <a:spcPts val="0"/>
+              </a:spcBef>
+              <a:spcAft>
+                <a:spcPts val="0"/>
+              </a:spcAft>
+              <a:buSzPts val="1400"/>
+              <a:buNone/>
+              <a:defRPr sz="1800" b="0" i="0" u="none" strike="noStrike" cap="none">
                 <a:solidFill>
                   <a:schemeClr val="dk1"/>
                 </a:solidFill>
@@ -1057,16 +1327,16 @@
                 <a:sym typeface="Calibri"/>
               </a:defRPr>
             </a:lvl5pPr>
-            <a:lvl6pPr lvl="5" marR="0" rtl="0" algn="l">
-              <a:spcBef>
-                <a:spcPts val="0"/>
-              </a:spcBef>
-              <a:spcAft>
-                <a:spcPts val="0"/>
-              </a:spcAft>
-              <a:buSzPts val="1400"/>
-              <a:buNone/>
-              <a:defRPr b="0" i="0" sz="1800" u="none" cap="none" strike="noStrike">
+            <a:lvl6pPr marR="0" lvl="5" algn="l" rtl="0">
+              <a:spcBef>
+                <a:spcPts val="0"/>
+              </a:spcBef>
+              <a:spcAft>
+                <a:spcPts val="0"/>
+              </a:spcAft>
+              <a:buSzPts val="1400"/>
+              <a:buNone/>
+              <a:defRPr sz="1800" b="0" i="0" u="none" strike="noStrike" cap="none">
                 <a:solidFill>
                   <a:schemeClr val="dk1"/>
                 </a:solidFill>
@@ -1076,16 +1346,16 @@
                 <a:sym typeface="Calibri"/>
               </a:defRPr>
             </a:lvl6pPr>
-            <a:lvl7pPr lvl="6" marR="0" rtl="0" algn="l">
-              <a:spcBef>
-                <a:spcPts val="0"/>
-              </a:spcBef>
-              <a:spcAft>
-                <a:spcPts val="0"/>
-              </a:spcAft>
-              <a:buSzPts val="1400"/>
-              <a:buNone/>
-              <a:defRPr b="0" i="0" sz="1800" u="none" cap="none" strike="noStrike">
+            <a:lvl7pPr marR="0" lvl="6" algn="l" rtl="0">
+              <a:spcBef>
+                <a:spcPts val="0"/>
+              </a:spcBef>
+              <a:spcAft>
+                <a:spcPts val="0"/>
+              </a:spcAft>
+              <a:buSzPts val="1400"/>
+              <a:buNone/>
+              <a:defRPr sz="1800" b="0" i="0" u="none" strike="noStrike" cap="none">
                 <a:solidFill>
                   <a:schemeClr val="dk1"/>
                 </a:solidFill>
@@ -1095,16 +1365,16 @@
                 <a:sym typeface="Calibri"/>
               </a:defRPr>
             </a:lvl7pPr>
-            <a:lvl8pPr lvl="7" marR="0" rtl="0" algn="l">
-              <a:spcBef>
-                <a:spcPts val="0"/>
-              </a:spcBef>
-              <a:spcAft>
-                <a:spcPts val="0"/>
-              </a:spcAft>
-              <a:buSzPts val="1400"/>
-              <a:buNone/>
-              <a:defRPr b="0" i="0" sz="1800" u="none" cap="none" strike="noStrike">
+            <a:lvl8pPr marR="0" lvl="7" algn="l" rtl="0">
+              <a:spcBef>
+                <a:spcPts val="0"/>
+              </a:spcBef>
+              <a:spcAft>
+                <a:spcPts val="0"/>
+              </a:spcAft>
+              <a:buSzPts val="1400"/>
+              <a:buNone/>
+              <a:defRPr sz="1800" b="0" i="0" u="none" strike="noStrike" cap="none">
                 <a:solidFill>
                   <a:schemeClr val="dk1"/>
                 </a:solidFill>
@@ -1114,16 +1384,16 @@
                 <a:sym typeface="Calibri"/>
               </a:defRPr>
             </a:lvl8pPr>
-            <a:lvl9pPr lvl="8" marR="0" rtl="0" algn="l">
-              <a:spcBef>
-                <a:spcPts val="0"/>
-              </a:spcBef>
-              <a:spcAft>
-                <a:spcPts val="0"/>
-              </a:spcAft>
-              <a:buSzPts val="1400"/>
-              <a:buNone/>
-              <a:defRPr b="0" i="0" sz="1800" u="none" cap="none" strike="noStrike">
+            <a:lvl9pPr marR="0" lvl="8" algn="l" rtl="0">
+              <a:spcBef>
+                <a:spcPts val="0"/>
+              </a:spcBef>
+              <a:spcAft>
+                <a:spcPts val="0"/>
+              </a:spcAft>
+              <a:buSzPts val="1400"/>
+              <a:buNone/>
+              <a:defRPr sz="1800" b="0" i="0" u="none" strike="noStrike" cap="none">
                 <a:solidFill>
                   <a:schemeClr val="dk1"/>
                 </a:solidFill>
@@ -1134,15 +1404,19 @@
               </a:defRPr>
             </a:lvl9pPr>
           </a:lstStyle>
-          <a:p/>
+          <a:p>
+            <a:endParaRPr/>
+          </a:p>
         </p:txBody>
       </p:sp>
       <p:sp>
         <p:nvSpPr>
           <p:cNvPr id="8" name="Google Shape;8;n"/>
-          <p:cNvSpPr txBox="1"/>
+          <p:cNvSpPr txBox="1">
+            <a:spLocks noGrp="1"/>
+          </p:cNvSpPr>
           <p:nvPr>
-            <p:ph idx="12" type="sldNum"/>
+            <p:ph type="sldNum" idx="12"/>
           </p:nvPr>
         </p:nvSpPr>
         <p:spPr>
@@ -1159,12 +1433,12 @@
           </a:ln>
         </p:spPr>
         <p:txBody>
-          <a:bodyPr anchorCtr="0" anchor="b" bIns="45700" lIns="91425" spcFirstLastPara="1" rIns="91425" wrap="square" tIns="45700">
+          <a:bodyPr spcFirstLastPara="1" wrap="square" lIns="91425" tIns="45700" rIns="91425" bIns="45700" anchor="b" anchorCtr="0">
             <a:noAutofit/>
           </a:bodyPr>
           <a:lstStyle/>
           <a:p>
-            <a:pPr indent="0" lvl="0" marL="0" marR="0" rtl="0" algn="r">
+            <a:pPr marL="0" marR="0" lvl="0" indent="0" algn="r" rtl="0">
               <a:spcBef>
                 <a:spcPts val="0"/>
               </a:spcBef>
@@ -1174,7 +1448,7 @@
               <a:buNone/>
             </a:pPr>
             <a:fld id="{00000000-1234-1234-1234-123412341234}" type="slidenum">
-              <a:rPr b="0" i="0" lang="nl-NL" sz="1200" u="none" cap="none" strike="noStrike">
+              <a:rPr lang="nl-NL" sz="1200" b="0" i="0" u="none" strike="noStrike" cap="none">
                 <a:solidFill>
                   <a:schemeClr val="dk1"/>
                 </a:solidFill>
@@ -1183,9 +1457,9 @@
                 <a:cs typeface="Calibri"/>
                 <a:sym typeface="Calibri"/>
               </a:rPr>
-              <a:t>‹#›</a:t>
+              <a:t>‹nr.›</a:t>
             </a:fld>
-            <a:endParaRPr b="0" i="0" sz="1200" u="none" cap="none" strike="noStrike">
+            <a:endParaRPr sz="1200" b="0" i="0" u="none" strike="noStrike" cap="none">
               <a:solidFill>
                 <a:schemeClr val="dk1"/>
               </a:solidFill>
@@ -1199,9 +1473,9 @@
       </p:sp>
     </p:spTree>
   </p:cSld>
-  <p:clrMap accent1="accent1" accent2="accent2" accent3="accent3" accent4="accent4" accent5="accent5" accent6="accent6" bg1="lt1" bg2="dk2" tx1="dk1" tx2="lt2" folHlink="folHlink" hlink="hlink"/>
+  <p:clrMap bg1="lt1" tx1="dk1" bg2="dk2" tx2="lt2" accent1="accent1" accent2="accent2" accent3="accent3" accent4="accent4" accent5="accent5" accent6="accent6" hlink="hlink" folHlink="folHlink"/>
   <p:notesStyle>
-    <a:defPPr lvl="0" marR="0" rtl="0" algn="l">
+    <a:defPPr marR="0" lvl="0" algn="l" rtl="0">
       <a:lnSpc>
         <a:spcPct val="100000"/>
       </a:lnSpc>
@@ -1212,7 +1486,7 @@
         <a:spcPts val="0"/>
       </a:spcAft>
     </a:defPPr>
-    <a:lvl1pPr lvl="0" marR="0" rtl="0" algn="l">
+    <a:lvl1pPr marR="0" lvl="0" algn="l" rtl="0">
       <a:lnSpc>
         <a:spcPct val="100000"/>
       </a:lnSpc>
@@ -1226,7 +1500,7 @@
         <a:srgbClr val="000000"/>
       </a:buClr>
       <a:buFont typeface="Arial"/>
-      <a:defRPr b="0" i="0" sz="1400" u="none" cap="none" strike="noStrike">
+      <a:defRPr sz="1400" b="0" i="0" u="none" strike="noStrike" cap="none">
         <a:solidFill>
           <a:srgbClr val="000000"/>
         </a:solidFill>
@@ -1236,7 +1510,7 @@
         <a:sym typeface="Arial"/>
       </a:defRPr>
     </a:lvl1pPr>
-    <a:lvl2pPr lvl="1" marR="0" rtl="0" algn="l">
+    <a:lvl2pPr marR="0" lvl="1" algn="l" rtl="0">
       <a:lnSpc>
         <a:spcPct val="100000"/>
       </a:lnSpc>
@@ -1250,7 +1524,7 @@
         <a:srgbClr val="000000"/>
       </a:buClr>
       <a:buFont typeface="Arial"/>
-      <a:defRPr b="0" i="0" sz="1400" u="none" cap="none" strike="noStrike">
+      <a:defRPr sz="1400" b="0" i="0" u="none" strike="noStrike" cap="none">
         <a:solidFill>
           <a:srgbClr val="000000"/>
         </a:solidFill>
@@ -1260,7 +1534,7 @@
         <a:sym typeface="Arial"/>
       </a:defRPr>
     </a:lvl2pPr>
-    <a:lvl3pPr lvl="2" marR="0" rtl="0" algn="l">
+    <a:lvl3pPr marR="0" lvl="2" algn="l" rtl="0">
       <a:lnSpc>
         <a:spcPct val="100000"/>
       </a:lnSpc>
@@ -1274,7 +1548,7 @@
         <a:srgbClr val="000000"/>
       </a:buClr>
       <a:buFont typeface="Arial"/>
-      <a:defRPr b="0" i="0" sz="1400" u="none" cap="none" strike="noStrike">
+      <a:defRPr sz="1400" b="0" i="0" u="none" strike="noStrike" cap="none">
         <a:solidFill>
           <a:srgbClr val="000000"/>
         </a:solidFill>
@@ -1284,7 +1558,7 @@
         <a:sym typeface="Arial"/>
       </a:defRPr>
     </a:lvl3pPr>
-    <a:lvl4pPr lvl="3" marR="0" rtl="0" algn="l">
+    <a:lvl4pPr marR="0" lvl="3" algn="l" rtl="0">
       <a:lnSpc>
         <a:spcPct val="100000"/>
       </a:lnSpc>
@@ -1298,7 +1572,7 @@
         <a:srgbClr val="000000"/>
       </a:buClr>
       <a:buFont typeface="Arial"/>
-      <a:defRPr b="0" i="0" sz="1400" u="none" cap="none" strike="noStrike">
+      <a:defRPr sz="1400" b="0" i="0" u="none" strike="noStrike" cap="none">
         <a:solidFill>
           <a:srgbClr val="000000"/>
         </a:solidFill>
@@ -1308,7 +1582,7 @@
         <a:sym typeface="Arial"/>
       </a:defRPr>
     </a:lvl4pPr>
-    <a:lvl5pPr lvl="4" marR="0" rtl="0" algn="l">
+    <a:lvl5pPr marR="0" lvl="4" algn="l" rtl="0">
       <a:lnSpc>
         <a:spcPct val="100000"/>
       </a:lnSpc>
@@ -1322,7 +1596,7 @@
         <a:srgbClr val="000000"/>
       </a:buClr>
       <a:buFont typeface="Arial"/>
-      <a:defRPr b="0" i="0" sz="1400" u="none" cap="none" strike="noStrike">
+      <a:defRPr sz="1400" b="0" i="0" u="none" strike="noStrike" cap="none">
         <a:solidFill>
           <a:srgbClr val="000000"/>
         </a:solidFill>
@@ -1332,7 +1606,7 @@
         <a:sym typeface="Arial"/>
       </a:defRPr>
     </a:lvl5pPr>
-    <a:lvl6pPr lvl="5" marR="0" rtl="0" algn="l">
+    <a:lvl6pPr marR="0" lvl="5" algn="l" rtl="0">
       <a:lnSpc>
         <a:spcPct val="100000"/>
       </a:lnSpc>
@@ -1346,7 +1620,7 @@
         <a:srgbClr val="000000"/>
       </a:buClr>
       <a:buFont typeface="Arial"/>
-      <a:defRPr b="0" i="0" sz="1400" u="none" cap="none" strike="noStrike">
+      <a:defRPr sz="1400" b="0" i="0" u="none" strike="noStrike" cap="none">
         <a:solidFill>
           <a:srgbClr val="000000"/>
         </a:solidFill>
@@ -1356,7 +1630,7 @@
         <a:sym typeface="Arial"/>
       </a:defRPr>
     </a:lvl6pPr>
-    <a:lvl7pPr lvl="6" marR="0" rtl="0" algn="l">
+    <a:lvl7pPr marR="0" lvl="6" algn="l" rtl="0">
       <a:lnSpc>
         <a:spcPct val="100000"/>
       </a:lnSpc>
@@ -1370,7 +1644,7 @@
         <a:srgbClr val="000000"/>
       </a:buClr>
       <a:buFont typeface="Arial"/>
-      <a:defRPr b="0" i="0" sz="1400" u="none" cap="none" strike="noStrike">
+      <a:defRPr sz="1400" b="0" i="0" u="none" strike="noStrike" cap="none">
         <a:solidFill>
           <a:srgbClr val="000000"/>
         </a:solidFill>
@@ -1380,7 +1654,7 @@
         <a:sym typeface="Arial"/>
       </a:defRPr>
     </a:lvl7pPr>
-    <a:lvl8pPr lvl="7" marR="0" rtl="0" algn="l">
+    <a:lvl8pPr marR="0" lvl="7" algn="l" rtl="0">
       <a:lnSpc>
         <a:spcPct val="100000"/>
       </a:lnSpc>
@@ -1394,7 +1668,7 @@
         <a:srgbClr val="000000"/>
       </a:buClr>
       <a:buFont typeface="Arial"/>
-      <a:defRPr b="0" i="0" sz="1400" u="none" cap="none" strike="noStrike">
+      <a:defRPr sz="1400" b="0" i="0" u="none" strike="noStrike" cap="none">
         <a:solidFill>
           <a:srgbClr val="000000"/>
         </a:solidFill>
@@ -1404,7 +1678,7 @@
         <a:sym typeface="Arial"/>
       </a:defRPr>
     </a:lvl8pPr>
-    <a:lvl9pPr lvl="8" marR="0" rtl="0" algn="l">
+    <a:lvl9pPr marR="0" lvl="8" algn="l" rtl="0">
       <a:lnSpc>
         <a:spcPct val="100000"/>
       </a:lnSpc>
@@ -1418,7 +1692,7 @@
         <a:srgbClr val="000000"/>
       </a:buClr>
       <a:buFont typeface="Arial"/>
-      <a:defRPr b="0" i="0" sz="1400" u="none" cap="none" strike="noStrike">
+      <a:defRPr sz="1400" b="0" i="0" u="none" strike="noStrike" cap="none">
         <a:solidFill>
           <a:srgbClr val="000000"/>
         </a:solidFill>
@@ -1433,11 +1707,11 @@
 </file>
 
 <file path=ppt/notesSlides/notesSlide1.xml><?xml version="1.0" encoding="utf-8"?>
-<p:notes xmlns:a="http://schemas.openxmlformats.org/drawingml/2006/main" xmlns:r="http://schemas.openxmlformats.org/officeDocument/2006/relationships" xmlns:mc="http://schemas.openxmlformats.org/markup-compatibility/2006" xmlns:mv="urn:schemas-microsoft-com:mac:vml" xmlns:p="http://schemas.openxmlformats.org/presentationml/2006/main" xmlns:c="http://schemas.openxmlformats.org/drawingml/2006/chart" xmlns:dgm="http://schemas.openxmlformats.org/drawingml/2006/diagram" xmlns:o="urn:schemas-microsoft-com:office:office" xmlns:v="urn:schemas-microsoft-com:vml" xmlns:pvml="urn:schemas-microsoft-com:office:powerpoint" xmlns:com="http://schemas.openxmlformats.org/drawingml/2006/compatibility" xmlns:p14="http://schemas.microsoft.com/office/powerpoint/2010/main" xmlns:p15="http://schemas.microsoft.com/office/powerpoint/2012/main" xmlns:ahyp="http://schemas.microsoft.com/office/drawing/2018/hyperlinkcolor" showMasterPhAnim="0" showMasterSp="0">
+<p:notes xmlns:a="http://schemas.openxmlformats.org/drawingml/2006/main" xmlns:r="http://schemas.openxmlformats.org/officeDocument/2006/relationships" xmlns:p="http://schemas.openxmlformats.org/presentationml/2006/main" showMasterSp="0" showMasterPhAnim="0">
   <p:cSld>
     <p:spTree>
       <p:nvGrpSpPr>
-        <p:cNvPr id="27" name="Shape 27"/>
+        <p:cNvPr id="1" name="Shape 27"/>
         <p:cNvGrpSpPr/>
         <p:nvPr/>
       </p:nvGrpSpPr>
@@ -1452,9 +1726,11 @@
       <p:sp>
         <p:nvSpPr>
           <p:cNvPr id="28" name="Google Shape;28;p1:notes"/>
-          <p:cNvSpPr/>
+          <p:cNvSpPr>
+            <a:spLocks noGrp="1" noRot="1" noChangeAspect="1"/>
+          </p:cNvSpPr>
           <p:nvPr>
-            <p:ph idx="2" type="sldImg"/>
+            <p:ph type="sldImg" idx="2"/>
           </p:nvPr>
         </p:nvSpPr>
         <p:spPr>
@@ -1463,9 +1739,13 @@
             <a:ext cx="5486400" cy="3086100"/>
           </a:xfrm>
           <a:custGeom>
-            <a:rect b="b" l="l" r="r" t="t"/>
+            <a:avLst/>
+            <a:gdLst/>
+            <a:ahLst/>
+            <a:cxnLst/>
+            <a:rect l="l" t="t" r="r" b="b"/>
             <a:pathLst>
-              <a:path extrusionOk="0" h="120000" w="120000">
+              <a:path w="120000" h="120000" extrusionOk="0">
                 <a:moveTo>
                   <a:pt x="0" y="0"/>
                 </a:moveTo>
@@ -1483,23 +1763,25 @@
             </a:pathLst>
           </a:custGeom>
           <a:noFill/>
-          <a:ln cap="flat" cmpd="sng" w="12700">
+          <a:ln w="12700" cap="flat" cmpd="sng">
             <a:solidFill>
               <a:srgbClr val="000000"/>
             </a:solidFill>
             <a:prstDash val="solid"/>
             <a:round/>
-            <a:headEnd len="sm" w="sm" type="none"/>
-            <a:tailEnd len="sm" w="sm" type="none"/>
+            <a:headEnd type="none" w="sm" len="sm"/>
+            <a:tailEnd type="none" w="sm" len="sm"/>
           </a:ln>
         </p:spPr>
       </p:sp>
       <p:sp>
         <p:nvSpPr>
           <p:cNvPr id="29" name="Google Shape;29;p1:notes"/>
-          <p:cNvSpPr txBox="1"/>
+          <p:cNvSpPr txBox="1">
+            <a:spLocks noGrp="1"/>
+          </p:cNvSpPr>
           <p:nvPr>
-            <p:ph idx="1" type="body"/>
+            <p:ph type="body" idx="1"/>
           </p:nvPr>
         </p:nvSpPr>
         <p:spPr>
@@ -1516,12 +1798,12 @@
           </a:ln>
         </p:spPr>
         <p:txBody>
-          <a:bodyPr anchorCtr="0" anchor="t" bIns="45700" lIns="91425" spcFirstLastPara="1" rIns="91425" wrap="square" tIns="45700">
+          <a:bodyPr spcFirstLastPara="1" wrap="square" lIns="91425" tIns="45700" rIns="91425" bIns="45700" anchor="t" anchorCtr="0">
             <a:noAutofit/>
           </a:bodyPr>
           <a:lstStyle/>
           <a:p>
-            <a:pPr indent="0" lvl="0" marL="0" rtl="0" algn="l">
+            <a:pPr marL="0" lvl="0" indent="0" algn="l" rtl="0">
               <a:spcBef>
                 <a:spcPts val="0"/>
               </a:spcBef>
@@ -1530,9 +1812,6 @@
               </a:spcAft>
               <a:buNone/>
             </a:pPr>
-            <a:r>
-              <a:t/>
-            </a:r>
             <a:endParaRPr/>
           </a:p>
         </p:txBody>
@@ -1540,9 +1819,11 @@
       <p:sp>
         <p:nvSpPr>
           <p:cNvPr id="30" name="Google Shape;30;p1:notes"/>
-          <p:cNvSpPr txBox="1"/>
+          <p:cNvSpPr txBox="1">
+            <a:spLocks noGrp="1"/>
+          </p:cNvSpPr>
           <p:nvPr>
-            <p:ph idx="12" type="sldNum"/>
+            <p:ph type="sldNum" idx="12"/>
           </p:nvPr>
         </p:nvSpPr>
         <p:spPr>
@@ -1559,12 +1840,12 @@
           </a:ln>
         </p:spPr>
         <p:txBody>
-          <a:bodyPr anchorCtr="0" anchor="b" bIns="45700" lIns="91425" spcFirstLastPara="1" rIns="91425" wrap="square" tIns="45700">
+          <a:bodyPr spcFirstLastPara="1" wrap="square" lIns="91425" tIns="45700" rIns="91425" bIns="45700" anchor="b" anchorCtr="0">
             <a:noAutofit/>
           </a:bodyPr>
           <a:lstStyle/>
           <a:p>
-            <a:pPr indent="0" lvl="0" marL="0" rtl="0" algn="r">
+            <a:pPr marL="0" lvl="0" indent="0" algn="r" rtl="0">
               <a:spcBef>
                 <a:spcPts val="0"/>
               </a:spcBef>
@@ -1575,7 +1856,7 @@
             </a:pPr>
             <a:fld id="{00000000-1234-1234-1234-123412341234}" type="slidenum">
               <a:rPr lang="nl-NL"/>
-              <a:t>‹#›</a:t>
+              <a:t>1</a:t>
             </a:fld>
             <a:endParaRPr/>
           </a:p>
@@ -1590,11 +1871,11 @@
 </file>
 
 <file path=ppt/notesSlides/notesSlide2.xml><?xml version="1.0" encoding="utf-8"?>
-<p:notes xmlns:a="http://schemas.openxmlformats.org/drawingml/2006/main" xmlns:r="http://schemas.openxmlformats.org/officeDocument/2006/relationships" xmlns:mc="http://schemas.openxmlformats.org/markup-compatibility/2006" xmlns:mv="urn:schemas-microsoft-com:mac:vml" xmlns:p="http://schemas.openxmlformats.org/presentationml/2006/main" xmlns:c="http://schemas.openxmlformats.org/drawingml/2006/chart" xmlns:dgm="http://schemas.openxmlformats.org/drawingml/2006/diagram" xmlns:o="urn:schemas-microsoft-com:office:office" xmlns:v="urn:schemas-microsoft-com:vml" xmlns:pvml="urn:schemas-microsoft-com:office:powerpoint" xmlns:com="http://schemas.openxmlformats.org/drawingml/2006/compatibility" xmlns:p14="http://schemas.microsoft.com/office/powerpoint/2010/main" xmlns:p15="http://schemas.microsoft.com/office/powerpoint/2012/main" xmlns:ahyp="http://schemas.microsoft.com/office/drawing/2018/hyperlinkcolor" showMasterPhAnim="0" showMasterSp="0">
+<p:notes xmlns:a="http://schemas.openxmlformats.org/drawingml/2006/main" xmlns:r="http://schemas.openxmlformats.org/officeDocument/2006/relationships" xmlns:p="http://schemas.openxmlformats.org/presentationml/2006/main" showMasterSp="0" showMasterPhAnim="0">
   <p:cSld>
     <p:spTree>
       <p:nvGrpSpPr>
-        <p:cNvPr id="36" name="Shape 36"/>
+        <p:cNvPr id="1" name="Shape 36"/>
         <p:cNvGrpSpPr/>
         <p:nvPr/>
       </p:nvGrpSpPr>
@@ -1609,9 +1890,11 @@
       <p:sp>
         <p:nvSpPr>
           <p:cNvPr id="37" name="Google Shape;37;g1e04fecdc38_0_45:notes"/>
-          <p:cNvSpPr/>
+          <p:cNvSpPr>
+            <a:spLocks noGrp="1" noRot="1" noChangeAspect="1"/>
+          </p:cNvSpPr>
           <p:nvPr>
-            <p:ph idx="2" type="sldImg"/>
+            <p:ph type="sldImg" idx="2"/>
           </p:nvPr>
         </p:nvSpPr>
         <p:spPr>
@@ -1620,9 +1903,13 @@
             <a:ext cx="5486400" cy="3086100"/>
           </a:xfrm>
           <a:custGeom>
-            <a:rect b="b" l="l" r="r" t="t"/>
+            <a:avLst/>
+            <a:gdLst/>
+            <a:ahLst/>
+            <a:cxnLst/>
+            <a:rect l="l" t="t" r="r" b="b"/>
             <a:pathLst>
-              <a:path extrusionOk="0" h="120000" w="120000">
+              <a:path w="120000" h="120000" extrusionOk="0">
                 <a:moveTo>
                   <a:pt x="0" y="0"/>
                 </a:moveTo>
@@ -1644,9 +1931,11 @@
       <p:sp>
         <p:nvSpPr>
           <p:cNvPr id="38" name="Google Shape;38;g1e04fecdc38_0_45:notes"/>
-          <p:cNvSpPr txBox="1"/>
+          <p:cNvSpPr txBox="1">
+            <a:spLocks noGrp="1"/>
+          </p:cNvSpPr>
           <p:nvPr>
-            <p:ph idx="1" type="body"/>
+            <p:ph type="body" idx="1"/>
           </p:nvPr>
         </p:nvSpPr>
         <p:spPr>
@@ -1659,12 +1948,12 @@
           </a:prstGeom>
         </p:spPr>
         <p:txBody>
-          <a:bodyPr anchorCtr="0" anchor="t" bIns="45700" lIns="91425" spcFirstLastPara="1" rIns="91425" wrap="square" tIns="45700">
+          <a:bodyPr spcFirstLastPara="1" wrap="square" lIns="91425" tIns="45700" rIns="91425" bIns="45700" anchor="t" anchorCtr="0">
             <a:noAutofit/>
           </a:bodyPr>
           <a:lstStyle/>
           <a:p>
-            <a:pPr indent="0" lvl="0" marL="0" rtl="0" algn="l">
+            <a:pPr marL="0" lvl="0" indent="0" algn="l" rtl="0">
               <a:spcBef>
                 <a:spcPts val="0"/>
               </a:spcBef>
@@ -1673,9 +1962,6 @@
               </a:spcAft>
               <a:buNone/>
             </a:pPr>
-            <a:r>
-              <a:t/>
-            </a:r>
             <a:endParaRPr/>
           </a:p>
         </p:txBody>
@@ -1683,9 +1969,11 @@
       <p:sp>
         <p:nvSpPr>
           <p:cNvPr id="39" name="Google Shape;39;g1e04fecdc38_0_45:notes"/>
-          <p:cNvSpPr txBox="1"/>
+          <p:cNvSpPr txBox="1">
+            <a:spLocks noGrp="1"/>
+          </p:cNvSpPr>
           <p:nvPr>
-            <p:ph idx="12" type="sldNum"/>
+            <p:ph type="sldNum" idx="12"/>
           </p:nvPr>
         </p:nvSpPr>
         <p:spPr>
@@ -1698,12 +1986,12 @@
           </a:prstGeom>
         </p:spPr>
         <p:txBody>
-          <a:bodyPr anchorCtr="0" anchor="b" bIns="45700" lIns="91425" spcFirstLastPara="1" rIns="91425" wrap="square" tIns="45700">
+          <a:bodyPr spcFirstLastPara="1" wrap="square" lIns="91425" tIns="45700" rIns="91425" bIns="45700" anchor="b" anchorCtr="0">
             <a:noAutofit/>
           </a:bodyPr>
           <a:lstStyle/>
           <a:p>
-            <a:pPr indent="0" lvl="0" marL="0" rtl="0" algn="r">
+            <a:pPr marL="0" lvl="0" indent="0" algn="r" rtl="0">
               <a:spcBef>
                 <a:spcPts val="0"/>
               </a:spcBef>
@@ -1718,7 +2006,7 @@
             </a:pPr>
             <a:fld id="{00000000-1234-1234-1234-123412341234}" type="slidenum">
               <a:rPr lang="nl-NL"/>
-              <a:t>‹#›</a:t>
+              <a:t>2</a:t>
             </a:fld>
             <a:endParaRPr/>
           </a:p>
@@ -1733,154 +2021,11 @@
 </file>
 
 <file path=ppt/notesSlides/notesSlide3.xml><?xml version="1.0" encoding="utf-8"?>
-<p:notes xmlns:a="http://schemas.openxmlformats.org/drawingml/2006/main" xmlns:r="http://schemas.openxmlformats.org/officeDocument/2006/relationships" xmlns:mc="http://schemas.openxmlformats.org/markup-compatibility/2006" xmlns:mv="urn:schemas-microsoft-com:mac:vml" xmlns:p="http://schemas.openxmlformats.org/presentationml/2006/main" xmlns:c="http://schemas.openxmlformats.org/drawingml/2006/chart" xmlns:dgm="http://schemas.openxmlformats.org/drawingml/2006/diagram" xmlns:o="urn:schemas-microsoft-com:office:office" xmlns:v="urn:schemas-microsoft-com:vml" xmlns:pvml="urn:schemas-microsoft-com:office:powerpoint" xmlns:com="http://schemas.openxmlformats.org/drawingml/2006/compatibility" xmlns:p14="http://schemas.microsoft.com/office/powerpoint/2010/main" xmlns:p15="http://schemas.microsoft.com/office/powerpoint/2012/main" xmlns:ahyp="http://schemas.microsoft.com/office/drawing/2018/hyperlinkcolor" showMasterPhAnim="0" showMasterSp="0">
+<p:notes xmlns:a="http://schemas.openxmlformats.org/drawingml/2006/main" xmlns:r="http://schemas.openxmlformats.org/officeDocument/2006/relationships" xmlns:p="http://schemas.openxmlformats.org/presentationml/2006/main" showMasterSp="0" showMasterPhAnim="0">
   <p:cSld>
     <p:spTree>
       <p:nvGrpSpPr>
-        <p:cNvPr id="43" name="Shape 43"/>
-        <p:cNvGrpSpPr/>
-        <p:nvPr/>
-      </p:nvGrpSpPr>
-      <p:grpSpPr>
-        <a:xfrm>
-          <a:off x="0" y="0"/>
-          <a:ext cx="0" cy="0"/>
-          <a:chOff x="0" y="0"/>
-          <a:chExt cx="0" cy="0"/>
-        </a:xfrm>
-      </p:grpSpPr>
-      <p:sp>
-        <p:nvSpPr>
-          <p:cNvPr id="44" name="Google Shape;44;g1e04fecdc38_0_51:notes"/>
-          <p:cNvSpPr/>
-          <p:nvPr>
-            <p:ph idx="2" type="sldImg"/>
-          </p:nvPr>
-        </p:nvSpPr>
-        <p:spPr>
-          <a:xfrm>
-            <a:off x="685800" y="1143000"/>
-            <a:ext cx="5486400" cy="3086100"/>
-          </a:xfrm>
-          <a:custGeom>
-            <a:rect b="b" l="l" r="r" t="t"/>
-            <a:pathLst>
-              <a:path extrusionOk="0" h="120000" w="120000">
-                <a:moveTo>
-                  <a:pt x="0" y="0"/>
-                </a:moveTo>
-                <a:lnTo>
-                  <a:pt x="120000" y="0"/>
-                </a:lnTo>
-                <a:lnTo>
-                  <a:pt x="120000" y="120000"/>
-                </a:lnTo>
-                <a:lnTo>
-                  <a:pt x="0" y="120000"/>
-                </a:lnTo>
-                <a:close/>
-              </a:path>
-            </a:pathLst>
-          </a:custGeom>
-        </p:spPr>
-      </p:sp>
-      <p:sp>
-        <p:nvSpPr>
-          <p:cNvPr id="45" name="Google Shape;45;g1e04fecdc38_0_51:notes"/>
-          <p:cNvSpPr txBox="1"/>
-          <p:nvPr>
-            <p:ph idx="1" type="body"/>
-          </p:nvPr>
-        </p:nvSpPr>
-        <p:spPr>
-          <a:xfrm>
-            <a:off x="685800" y="4400550"/>
-            <a:ext cx="5486400" cy="3600600"/>
-          </a:xfrm>
-          <a:prstGeom prst="rect">
-            <a:avLst/>
-          </a:prstGeom>
-        </p:spPr>
-        <p:txBody>
-          <a:bodyPr anchorCtr="0" anchor="t" bIns="45700" lIns="91425" spcFirstLastPara="1" rIns="91425" wrap="square" tIns="45700">
-            <a:noAutofit/>
-          </a:bodyPr>
-          <a:lstStyle/>
-          <a:p>
-            <a:pPr indent="0" lvl="0" marL="0" rtl="0" algn="l">
-              <a:spcBef>
-                <a:spcPts val="0"/>
-              </a:spcBef>
-              <a:spcAft>
-                <a:spcPts val="0"/>
-              </a:spcAft>
-              <a:buNone/>
-            </a:pPr>
-            <a:r>
-              <a:t/>
-            </a:r>
-            <a:endParaRPr/>
-          </a:p>
-        </p:txBody>
-      </p:sp>
-      <p:sp>
-        <p:nvSpPr>
-          <p:cNvPr id="46" name="Google Shape;46;g1e04fecdc38_0_51:notes"/>
-          <p:cNvSpPr txBox="1"/>
-          <p:nvPr>
-            <p:ph idx="12" type="sldNum"/>
-          </p:nvPr>
-        </p:nvSpPr>
-        <p:spPr>
-          <a:xfrm>
-            <a:off x="3884613" y="8685213"/>
-            <a:ext cx="2971800" cy="458700"/>
-          </a:xfrm>
-          <a:prstGeom prst="rect">
-            <a:avLst/>
-          </a:prstGeom>
-        </p:spPr>
-        <p:txBody>
-          <a:bodyPr anchorCtr="0" anchor="b" bIns="45700" lIns="91425" spcFirstLastPara="1" rIns="91425" wrap="square" tIns="45700">
-            <a:noAutofit/>
-          </a:bodyPr>
-          <a:lstStyle/>
-          <a:p>
-            <a:pPr indent="0" lvl="0" marL="0" rtl="0" algn="r">
-              <a:spcBef>
-                <a:spcPts val="0"/>
-              </a:spcBef>
-              <a:spcAft>
-                <a:spcPts val="0"/>
-              </a:spcAft>
-              <a:buClr>
-                <a:srgbClr val="000000"/>
-              </a:buClr>
-              <a:buFont typeface="Arial"/>
-              <a:buNone/>
-            </a:pPr>
-            <a:fld id="{00000000-1234-1234-1234-123412341234}" type="slidenum">
-              <a:rPr lang="nl-NL"/>
-              <a:t>‹#›</a:t>
-            </a:fld>
-            <a:endParaRPr/>
-          </a:p>
-        </p:txBody>
-      </p:sp>
-    </p:spTree>
-  </p:cSld>
-  <p:clrMapOvr>
-    <a:masterClrMapping/>
-  </p:clrMapOvr>
-</p:notes>
-</file>
-
-<file path=ppt/notesSlides/notesSlide4.xml><?xml version="1.0" encoding="utf-8"?>
-<p:notes xmlns:a="http://schemas.openxmlformats.org/drawingml/2006/main" xmlns:r="http://schemas.openxmlformats.org/officeDocument/2006/relationships" xmlns:mc="http://schemas.openxmlformats.org/markup-compatibility/2006" xmlns:mv="urn:schemas-microsoft-com:mac:vml" xmlns:p="http://schemas.openxmlformats.org/presentationml/2006/main" xmlns:c="http://schemas.openxmlformats.org/drawingml/2006/chart" xmlns:dgm="http://schemas.openxmlformats.org/drawingml/2006/diagram" xmlns:o="urn:schemas-microsoft-com:office:office" xmlns:v="urn:schemas-microsoft-com:vml" xmlns:pvml="urn:schemas-microsoft-com:office:powerpoint" xmlns:com="http://schemas.openxmlformats.org/drawingml/2006/compatibility" xmlns:p14="http://schemas.microsoft.com/office/powerpoint/2010/main" xmlns:p15="http://schemas.microsoft.com/office/powerpoint/2012/main" xmlns:ahyp="http://schemas.microsoft.com/office/drawing/2018/hyperlinkcolor" showMasterPhAnim="0" showMasterSp="0">
-  <p:cSld>
-    <p:spTree>
-      <p:nvGrpSpPr>
-        <p:cNvPr id="50" name="Shape 50"/>
+        <p:cNvPr id="1" name="Shape 50"/>
         <p:cNvGrpSpPr/>
         <p:nvPr/>
       </p:nvGrpSpPr>
@@ -1895,9 +2040,11 @@
       <p:sp>
         <p:nvSpPr>
           <p:cNvPr id="51" name="Google Shape;51;g1e04fecdc38_0_39:notes"/>
-          <p:cNvSpPr/>
+          <p:cNvSpPr>
+            <a:spLocks noGrp="1" noRot="1" noChangeAspect="1"/>
+          </p:cNvSpPr>
           <p:nvPr>
-            <p:ph idx="2" type="sldImg"/>
+            <p:ph type="sldImg" idx="2"/>
           </p:nvPr>
         </p:nvSpPr>
         <p:spPr>
@@ -1906,9 +2053,13 @@
             <a:ext cx="5486400" cy="3086100"/>
           </a:xfrm>
           <a:custGeom>
-            <a:rect b="b" l="l" r="r" t="t"/>
+            <a:avLst/>
+            <a:gdLst/>
+            <a:ahLst/>
+            <a:cxnLst/>
+            <a:rect l="l" t="t" r="r" b="b"/>
             <a:pathLst>
-              <a:path extrusionOk="0" h="120000" w="120000">
+              <a:path w="120000" h="120000" extrusionOk="0">
                 <a:moveTo>
                   <a:pt x="0" y="0"/>
                 </a:moveTo>
@@ -1930,9 +2081,11 @@
       <p:sp>
         <p:nvSpPr>
           <p:cNvPr id="52" name="Google Shape;52;g1e04fecdc38_0_39:notes"/>
-          <p:cNvSpPr txBox="1"/>
+          <p:cNvSpPr txBox="1">
+            <a:spLocks noGrp="1"/>
+          </p:cNvSpPr>
           <p:nvPr>
-            <p:ph idx="1" type="body"/>
+            <p:ph type="body" idx="1"/>
           </p:nvPr>
         </p:nvSpPr>
         <p:spPr>
@@ -1945,12 +2098,12 @@
           </a:prstGeom>
         </p:spPr>
         <p:txBody>
-          <a:bodyPr anchorCtr="0" anchor="t" bIns="45700" lIns="91425" spcFirstLastPara="1" rIns="91425" wrap="square" tIns="45700">
+          <a:bodyPr spcFirstLastPara="1" wrap="square" lIns="91425" tIns="45700" rIns="91425" bIns="45700" anchor="t" anchorCtr="0">
             <a:noAutofit/>
           </a:bodyPr>
           <a:lstStyle/>
           <a:p>
-            <a:pPr indent="0" lvl="0" marL="0" rtl="0" algn="l">
+            <a:pPr marL="0" lvl="0" indent="0" algn="l" rtl="0">
               <a:spcBef>
                 <a:spcPts val="0"/>
               </a:spcBef>
@@ -1959,9 +2112,6 @@
               </a:spcAft>
               <a:buNone/>
             </a:pPr>
-            <a:r>
-              <a:t/>
-            </a:r>
             <a:endParaRPr/>
           </a:p>
         </p:txBody>
@@ -1969,9 +2119,11 @@
       <p:sp>
         <p:nvSpPr>
           <p:cNvPr id="53" name="Google Shape;53;g1e04fecdc38_0_39:notes"/>
-          <p:cNvSpPr txBox="1"/>
+          <p:cNvSpPr txBox="1">
+            <a:spLocks noGrp="1"/>
+          </p:cNvSpPr>
           <p:nvPr>
-            <p:ph idx="12" type="sldNum"/>
+            <p:ph type="sldNum" idx="12"/>
           </p:nvPr>
         </p:nvSpPr>
         <p:spPr>
@@ -1984,12 +2136,12 @@
           </a:prstGeom>
         </p:spPr>
         <p:txBody>
-          <a:bodyPr anchorCtr="0" anchor="b" bIns="45700" lIns="91425" spcFirstLastPara="1" rIns="91425" wrap="square" tIns="45700">
+          <a:bodyPr spcFirstLastPara="1" wrap="square" lIns="91425" tIns="45700" rIns="91425" bIns="45700" anchor="b" anchorCtr="0">
             <a:noAutofit/>
           </a:bodyPr>
           <a:lstStyle/>
           <a:p>
-            <a:pPr indent="0" lvl="0" marL="0" rtl="0" algn="r">
+            <a:pPr marL="0" lvl="0" indent="0" algn="r" rtl="0">
               <a:spcBef>
                 <a:spcPts val="0"/>
               </a:spcBef>
@@ -2004,722 +2156,7 @@
             </a:pPr>
             <a:fld id="{00000000-1234-1234-1234-123412341234}" type="slidenum">
               <a:rPr lang="nl-NL"/>
-              <a:t>‹#›</a:t>
-            </a:fld>
-            <a:endParaRPr/>
-          </a:p>
-        </p:txBody>
-      </p:sp>
-    </p:spTree>
-  </p:cSld>
-  <p:clrMapOvr>
-    <a:masterClrMapping/>
-  </p:clrMapOvr>
-</p:notes>
-</file>
-
-<file path=ppt/notesSlides/notesSlide5.xml><?xml version="1.0" encoding="utf-8"?>
-<p:notes xmlns:a="http://schemas.openxmlformats.org/drawingml/2006/main" xmlns:r="http://schemas.openxmlformats.org/officeDocument/2006/relationships" xmlns:mc="http://schemas.openxmlformats.org/markup-compatibility/2006" xmlns:mv="urn:schemas-microsoft-com:mac:vml" xmlns:p="http://schemas.openxmlformats.org/presentationml/2006/main" xmlns:c="http://schemas.openxmlformats.org/drawingml/2006/chart" xmlns:dgm="http://schemas.openxmlformats.org/drawingml/2006/diagram" xmlns:o="urn:schemas-microsoft-com:office:office" xmlns:v="urn:schemas-microsoft-com:vml" xmlns:pvml="urn:schemas-microsoft-com:office:powerpoint" xmlns:com="http://schemas.openxmlformats.org/drawingml/2006/compatibility" xmlns:p14="http://schemas.microsoft.com/office/powerpoint/2010/main" xmlns:p15="http://schemas.microsoft.com/office/powerpoint/2012/main" xmlns:ahyp="http://schemas.microsoft.com/office/drawing/2018/hyperlinkcolor" showMasterPhAnim="0" showMasterSp="0">
-  <p:cSld>
-    <p:spTree>
-      <p:nvGrpSpPr>
-        <p:cNvPr id="57" name="Shape 57"/>
-        <p:cNvGrpSpPr/>
-        <p:nvPr/>
-      </p:nvGrpSpPr>
-      <p:grpSpPr>
-        <a:xfrm>
-          <a:off x="0" y="0"/>
-          <a:ext cx="0" cy="0"/>
-          <a:chOff x="0" y="0"/>
-          <a:chExt cx="0" cy="0"/>
-        </a:xfrm>
-      </p:grpSpPr>
-      <p:sp>
-        <p:nvSpPr>
-          <p:cNvPr id="58" name="Google Shape;58;g1e04fecdc38_0_0:notes"/>
-          <p:cNvSpPr/>
-          <p:nvPr>
-            <p:ph idx="2" type="sldImg"/>
-          </p:nvPr>
-        </p:nvSpPr>
-        <p:spPr>
-          <a:xfrm>
-            <a:off x="685800" y="1143000"/>
-            <a:ext cx="5486400" cy="3086100"/>
-          </a:xfrm>
-          <a:custGeom>
-            <a:rect b="b" l="l" r="r" t="t"/>
-            <a:pathLst>
-              <a:path extrusionOk="0" h="120000" w="120000">
-                <a:moveTo>
-                  <a:pt x="0" y="0"/>
-                </a:moveTo>
-                <a:lnTo>
-                  <a:pt x="120000" y="0"/>
-                </a:lnTo>
-                <a:lnTo>
-                  <a:pt x="120000" y="120000"/>
-                </a:lnTo>
-                <a:lnTo>
-                  <a:pt x="0" y="120000"/>
-                </a:lnTo>
-                <a:close/>
-              </a:path>
-            </a:pathLst>
-          </a:custGeom>
-        </p:spPr>
-      </p:sp>
-      <p:sp>
-        <p:nvSpPr>
-          <p:cNvPr id="59" name="Google Shape;59;g1e04fecdc38_0_0:notes"/>
-          <p:cNvSpPr txBox="1"/>
-          <p:nvPr>
-            <p:ph idx="1" type="body"/>
-          </p:nvPr>
-        </p:nvSpPr>
-        <p:spPr>
-          <a:xfrm>
-            <a:off x="685800" y="4400550"/>
-            <a:ext cx="5486400" cy="3600600"/>
-          </a:xfrm>
-          <a:prstGeom prst="rect">
-            <a:avLst/>
-          </a:prstGeom>
-        </p:spPr>
-        <p:txBody>
-          <a:bodyPr anchorCtr="0" anchor="t" bIns="45700" lIns="91425" spcFirstLastPara="1" rIns="91425" wrap="square" tIns="45700">
-            <a:noAutofit/>
-          </a:bodyPr>
-          <a:lstStyle/>
-          <a:p>
-            <a:pPr indent="0" lvl="0" marL="0" rtl="0" algn="l">
-              <a:spcBef>
-                <a:spcPts val="0"/>
-              </a:spcBef>
-              <a:spcAft>
-                <a:spcPts val="0"/>
-              </a:spcAft>
-              <a:buNone/>
-            </a:pPr>
-            <a:r>
-              <a:t/>
-            </a:r>
-            <a:endParaRPr/>
-          </a:p>
-        </p:txBody>
-      </p:sp>
-      <p:sp>
-        <p:nvSpPr>
-          <p:cNvPr id="60" name="Google Shape;60;g1e04fecdc38_0_0:notes"/>
-          <p:cNvSpPr txBox="1"/>
-          <p:nvPr>
-            <p:ph idx="12" type="sldNum"/>
-          </p:nvPr>
-        </p:nvSpPr>
-        <p:spPr>
-          <a:xfrm>
-            <a:off x="3884613" y="8685213"/>
-            <a:ext cx="2971800" cy="458700"/>
-          </a:xfrm>
-          <a:prstGeom prst="rect">
-            <a:avLst/>
-          </a:prstGeom>
-        </p:spPr>
-        <p:txBody>
-          <a:bodyPr anchorCtr="0" anchor="b" bIns="45700" lIns="91425" spcFirstLastPara="1" rIns="91425" wrap="square" tIns="45700">
-            <a:noAutofit/>
-          </a:bodyPr>
-          <a:lstStyle/>
-          <a:p>
-            <a:pPr indent="0" lvl="0" marL="0" rtl="0" algn="r">
-              <a:spcBef>
-                <a:spcPts val="0"/>
-              </a:spcBef>
-              <a:spcAft>
-                <a:spcPts val="0"/>
-              </a:spcAft>
-              <a:buClr>
-                <a:srgbClr val="000000"/>
-              </a:buClr>
-              <a:buFont typeface="Arial"/>
-              <a:buNone/>
-            </a:pPr>
-            <a:fld id="{00000000-1234-1234-1234-123412341234}" type="slidenum">
-              <a:rPr lang="nl-NL"/>
-              <a:t>‹#›</a:t>
-            </a:fld>
-            <a:endParaRPr/>
-          </a:p>
-        </p:txBody>
-      </p:sp>
-    </p:spTree>
-  </p:cSld>
-  <p:clrMapOvr>
-    <a:masterClrMapping/>
-  </p:clrMapOvr>
-</p:notes>
-</file>
-
-<file path=ppt/notesSlides/notesSlide6.xml><?xml version="1.0" encoding="utf-8"?>
-<p:notes xmlns:a="http://schemas.openxmlformats.org/drawingml/2006/main" xmlns:r="http://schemas.openxmlformats.org/officeDocument/2006/relationships" xmlns:mc="http://schemas.openxmlformats.org/markup-compatibility/2006" xmlns:mv="urn:schemas-microsoft-com:mac:vml" xmlns:p="http://schemas.openxmlformats.org/presentationml/2006/main" xmlns:c="http://schemas.openxmlformats.org/drawingml/2006/chart" xmlns:dgm="http://schemas.openxmlformats.org/drawingml/2006/diagram" xmlns:o="urn:schemas-microsoft-com:office:office" xmlns:v="urn:schemas-microsoft-com:vml" xmlns:pvml="urn:schemas-microsoft-com:office:powerpoint" xmlns:com="http://schemas.openxmlformats.org/drawingml/2006/compatibility" xmlns:p14="http://schemas.microsoft.com/office/powerpoint/2010/main" xmlns:p15="http://schemas.microsoft.com/office/powerpoint/2012/main" xmlns:ahyp="http://schemas.microsoft.com/office/drawing/2018/hyperlinkcolor" showMasterPhAnim="0" showMasterSp="0">
-  <p:cSld>
-    <p:spTree>
-      <p:nvGrpSpPr>
-        <p:cNvPr id="66" name="Shape 66"/>
-        <p:cNvGrpSpPr/>
-        <p:nvPr/>
-      </p:nvGrpSpPr>
-      <p:grpSpPr>
-        <a:xfrm>
-          <a:off x="0" y="0"/>
-          <a:ext cx="0" cy="0"/>
-          <a:chOff x="0" y="0"/>
-          <a:chExt cx="0" cy="0"/>
-        </a:xfrm>
-      </p:grpSpPr>
-      <p:sp>
-        <p:nvSpPr>
-          <p:cNvPr id="67" name="Google Shape;67;g1e04fecdc38_0_8:notes"/>
-          <p:cNvSpPr/>
-          <p:nvPr>
-            <p:ph idx="2" type="sldImg"/>
-          </p:nvPr>
-        </p:nvSpPr>
-        <p:spPr>
-          <a:xfrm>
-            <a:off x="685800" y="1143000"/>
-            <a:ext cx="5486400" cy="3086100"/>
-          </a:xfrm>
-          <a:custGeom>
-            <a:rect b="b" l="l" r="r" t="t"/>
-            <a:pathLst>
-              <a:path extrusionOk="0" h="120000" w="120000">
-                <a:moveTo>
-                  <a:pt x="0" y="0"/>
-                </a:moveTo>
-                <a:lnTo>
-                  <a:pt x="120000" y="0"/>
-                </a:lnTo>
-                <a:lnTo>
-                  <a:pt x="120000" y="120000"/>
-                </a:lnTo>
-                <a:lnTo>
-                  <a:pt x="0" y="120000"/>
-                </a:lnTo>
-                <a:close/>
-              </a:path>
-            </a:pathLst>
-          </a:custGeom>
-        </p:spPr>
-      </p:sp>
-      <p:sp>
-        <p:nvSpPr>
-          <p:cNvPr id="68" name="Google Shape;68;g1e04fecdc38_0_8:notes"/>
-          <p:cNvSpPr txBox="1"/>
-          <p:nvPr>
-            <p:ph idx="1" type="body"/>
-          </p:nvPr>
-        </p:nvSpPr>
-        <p:spPr>
-          <a:xfrm>
-            <a:off x="685800" y="4400550"/>
-            <a:ext cx="5486400" cy="3600600"/>
-          </a:xfrm>
-          <a:prstGeom prst="rect">
-            <a:avLst/>
-          </a:prstGeom>
-        </p:spPr>
-        <p:txBody>
-          <a:bodyPr anchorCtr="0" anchor="t" bIns="45700" lIns="91425" spcFirstLastPara="1" rIns="91425" wrap="square" tIns="45700">
-            <a:noAutofit/>
-          </a:bodyPr>
-          <a:lstStyle/>
-          <a:p>
-            <a:pPr indent="0" lvl="0" marL="0" rtl="0" algn="l">
-              <a:spcBef>
-                <a:spcPts val="0"/>
-              </a:spcBef>
-              <a:spcAft>
-                <a:spcPts val="0"/>
-              </a:spcAft>
-              <a:buNone/>
-            </a:pPr>
-            <a:r>
-              <a:t/>
-            </a:r>
-            <a:endParaRPr/>
-          </a:p>
-        </p:txBody>
-      </p:sp>
-      <p:sp>
-        <p:nvSpPr>
-          <p:cNvPr id="69" name="Google Shape;69;g1e04fecdc38_0_8:notes"/>
-          <p:cNvSpPr txBox="1"/>
-          <p:nvPr>
-            <p:ph idx="12" type="sldNum"/>
-          </p:nvPr>
-        </p:nvSpPr>
-        <p:spPr>
-          <a:xfrm>
-            <a:off x="3884613" y="8685213"/>
-            <a:ext cx="2971800" cy="458700"/>
-          </a:xfrm>
-          <a:prstGeom prst="rect">
-            <a:avLst/>
-          </a:prstGeom>
-        </p:spPr>
-        <p:txBody>
-          <a:bodyPr anchorCtr="0" anchor="b" bIns="45700" lIns="91425" spcFirstLastPara="1" rIns="91425" wrap="square" tIns="45700">
-            <a:noAutofit/>
-          </a:bodyPr>
-          <a:lstStyle/>
-          <a:p>
-            <a:pPr indent="0" lvl="0" marL="0" rtl="0" algn="r">
-              <a:spcBef>
-                <a:spcPts val="0"/>
-              </a:spcBef>
-              <a:spcAft>
-                <a:spcPts val="0"/>
-              </a:spcAft>
-              <a:buClr>
-                <a:srgbClr val="000000"/>
-              </a:buClr>
-              <a:buFont typeface="Arial"/>
-              <a:buNone/>
-            </a:pPr>
-            <a:fld id="{00000000-1234-1234-1234-123412341234}" type="slidenum">
-              <a:rPr lang="nl-NL"/>
-              <a:t>‹#›</a:t>
-            </a:fld>
-            <a:endParaRPr/>
-          </a:p>
-        </p:txBody>
-      </p:sp>
-    </p:spTree>
-  </p:cSld>
-  <p:clrMapOvr>
-    <a:masterClrMapping/>
-  </p:clrMapOvr>
-</p:notes>
-</file>
-
-<file path=ppt/notesSlides/notesSlide7.xml><?xml version="1.0" encoding="utf-8"?>
-<p:notes xmlns:a="http://schemas.openxmlformats.org/drawingml/2006/main" xmlns:r="http://schemas.openxmlformats.org/officeDocument/2006/relationships" xmlns:mc="http://schemas.openxmlformats.org/markup-compatibility/2006" xmlns:mv="urn:schemas-microsoft-com:mac:vml" xmlns:p="http://schemas.openxmlformats.org/presentationml/2006/main" xmlns:c="http://schemas.openxmlformats.org/drawingml/2006/chart" xmlns:dgm="http://schemas.openxmlformats.org/drawingml/2006/diagram" xmlns:o="urn:schemas-microsoft-com:office:office" xmlns:v="urn:schemas-microsoft-com:vml" xmlns:pvml="urn:schemas-microsoft-com:office:powerpoint" xmlns:com="http://schemas.openxmlformats.org/drawingml/2006/compatibility" xmlns:p14="http://schemas.microsoft.com/office/powerpoint/2010/main" xmlns:p15="http://schemas.microsoft.com/office/powerpoint/2012/main" xmlns:ahyp="http://schemas.microsoft.com/office/drawing/2018/hyperlinkcolor" showMasterPhAnim="0" showMasterSp="0">
-  <p:cSld>
-    <p:spTree>
-      <p:nvGrpSpPr>
-        <p:cNvPr id="76" name="Shape 76"/>
-        <p:cNvGrpSpPr/>
-        <p:nvPr/>
-      </p:nvGrpSpPr>
-      <p:grpSpPr>
-        <a:xfrm>
-          <a:off x="0" y="0"/>
-          <a:ext cx="0" cy="0"/>
-          <a:chOff x="0" y="0"/>
-          <a:chExt cx="0" cy="0"/>
-        </a:xfrm>
-      </p:grpSpPr>
-      <p:sp>
-        <p:nvSpPr>
-          <p:cNvPr id="77" name="Google Shape;77;g1e04fecdc38_0_33:notes"/>
-          <p:cNvSpPr/>
-          <p:nvPr>
-            <p:ph idx="2" type="sldImg"/>
-          </p:nvPr>
-        </p:nvSpPr>
-        <p:spPr>
-          <a:xfrm>
-            <a:off x="685800" y="1143000"/>
-            <a:ext cx="5486400" cy="3086100"/>
-          </a:xfrm>
-          <a:custGeom>
-            <a:rect b="b" l="l" r="r" t="t"/>
-            <a:pathLst>
-              <a:path extrusionOk="0" h="120000" w="120000">
-                <a:moveTo>
-                  <a:pt x="0" y="0"/>
-                </a:moveTo>
-                <a:lnTo>
-                  <a:pt x="120000" y="0"/>
-                </a:lnTo>
-                <a:lnTo>
-                  <a:pt x="120000" y="120000"/>
-                </a:lnTo>
-                <a:lnTo>
-                  <a:pt x="0" y="120000"/>
-                </a:lnTo>
-                <a:close/>
-              </a:path>
-            </a:pathLst>
-          </a:custGeom>
-        </p:spPr>
-      </p:sp>
-      <p:sp>
-        <p:nvSpPr>
-          <p:cNvPr id="78" name="Google Shape;78;g1e04fecdc38_0_33:notes"/>
-          <p:cNvSpPr txBox="1"/>
-          <p:nvPr>
-            <p:ph idx="1" type="body"/>
-          </p:nvPr>
-        </p:nvSpPr>
-        <p:spPr>
-          <a:xfrm>
-            <a:off x="685800" y="4400550"/>
-            <a:ext cx="5486400" cy="3600600"/>
-          </a:xfrm>
-          <a:prstGeom prst="rect">
-            <a:avLst/>
-          </a:prstGeom>
-        </p:spPr>
-        <p:txBody>
-          <a:bodyPr anchorCtr="0" anchor="t" bIns="45700" lIns="91425" spcFirstLastPara="1" rIns="91425" wrap="square" tIns="45700">
-            <a:noAutofit/>
-          </a:bodyPr>
-          <a:lstStyle/>
-          <a:p>
-            <a:pPr indent="0" lvl="0" marL="0" rtl="0" algn="l">
-              <a:spcBef>
-                <a:spcPts val="0"/>
-              </a:spcBef>
-              <a:spcAft>
-                <a:spcPts val="0"/>
-              </a:spcAft>
-              <a:buNone/>
-            </a:pPr>
-            <a:r>
-              <a:t/>
-            </a:r>
-            <a:endParaRPr/>
-          </a:p>
-        </p:txBody>
-      </p:sp>
-      <p:sp>
-        <p:nvSpPr>
-          <p:cNvPr id="79" name="Google Shape;79;g1e04fecdc38_0_33:notes"/>
-          <p:cNvSpPr txBox="1"/>
-          <p:nvPr>
-            <p:ph idx="12" type="sldNum"/>
-          </p:nvPr>
-        </p:nvSpPr>
-        <p:spPr>
-          <a:xfrm>
-            <a:off x="3884613" y="8685213"/>
-            <a:ext cx="2971800" cy="458700"/>
-          </a:xfrm>
-          <a:prstGeom prst="rect">
-            <a:avLst/>
-          </a:prstGeom>
-        </p:spPr>
-        <p:txBody>
-          <a:bodyPr anchorCtr="0" anchor="b" bIns="45700" lIns="91425" spcFirstLastPara="1" rIns="91425" wrap="square" tIns="45700">
-            <a:noAutofit/>
-          </a:bodyPr>
-          <a:lstStyle/>
-          <a:p>
-            <a:pPr indent="0" lvl="0" marL="0" rtl="0" algn="r">
-              <a:spcBef>
-                <a:spcPts val="0"/>
-              </a:spcBef>
-              <a:spcAft>
-                <a:spcPts val="0"/>
-              </a:spcAft>
-              <a:buClr>
-                <a:srgbClr val="000000"/>
-              </a:buClr>
-              <a:buFont typeface="Arial"/>
-              <a:buNone/>
-            </a:pPr>
-            <a:fld id="{00000000-1234-1234-1234-123412341234}" type="slidenum">
-              <a:rPr lang="nl-NL"/>
-              <a:t>‹#›</a:t>
-            </a:fld>
-            <a:endParaRPr/>
-          </a:p>
-        </p:txBody>
-      </p:sp>
-    </p:spTree>
-  </p:cSld>
-  <p:clrMapOvr>
-    <a:masterClrMapping/>
-  </p:clrMapOvr>
-</p:notes>
-</file>
-
-<file path=ppt/notesSlides/notesSlide8.xml><?xml version="1.0" encoding="utf-8"?>
-<p:notes xmlns:a="http://schemas.openxmlformats.org/drawingml/2006/main" xmlns:r="http://schemas.openxmlformats.org/officeDocument/2006/relationships" xmlns:mc="http://schemas.openxmlformats.org/markup-compatibility/2006" xmlns:mv="urn:schemas-microsoft-com:mac:vml" xmlns:p="http://schemas.openxmlformats.org/presentationml/2006/main" xmlns:c="http://schemas.openxmlformats.org/drawingml/2006/chart" xmlns:dgm="http://schemas.openxmlformats.org/drawingml/2006/diagram" xmlns:o="urn:schemas-microsoft-com:office:office" xmlns:v="urn:schemas-microsoft-com:vml" xmlns:pvml="urn:schemas-microsoft-com:office:powerpoint" xmlns:com="http://schemas.openxmlformats.org/drawingml/2006/compatibility" xmlns:p14="http://schemas.microsoft.com/office/powerpoint/2010/main" xmlns:p15="http://schemas.microsoft.com/office/powerpoint/2012/main" xmlns:ahyp="http://schemas.microsoft.com/office/drawing/2018/hyperlinkcolor" showMasterPhAnim="0" showMasterSp="0">
-  <p:cSld>
-    <p:spTree>
-      <p:nvGrpSpPr>
-        <p:cNvPr id="88" name="Shape 88"/>
-        <p:cNvGrpSpPr/>
-        <p:nvPr/>
-      </p:nvGrpSpPr>
-      <p:grpSpPr>
-        <a:xfrm>
-          <a:off x="0" y="0"/>
-          <a:ext cx="0" cy="0"/>
-          <a:chOff x="0" y="0"/>
-          <a:chExt cx="0" cy="0"/>
-        </a:xfrm>
-      </p:grpSpPr>
-      <p:sp>
-        <p:nvSpPr>
-          <p:cNvPr id="89" name="Google Shape;89;g1e04fecdc38_0_20:notes"/>
-          <p:cNvSpPr/>
-          <p:nvPr>
-            <p:ph idx="2" type="sldImg"/>
-          </p:nvPr>
-        </p:nvSpPr>
-        <p:spPr>
-          <a:xfrm>
-            <a:off x="685800" y="1143000"/>
-            <a:ext cx="5486400" cy="3086100"/>
-          </a:xfrm>
-          <a:custGeom>
-            <a:rect b="b" l="l" r="r" t="t"/>
-            <a:pathLst>
-              <a:path extrusionOk="0" h="120000" w="120000">
-                <a:moveTo>
-                  <a:pt x="0" y="0"/>
-                </a:moveTo>
-                <a:lnTo>
-                  <a:pt x="120000" y="0"/>
-                </a:lnTo>
-                <a:lnTo>
-                  <a:pt x="120000" y="120000"/>
-                </a:lnTo>
-                <a:lnTo>
-                  <a:pt x="0" y="120000"/>
-                </a:lnTo>
-                <a:close/>
-              </a:path>
-            </a:pathLst>
-          </a:custGeom>
-        </p:spPr>
-      </p:sp>
-      <p:sp>
-        <p:nvSpPr>
-          <p:cNvPr id="90" name="Google Shape;90;g1e04fecdc38_0_20:notes"/>
-          <p:cNvSpPr txBox="1"/>
-          <p:nvPr>
-            <p:ph idx="1" type="body"/>
-          </p:nvPr>
-        </p:nvSpPr>
-        <p:spPr>
-          <a:xfrm>
-            <a:off x="685800" y="4400550"/>
-            <a:ext cx="5486400" cy="3600600"/>
-          </a:xfrm>
-          <a:prstGeom prst="rect">
-            <a:avLst/>
-          </a:prstGeom>
-        </p:spPr>
-        <p:txBody>
-          <a:bodyPr anchorCtr="0" anchor="t" bIns="45700" lIns="91425" spcFirstLastPara="1" rIns="91425" wrap="square" tIns="45700">
-            <a:noAutofit/>
-          </a:bodyPr>
-          <a:lstStyle/>
-          <a:p>
-            <a:pPr indent="0" lvl="0" marL="0" rtl="0" algn="l">
-              <a:spcBef>
-                <a:spcPts val="0"/>
-              </a:spcBef>
-              <a:spcAft>
-                <a:spcPts val="0"/>
-              </a:spcAft>
-              <a:buNone/>
-            </a:pPr>
-            <a:r>
-              <a:t/>
-            </a:r>
-            <a:endParaRPr/>
-          </a:p>
-        </p:txBody>
-      </p:sp>
-      <p:sp>
-        <p:nvSpPr>
-          <p:cNvPr id="91" name="Google Shape;91;g1e04fecdc38_0_20:notes"/>
-          <p:cNvSpPr txBox="1"/>
-          <p:nvPr>
-            <p:ph idx="12" type="sldNum"/>
-          </p:nvPr>
-        </p:nvSpPr>
-        <p:spPr>
-          <a:xfrm>
-            <a:off x="3884613" y="8685213"/>
-            <a:ext cx="2971800" cy="458700"/>
-          </a:xfrm>
-          <a:prstGeom prst="rect">
-            <a:avLst/>
-          </a:prstGeom>
-        </p:spPr>
-        <p:txBody>
-          <a:bodyPr anchorCtr="0" anchor="b" bIns="45700" lIns="91425" spcFirstLastPara="1" rIns="91425" wrap="square" tIns="45700">
-            <a:noAutofit/>
-          </a:bodyPr>
-          <a:lstStyle/>
-          <a:p>
-            <a:pPr indent="0" lvl="0" marL="0" rtl="0" algn="r">
-              <a:spcBef>
-                <a:spcPts val="0"/>
-              </a:spcBef>
-              <a:spcAft>
-                <a:spcPts val="0"/>
-              </a:spcAft>
-              <a:buClr>
-                <a:srgbClr val="000000"/>
-              </a:buClr>
-              <a:buFont typeface="Arial"/>
-              <a:buNone/>
-            </a:pPr>
-            <a:fld id="{00000000-1234-1234-1234-123412341234}" type="slidenum">
-              <a:rPr lang="nl-NL"/>
-              <a:t>‹#›</a:t>
-            </a:fld>
-            <a:endParaRPr/>
-          </a:p>
-        </p:txBody>
-      </p:sp>
-    </p:spTree>
-  </p:cSld>
-  <p:clrMapOvr>
-    <a:masterClrMapping/>
-  </p:clrMapOvr>
-</p:notes>
-</file>
-
-<file path=ppt/notesSlides/notesSlide9.xml><?xml version="1.0" encoding="utf-8"?>
-<p:notes xmlns:a="http://schemas.openxmlformats.org/drawingml/2006/main" xmlns:r="http://schemas.openxmlformats.org/officeDocument/2006/relationships" xmlns:mc="http://schemas.openxmlformats.org/markup-compatibility/2006" xmlns:mv="urn:schemas-microsoft-com:mac:vml" xmlns:p="http://schemas.openxmlformats.org/presentationml/2006/main" xmlns:c="http://schemas.openxmlformats.org/drawingml/2006/chart" xmlns:dgm="http://schemas.openxmlformats.org/drawingml/2006/diagram" xmlns:o="urn:schemas-microsoft-com:office:office" xmlns:v="urn:schemas-microsoft-com:vml" xmlns:pvml="urn:schemas-microsoft-com:office:powerpoint" xmlns:com="http://schemas.openxmlformats.org/drawingml/2006/compatibility" xmlns:p14="http://schemas.microsoft.com/office/powerpoint/2010/main" xmlns:p15="http://schemas.microsoft.com/office/powerpoint/2012/main" xmlns:ahyp="http://schemas.microsoft.com/office/drawing/2018/hyperlinkcolor" showMasterPhAnim="0" showMasterSp="0">
-  <p:cSld>
-    <p:spTree>
-      <p:nvGrpSpPr>
-        <p:cNvPr id="95" name="Shape 95"/>
-        <p:cNvGrpSpPr/>
-        <p:nvPr/>
-      </p:nvGrpSpPr>
-      <p:grpSpPr>
-        <a:xfrm>
-          <a:off x="0" y="0"/>
-          <a:ext cx="0" cy="0"/>
-          <a:chOff x="0" y="0"/>
-          <a:chExt cx="0" cy="0"/>
-        </a:xfrm>
-      </p:grpSpPr>
-      <p:sp>
-        <p:nvSpPr>
-          <p:cNvPr id="96" name="Google Shape;96;g1e04fecdc38_0_27:notes"/>
-          <p:cNvSpPr/>
-          <p:nvPr>
-            <p:ph idx="2" type="sldImg"/>
-          </p:nvPr>
-        </p:nvSpPr>
-        <p:spPr>
-          <a:xfrm>
-            <a:off x="685800" y="1143000"/>
-            <a:ext cx="5486400" cy="3086100"/>
-          </a:xfrm>
-          <a:custGeom>
-            <a:rect b="b" l="l" r="r" t="t"/>
-            <a:pathLst>
-              <a:path extrusionOk="0" h="120000" w="120000">
-                <a:moveTo>
-                  <a:pt x="0" y="0"/>
-                </a:moveTo>
-                <a:lnTo>
-                  <a:pt x="120000" y="0"/>
-                </a:lnTo>
-                <a:lnTo>
-                  <a:pt x="120000" y="120000"/>
-                </a:lnTo>
-                <a:lnTo>
-                  <a:pt x="0" y="120000"/>
-                </a:lnTo>
-                <a:close/>
-              </a:path>
-            </a:pathLst>
-          </a:custGeom>
-        </p:spPr>
-      </p:sp>
-      <p:sp>
-        <p:nvSpPr>
-          <p:cNvPr id="97" name="Google Shape;97;g1e04fecdc38_0_27:notes"/>
-          <p:cNvSpPr txBox="1"/>
-          <p:nvPr>
-            <p:ph idx="1" type="body"/>
-          </p:nvPr>
-        </p:nvSpPr>
-        <p:spPr>
-          <a:xfrm>
-            <a:off x="685800" y="4400550"/>
-            <a:ext cx="5486400" cy="3600600"/>
-          </a:xfrm>
-          <a:prstGeom prst="rect">
-            <a:avLst/>
-          </a:prstGeom>
-        </p:spPr>
-        <p:txBody>
-          <a:bodyPr anchorCtr="0" anchor="t" bIns="45700" lIns="91425" spcFirstLastPara="1" rIns="91425" wrap="square" tIns="45700">
-            <a:noAutofit/>
-          </a:bodyPr>
-          <a:lstStyle/>
-          <a:p>
-            <a:pPr indent="0" lvl="0" marL="0" rtl="0" algn="l">
-              <a:spcBef>
-                <a:spcPts val="0"/>
-              </a:spcBef>
-              <a:spcAft>
-                <a:spcPts val="0"/>
-              </a:spcAft>
-              <a:buNone/>
-            </a:pPr>
-            <a:r>
-              <a:t/>
-            </a:r>
-            <a:endParaRPr/>
-          </a:p>
-        </p:txBody>
-      </p:sp>
-      <p:sp>
-        <p:nvSpPr>
-          <p:cNvPr id="98" name="Google Shape;98;g1e04fecdc38_0_27:notes"/>
-          <p:cNvSpPr txBox="1"/>
-          <p:nvPr>
-            <p:ph idx="12" type="sldNum"/>
-          </p:nvPr>
-        </p:nvSpPr>
-        <p:spPr>
-          <a:xfrm>
-            <a:off x="3884613" y="8685213"/>
-            <a:ext cx="2971800" cy="458700"/>
-          </a:xfrm>
-          <a:prstGeom prst="rect">
-            <a:avLst/>
-          </a:prstGeom>
-        </p:spPr>
-        <p:txBody>
-          <a:bodyPr anchorCtr="0" anchor="b" bIns="45700" lIns="91425" spcFirstLastPara="1" rIns="91425" wrap="square" tIns="45700">
-            <a:noAutofit/>
-          </a:bodyPr>
-          <a:lstStyle/>
-          <a:p>
-            <a:pPr indent="0" lvl="0" marL="0" rtl="0" algn="r">
-              <a:spcBef>
-                <a:spcPts val="0"/>
-              </a:spcBef>
-              <a:spcAft>
-                <a:spcPts val="0"/>
-              </a:spcAft>
-              <a:buClr>
-                <a:srgbClr val="000000"/>
-              </a:buClr>
-              <a:buFont typeface="Arial"/>
-              <a:buNone/>
-            </a:pPr>
-            <a:fld id="{00000000-1234-1234-1234-123412341234}" type="slidenum">
-              <a:rPr lang="nl-NL"/>
-              <a:t>‹#›</a:t>
+              <a:t>5</a:t>
             </a:fld>
             <a:endParaRPr/>
           </a:p>
@@ -2734,11 +2171,11 @@
 </file>
 
 <file path=ppt/slideLayouts/slideLayout1.xml><?xml version="1.0" encoding="utf-8"?>
-<p:sldLayout xmlns:a="http://schemas.openxmlformats.org/drawingml/2006/main" xmlns:r="http://schemas.openxmlformats.org/officeDocument/2006/relationships" xmlns:mc="http://schemas.openxmlformats.org/markup-compatibility/2006" xmlns:mv="urn:schemas-microsoft-com:mac:vml" xmlns:p="http://schemas.openxmlformats.org/presentationml/2006/main" xmlns:c="http://schemas.openxmlformats.org/drawingml/2006/chart" xmlns:dgm="http://schemas.openxmlformats.org/drawingml/2006/diagram" xmlns:o="urn:schemas-microsoft-com:office:office" xmlns:v="urn:schemas-microsoft-com:vml" xmlns:pvml="urn:schemas-microsoft-com:office:powerpoint" xmlns:com="http://schemas.openxmlformats.org/drawingml/2006/compatibility" xmlns:p14="http://schemas.microsoft.com/office/powerpoint/2010/main" xmlns:p15="http://schemas.microsoft.com/office/powerpoint/2012/main" xmlns:ahyp="http://schemas.microsoft.com/office/drawing/2018/hyperlinkcolor" matchingName="Titeldia" type="title">
+<p:sldLayout xmlns:a="http://schemas.openxmlformats.org/drawingml/2006/main" xmlns:r="http://schemas.openxmlformats.org/officeDocument/2006/relationships" xmlns:p="http://schemas.openxmlformats.org/presentationml/2006/main" matchingName="Titeldia" type="title">
   <p:cSld name="TITLE">
     <p:spTree>
       <p:nvGrpSpPr>
-        <p:cNvPr id="15" name="Shape 15"/>
+        <p:cNvPr id="1" name="Shape 15"/>
         <p:cNvGrpSpPr/>
         <p:nvPr/>
       </p:nvGrpSpPr>
@@ -2753,7 +2190,9 @@
       <p:sp>
         <p:nvSpPr>
           <p:cNvPr id="16" name="Google Shape;16;p6"/>
-          <p:cNvSpPr txBox="1"/>
+          <p:cNvSpPr txBox="1">
+            <a:spLocks noGrp="1"/>
+          </p:cNvSpPr>
           <p:nvPr>
             <p:ph type="ctrTitle"/>
           </p:nvPr>
@@ -2779,7 +2218,7 @@
           </a:effectLst>
         </p:spPr>
         <p:txBody>
-          <a:bodyPr anchorCtr="0" anchor="b" bIns="45700" lIns="91425" spcFirstLastPara="1" rIns="91425" wrap="square" tIns="45700">
+          <a:bodyPr spcFirstLastPara="1" wrap="square" lIns="91425" tIns="45700" rIns="91425" bIns="45700" anchor="b" anchorCtr="0">
             <a:normAutofit/>
           </a:bodyPr>
           <a:lstStyle>
@@ -2890,15 +2329,19 @@
               <a:defRPr/>
             </a:lvl9pPr>
           </a:lstStyle>
-          <a:p/>
+          <a:p>
+            <a:endParaRPr/>
+          </a:p>
         </p:txBody>
       </p:sp>
       <p:sp>
         <p:nvSpPr>
           <p:cNvPr id="17" name="Google Shape;17;p6"/>
-          <p:cNvSpPr txBox="1"/>
+          <p:cNvSpPr txBox="1">
+            <a:spLocks noGrp="1"/>
+          </p:cNvSpPr>
           <p:nvPr>
-            <p:ph idx="1" type="subTitle"/>
+            <p:ph type="subTitle" idx="1"/>
           </p:nvPr>
         </p:nvSpPr>
         <p:spPr>
@@ -2922,7 +2365,7 @@
           </a:effectLst>
         </p:spPr>
         <p:txBody>
-          <a:bodyPr anchorCtr="0" anchor="t" bIns="45700" lIns="91425" spcFirstLastPara="1" rIns="91425" wrap="square" tIns="45700">
+          <a:bodyPr spcFirstLastPara="1" wrap="square" lIns="91425" tIns="45700" rIns="91425" bIns="45700" anchor="t" anchorCtr="0">
             <a:normAutofit/>
           </a:bodyPr>
           <a:lstStyle>
@@ -3065,15 +2508,19 @@
               </a:defRPr>
             </a:lvl9pPr>
           </a:lstStyle>
-          <a:p/>
+          <a:p>
+            <a:endParaRPr/>
+          </a:p>
         </p:txBody>
       </p:sp>
       <p:sp>
         <p:nvSpPr>
           <p:cNvPr id="18" name="Google Shape;18;p6"/>
-          <p:cNvSpPr txBox="1"/>
+          <p:cNvSpPr txBox="1">
+            <a:spLocks noGrp="1"/>
+          </p:cNvSpPr>
           <p:nvPr>
-            <p:ph idx="10" type="dt"/>
+            <p:ph type="dt" idx="10"/>
           </p:nvPr>
         </p:nvSpPr>
         <p:spPr>
@@ -3090,7 +2537,7 @@
           </a:ln>
         </p:spPr>
         <p:txBody>
-          <a:bodyPr anchorCtr="0" anchor="ctr" bIns="45700" lIns="91425" spcFirstLastPara="1" rIns="91425" wrap="square" tIns="45700">
+          <a:bodyPr spcFirstLastPara="1" wrap="square" lIns="91425" tIns="45700" rIns="91425" bIns="45700" anchor="ctr" anchorCtr="0">
             <a:noAutofit/>
           </a:bodyPr>
           <a:lstStyle>
@@ -3194,15 +2641,19 @@
               <a:defRPr/>
             </a:lvl9pPr>
           </a:lstStyle>
-          <a:p/>
+          <a:p>
+            <a:endParaRPr/>
+          </a:p>
         </p:txBody>
       </p:sp>
       <p:sp>
         <p:nvSpPr>
           <p:cNvPr id="19" name="Google Shape;19;p6"/>
-          <p:cNvSpPr txBox="1"/>
+          <p:cNvSpPr txBox="1">
+            <a:spLocks noGrp="1"/>
+          </p:cNvSpPr>
           <p:nvPr>
-            <p:ph idx="11" type="ftr"/>
+            <p:ph type="ftr" idx="11"/>
           </p:nvPr>
         </p:nvSpPr>
         <p:spPr>
@@ -3219,7 +2670,7 @@
           </a:ln>
         </p:spPr>
         <p:txBody>
-          <a:bodyPr anchorCtr="0" anchor="ctr" bIns="45700" lIns="91425" spcFirstLastPara="1" rIns="91425" wrap="square" tIns="45700">
+          <a:bodyPr spcFirstLastPara="1" wrap="square" lIns="91425" tIns="45700" rIns="91425" bIns="45700" anchor="ctr" anchorCtr="0">
             <a:noAutofit/>
           </a:bodyPr>
           <a:lstStyle>
@@ -3323,15 +2774,19 @@
               <a:defRPr/>
             </a:lvl9pPr>
           </a:lstStyle>
-          <a:p/>
+          <a:p>
+            <a:endParaRPr/>
+          </a:p>
         </p:txBody>
       </p:sp>
       <p:sp>
         <p:nvSpPr>
           <p:cNvPr id="20" name="Google Shape;20;p6"/>
-          <p:cNvSpPr txBox="1"/>
+          <p:cNvSpPr txBox="1">
+            <a:spLocks noGrp="1"/>
+          </p:cNvSpPr>
           <p:nvPr>
-            <p:ph idx="12" type="sldNum"/>
+            <p:ph type="sldNum" idx="12"/>
           </p:nvPr>
         </p:nvSpPr>
         <p:spPr>
@@ -3348,67 +2803,67 @@
           </a:ln>
         </p:spPr>
         <p:txBody>
-          <a:bodyPr anchorCtr="0" anchor="ctr" bIns="45700" lIns="91425" spcFirstLastPara="1" rIns="91425" wrap="square" tIns="45700">
+          <a:bodyPr spcFirstLastPara="1" wrap="square" lIns="91425" tIns="45700" rIns="91425" bIns="45700" anchor="ctr" anchorCtr="0">
             <a:noAutofit/>
           </a:bodyPr>
           <a:lstStyle>
-            <a:lvl1pPr indent="0" lvl="0" marL="0" algn="r">
+            <a:lvl1pPr marL="0" lvl="0" indent="0" algn="r">
               <a:spcBef>
                 <a:spcPts val="0"/>
               </a:spcBef>
               <a:buNone/>
               <a:defRPr/>
             </a:lvl1pPr>
-            <a:lvl2pPr indent="0" lvl="1" marL="0" algn="r">
+            <a:lvl2pPr marL="0" lvl="1" indent="0" algn="r">
               <a:spcBef>
                 <a:spcPts val="0"/>
               </a:spcBef>
               <a:buNone/>
               <a:defRPr/>
             </a:lvl2pPr>
-            <a:lvl3pPr indent="0" lvl="2" marL="0" algn="r">
+            <a:lvl3pPr marL="0" lvl="2" indent="0" algn="r">
               <a:spcBef>
                 <a:spcPts val="0"/>
               </a:spcBef>
               <a:buNone/>
               <a:defRPr/>
             </a:lvl3pPr>
-            <a:lvl4pPr indent="0" lvl="3" marL="0" algn="r">
+            <a:lvl4pPr marL="0" lvl="3" indent="0" algn="r">
               <a:spcBef>
                 <a:spcPts val="0"/>
               </a:spcBef>
               <a:buNone/>
               <a:defRPr/>
             </a:lvl4pPr>
-            <a:lvl5pPr indent="0" lvl="4" marL="0" algn="r">
+            <a:lvl5pPr marL="0" lvl="4" indent="0" algn="r">
               <a:spcBef>
                 <a:spcPts val="0"/>
               </a:spcBef>
               <a:buNone/>
               <a:defRPr/>
             </a:lvl5pPr>
-            <a:lvl6pPr indent="0" lvl="5" marL="0" algn="r">
+            <a:lvl6pPr marL="0" lvl="5" indent="0" algn="r">
               <a:spcBef>
                 <a:spcPts val="0"/>
               </a:spcBef>
               <a:buNone/>
               <a:defRPr/>
             </a:lvl6pPr>
-            <a:lvl7pPr indent="0" lvl="6" marL="0" algn="r">
+            <a:lvl7pPr marL="0" lvl="6" indent="0" algn="r">
               <a:spcBef>
                 <a:spcPts val="0"/>
               </a:spcBef>
               <a:buNone/>
               <a:defRPr/>
             </a:lvl7pPr>
-            <a:lvl8pPr indent="0" lvl="7" marL="0" algn="r">
+            <a:lvl8pPr marL="0" lvl="7" indent="0" algn="r">
               <a:spcBef>
                 <a:spcPts val="0"/>
               </a:spcBef>
               <a:buNone/>
               <a:defRPr/>
             </a:lvl8pPr>
-            <a:lvl9pPr indent="0" lvl="8" marL="0" algn="r">
+            <a:lvl9pPr marL="0" lvl="8" indent="0" algn="r">
               <a:spcBef>
                 <a:spcPts val="0"/>
               </a:spcBef>
@@ -3417,7 +2872,7 @@
             </a:lvl9pPr>
           </a:lstStyle>
           <a:p>
-            <a:pPr indent="0" lvl="0" marL="0" rtl="0" algn="r">
+            <a:pPr marL="0" lvl="0" indent="0" algn="r" rtl="0">
               <a:spcBef>
                 <a:spcPts val="0"/>
               </a:spcBef>
@@ -3428,7 +2883,7 @@
             </a:pPr>
             <a:fld id="{00000000-1234-1234-1234-123412341234}" type="slidenum">
               <a:rPr lang="nl-NL"/>
-              <a:t>‹#›</a:t>
+              <a:t>‹nr.›</a:t>
             </a:fld>
             <a:endParaRPr/>
           </a:p>
@@ -3443,11 +2898,11 @@
 </file>
 
 <file path=ppt/slideLayouts/slideLayout2.xml><?xml version="1.0" encoding="utf-8"?>
-<p:sldLayout xmlns:a="http://schemas.openxmlformats.org/drawingml/2006/main" xmlns:r="http://schemas.openxmlformats.org/officeDocument/2006/relationships" xmlns:mc="http://schemas.openxmlformats.org/markup-compatibility/2006" xmlns:mv="urn:schemas-microsoft-com:mac:vml" xmlns:p="http://schemas.openxmlformats.org/presentationml/2006/main" xmlns:c="http://schemas.openxmlformats.org/drawingml/2006/chart" xmlns:dgm="http://schemas.openxmlformats.org/drawingml/2006/diagram" xmlns:o="urn:schemas-microsoft-com:office:office" xmlns:v="urn:schemas-microsoft-com:vml" xmlns:pvml="urn:schemas-microsoft-com:office:powerpoint" xmlns:com="http://schemas.openxmlformats.org/drawingml/2006/compatibility" xmlns:p14="http://schemas.microsoft.com/office/powerpoint/2010/main" xmlns:p15="http://schemas.microsoft.com/office/powerpoint/2012/main" xmlns:ahyp="http://schemas.microsoft.com/office/drawing/2018/hyperlinkcolor" matchingName="Titel en inhoud" type="obj">
+<p:sldLayout xmlns:a="http://schemas.openxmlformats.org/drawingml/2006/main" xmlns:r="http://schemas.openxmlformats.org/officeDocument/2006/relationships" xmlns:p="http://schemas.openxmlformats.org/presentationml/2006/main" matchingName="Titel en inhoud" type="obj">
   <p:cSld name="OBJECT">
     <p:spTree>
       <p:nvGrpSpPr>
-        <p:cNvPr id="21" name="Shape 21"/>
+        <p:cNvPr id="1" name="Shape 21"/>
         <p:cNvGrpSpPr/>
         <p:nvPr/>
       </p:nvGrpSpPr>
@@ -3462,7 +2917,9 @@
       <p:sp>
         <p:nvSpPr>
           <p:cNvPr id="22" name="Google Shape;22;p8"/>
-          <p:cNvSpPr txBox="1"/>
+          <p:cNvSpPr txBox="1">
+            <a:spLocks noGrp="1"/>
+          </p:cNvSpPr>
           <p:nvPr>
             <p:ph type="title"/>
           </p:nvPr>
@@ -3488,7 +2945,7 @@
           </a:effectLst>
         </p:spPr>
         <p:txBody>
-          <a:bodyPr anchorCtr="0" anchor="ctr" bIns="45700" lIns="91425" spcFirstLastPara="1" rIns="91425" wrap="square" tIns="45700">
+          <a:bodyPr spcFirstLastPara="1" wrap="square" lIns="91425" tIns="45700" rIns="91425" bIns="45700" anchor="ctr" anchorCtr="0">
             <a:normAutofit/>
           </a:bodyPr>
           <a:lstStyle>
@@ -3598,15 +3055,19 @@
               <a:defRPr/>
             </a:lvl9pPr>
           </a:lstStyle>
-          <a:p/>
+          <a:p>
+            <a:endParaRPr/>
+          </a:p>
         </p:txBody>
       </p:sp>
       <p:sp>
         <p:nvSpPr>
           <p:cNvPr id="23" name="Google Shape;23;p8"/>
-          <p:cNvSpPr txBox="1"/>
+          <p:cNvSpPr txBox="1">
+            <a:spLocks noGrp="1"/>
+          </p:cNvSpPr>
           <p:nvPr>
-            <p:ph idx="1" type="body"/>
+            <p:ph type="body" idx="1"/>
           </p:nvPr>
         </p:nvSpPr>
         <p:spPr>
@@ -3630,11 +3091,11 @@
           </a:effectLst>
         </p:spPr>
         <p:txBody>
-          <a:bodyPr anchorCtr="0" anchor="t" bIns="45700" lIns="91425" spcFirstLastPara="1" rIns="91425" wrap="square" tIns="45700">
+          <a:bodyPr spcFirstLastPara="1" wrap="square" lIns="91425" tIns="45700" rIns="91425" bIns="45700" anchor="t" anchorCtr="0">
             <a:normAutofit/>
           </a:bodyPr>
           <a:lstStyle>
-            <a:lvl1pPr indent="-308610" lvl="0" marL="457200" algn="l">
+            <a:lvl1pPr marL="457200" lvl="0" indent="-308610" algn="l">
               <a:lnSpc>
                 <a:spcPct val="110000"/>
               </a:lnSpc>
@@ -3648,7 +3109,7 @@
               <a:buChar char="◈"/>
               <a:defRPr/>
             </a:lvl1pPr>
-            <a:lvl2pPr indent="-308610" lvl="1" marL="914400" algn="l">
+            <a:lvl2pPr marL="914400" lvl="1" indent="-308610" algn="l">
               <a:spcBef>
                 <a:spcPts val="600"/>
               </a:spcBef>
@@ -3659,7 +3120,7 @@
               <a:buChar char="🞚"/>
               <a:defRPr/>
             </a:lvl2pPr>
-            <a:lvl3pPr indent="-308610" lvl="2" marL="1371600" algn="l">
+            <a:lvl3pPr marL="1371600" lvl="2" indent="-308610" algn="l">
               <a:spcBef>
                 <a:spcPts val="600"/>
               </a:spcBef>
@@ -3670,7 +3131,7 @@
               <a:buChar char="◈"/>
               <a:defRPr/>
             </a:lvl3pPr>
-            <a:lvl4pPr indent="-308610" lvl="3" marL="1828800" algn="l">
+            <a:lvl4pPr marL="1828800" lvl="3" indent="-308610" algn="l">
               <a:spcBef>
                 <a:spcPts val="600"/>
               </a:spcBef>
@@ -3681,7 +3142,7 @@
               <a:buChar char="🞚"/>
               <a:defRPr/>
             </a:lvl4pPr>
-            <a:lvl5pPr indent="-308610" lvl="4" marL="2286000" algn="l">
+            <a:lvl5pPr marL="2286000" lvl="4" indent="-308610" algn="l">
               <a:spcBef>
                 <a:spcPts val="600"/>
               </a:spcBef>
@@ -3692,7 +3153,7 @@
               <a:buChar char="◈"/>
               <a:defRPr/>
             </a:lvl5pPr>
-            <a:lvl6pPr indent="-308610" lvl="5" marL="2743200" algn="l">
+            <a:lvl6pPr marL="2743200" lvl="5" indent="-308610" algn="l">
               <a:spcBef>
                 <a:spcPts val="600"/>
               </a:spcBef>
@@ -3703,7 +3164,7 @@
               <a:buChar char="◈"/>
               <a:defRPr/>
             </a:lvl6pPr>
-            <a:lvl7pPr indent="-308610" lvl="6" marL="3200400" algn="l">
+            <a:lvl7pPr marL="3200400" lvl="6" indent="-308610" algn="l">
               <a:spcBef>
                 <a:spcPts val="600"/>
               </a:spcBef>
@@ -3714,7 +3175,7 @@
               <a:buChar char="◈"/>
               <a:defRPr/>
             </a:lvl7pPr>
-            <a:lvl8pPr indent="-308609" lvl="7" marL="3657600" algn="l">
+            <a:lvl8pPr marL="3657600" lvl="7" indent="-308609" algn="l">
               <a:spcBef>
                 <a:spcPts val="600"/>
               </a:spcBef>
@@ -3725,7 +3186,7 @@
               <a:buChar char="◈"/>
               <a:defRPr/>
             </a:lvl8pPr>
-            <a:lvl9pPr indent="-308609" lvl="8" marL="4114800" algn="l">
+            <a:lvl9pPr marL="4114800" lvl="8" indent="-308609" algn="l">
               <a:spcBef>
                 <a:spcPts val="600"/>
               </a:spcBef>
@@ -3737,15 +3198,19 @@
               <a:defRPr/>
             </a:lvl9pPr>
           </a:lstStyle>
-          <a:p/>
+          <a:p>
+            <a:endParaRPr/>
+          </a:p>
         </p:txBody>
       </p:sp>
       <p:sp>
         <p:nvSpPr>
           <p:cNvPr id="24" name="Google Shape;24;p8"/>
-          <p:cNvSpPr txBox="1"/>
+          <p:cNvSpPr txBox="1">
+            <a:spLocks noGrp="1"/>
+          </p:cNvSpPr>
           <p:nvPr>
-            <p:ph idx="10" type="dt"/>
+            <p:ph type="dt" idx="10"/>
           </p:nvPr>
         </p:nvSpPr>
         <p:spPr>
@@ -3762,7 +3227,7 @@
           </a:ln>
         </p:spPr>
         <p:txBody>
-          <a:bodyPr anchorCtr="0" anchor="ctr" bIns="45700" lIns="91425" spcFirstLastPara="1" rIns="91425" wrap="square" tIns="45700">
+          <a:bodyPr spcFirstLastPara="1" wrap="square" lIns="91425" tIns="45700" rIns="91425" bIns="45700" anchor="ctr" anchorCtr="0">
             <a:noAutofit/>
           </a:bodyPr>
           <a:lstStyle>
@@ -3866,15 +3331,19 @@
               <a:defRPr/>
             </a:lvl9pPr>
           </a:lstStyle>
-          <a:p/>
+          <a:p>
+            <a:endParaRPr/>
+          </a:p>
         </p:txBody>
       </p:sp>
       <p:sp>
         <p:nvSpPr>
           <p:cNvPr id="25" name="Google Shape;25;p8"/>
-          <p:cNvSpPr txBox="1"/>
+          <p:cNvSpPr txBox="1">
+            <a:spLocks noGrp="1"/>
+          </p:cNvSpPr>
           <p:nvPr>
-            <p:ph idx="11" type="ftr"/>
+            <p:ph type="ftr" idx="11"/>
           </p:nvPr>
         </p:nvSpPr>
         <p:spPr>
@@ -3891,7 +3360,7 @@
           </a:ln>
         </p:spPr>
         <p:txBody>
-          <a:bodyPr anchorCtr="0" anchor="ctr" bIns="45700" lIns="91425" spcFirstLastPara="1" rIns="91425" wrap="square" tIns="45700">
+          <a:bodyPr spcFirstLastPara="1" wrap="square" lIns="91425" tIns="45700" rIns="91425" bIns="45700" anchor="ctr" anchorCtr="0">
             <a:noAutofit/>
           </a:bodyPr>
           <a:lstStyle>
@@ -3995,15 +3464,19 @@
               <a:defRPr/>
             </a:lvl9pPr>
           </a:lstStyle>
-          <a:p/>
+          <a:p>
+            <a:endParaRPr/>
+          </a:p>
         </p:txBody>
       </p:sp>
       <p:sp>
         <p:nvSpPr>
           <p:cNvPr id="26" name="Google Shape;26;p8"/>
-          <p:cNvSpPr txBox="1"/>
+          <p:cNvSpPr txBox="1">
+            <a:spLocks noGrp="1"/>
+          </p:cNvSpPr>
           <p:nvPr>
-            <p:ph idx="12" type="sldNum"/>
+            <p:ph type="sldNum" idx="12"/>
           </p:nvPr>
         </p:nvSpPr>
         <p:spPr>
@@ -4020,67 +3493,67 @@
           </a:ln>
         </p:spPr>
         <p:txBody>
-          <a:bodyPr anchorCtr="0" anchor="ctr" bIns="45700" lIns="91425" spcFirstLastPara="1" rIns="91425" wrap="square" tIns="45700">
+          <a:bodyPr spcFirstLastPara="1" wrap="square" lIns="91425" tIns="45700" rIns="91425" bIns="45700" anchor="ctr" anchorCtr="0">
             <a:noAutofit/>
           </a:bodyPr>
           <a:lstStyle>
-            <a:lvl1pPr indent="0" lvl="0" marL="0" algn="r">
+            <a:lvl1pPr marL="0" lvl="0" indent="0" algn="r">
               <a:spcBef>
                 <a:spcPts val="0"/>
               </a:spcBef>
               <a:buNone/>
               <a:defRPr/>
             </a:lvl1pPr>
-            <a:lvl2pPr indent="0" lvl="1" marL="0" algn="r">
+            <a:lvl2pPr marL="0" lvl="1" indent="0" algn="r">
               <a:spcBef>
                 <a:spcPts val="0"/>
               </a:spcBef>
               <a:buNone/>
               <a:defRPr/>
             </a:lvl2pPr>
-            <a:lvl3pPr indent="0" lvl="2" marL="0" algn="r">
+            <a:lvl3pPr marL="0" lvl="2" indent="0" algn="r">
               <a:spcBef>
                 <a:spcPts val="0"/>
               </a:spcBef>
               <a:buNone/>
               <a:defRPr/>
             </a:lvl3pPr>
-            <a:lvl4pPr indent="0" lvl="3" marL="0" algn="r">
+            <a:lvl4pPr marL="0" lvl="3" indent="0" algn="r">
               <a:spcBef>
                 <a:spcPts val="0"/>
               </a:spcBef>
               <a:buNone/>
               <a:defRPr/>
             </a:lvl4pPr>
-            <a:lvl5pPr indent="0" lvl="4" marL="0" algn="r">
+            <a:lvl5pPr marL="0" lvl="4" indent="0" algn="r">
               <a:spcBef>
                 <a:spcPts val="0"/>
               </a:spcBef>
               <a:buNone/>
               <a:defRPr/>
             </a:lvl5pPr>
-            <a:lvl6pPr indent="0" lvl="5" marL="0" algn="r">
+            <a:lvl6pPr marL="0" lvl="5" indent="0" algn="r">
               <a:spcBef>
                 <a:spcPts val="0"/>
               </a:spcBef>
               <a:buNone/>
               <a:defRPr/>
             </a:lvl6pPr>
-            <a:lvl7pPr indent="0" lvl="6" marL="0" algn="r">
+            <a:lvl7pPr marL="0" lvl="6" indent="0" algn="r">
               <a:spcBef>
                 <a:spcPts val="0"/>
               </a:spcBef>
               <a:buNone/>
               <a:defRPr/>
             </a:lvl7pPr>
-            <a:lvl8pPr indent="0" lvl="7" marL="0" algn="r">
+            <a:lvl8pPr marL="0" lvl="7" indent="0" algn="r">
               <a:spcBef>
                 <a:spcPts val="0"/>
               </a:spcBef>
               <a:buNone/>
               <a:defRPr/>
             </a:lvl8pPr>
-            <a:lvl9pPr indent="0" lvl="8" marL="0" algn="r">
+            <a:lvl9pPr marL="0" lvl="8" indent="0" algn="r">
               <a:spcBef>
                 <a:spcPts val="0"/>
               </a:spcBef>
@@ -4089,7 +3562,7 @@
             </a:lvl9pPr>
           </a:lstStyle>
           <a:p>
-            <a:pPr indent="0" lvl="0" marL="0" rtl="0" algn="r">
+            <a:pPr marL="0" lvl="0" indent="0" algn="r" rtl="0">
               <a:spcBef>
                 <a:spcPts val="0"/>
               </a:spcBef>
@@ -4100,7 +3573,7 @@
             </a:pPr>
             <a:fld id="{00000000-1234-1234-1234-123412341234}" type="slidenum">
               <a:rPr lang="nl-NL"/>
-              <a:t>‹#›</a:t>
+              <a:t>‹nr.›</a:t>
             </a:fld>
             <a:endParaRPr/>
           </a:p>
@@ -4115,23 +3588,24 @@
 </file>
 
 <file path=ppt/slideMasters/slideMaster1.xml><?xml version="1.0" encoding="utf-8"?>
-<p:sldMaster xmlns:a="http://schemas.openxmlformats.org/drawingml/2006/main" xmlns:r="http://schemas.openxmlformats.org/officeDocument/2006/relationships" xmlns:mc="http://schemas.openxmlformats.org/markup-compatibility/2006" xmlns:mv="urn:schemas-microsoft-com:mac:vml" xmlns:p="http://schemas.openxmlformats.org/presentationml/2006/main" xmlns:c="http://schemas.openxmlformats.org/drawingml/2006/chart" xmlns:dgm="http://schemas.openxmlformats.org/drawingml/2006/diagram" xmlns:o="urn:schemas-microsoft-com:office:office" xmlns:v="urn:schemas-microsoft-com:vml" xmlns:pvml="urn:schemas-microsoft-com:office:powerpoint" xmlns:com="http://schemas.openxmlformats.org/drawingml/2006/compatibility" xmlns:p14="http://schemas.microsoft.com/office/powerpoint/2010/main" xmlns:p15="http://schemas.microsoft.com/office/powerpoint/2012/main" xmlns:ahyp="http://schemas.microsoft.com/office/drawing/2018/hyperlinkcolor">
+<p:sldMaster xmlns:a="http://schemas.openxmlformats.org/drawingml/2006/main" xmlns:r="http://schemas.openxmlformats.org/officeDocument/2006/relationships" xmlns:p="http://schemas.openxmlformats.org/presentationml/2006/main">
   <p:cSld>
     <p:bg>
       <p:bgPr>
         <a:blipFill>
-          <a:blip r:embed="rId1">
+          <a:blip r:embed="rId4">
             <a:alphaModFix/>
           </a:blip>
           <a:stretch>
             <a:fillRect/>
           </a:stretch>
         </a:blipFill>
+        <a:effectLst/>
       </p:bgPr>
     </p:bg>
     <p:spTree>
       <p:nvGrpSpPr>
-        <p:cNvPr id="9" name="Shape 9"/>
+        <p:cNvPr id="1" name="Shape 9"/>
         <p:cNvGrpSpPr/>
         <p:nvPr/>
       </p:nvGrpSpPr>
@@ -4146,7 +3620,9 @@
       <p:sp>
         <p:nvSpPr>
           <p:cNvPr id="10" name="Google Shape;10;p4"/>
-          <p:cNvSpPr txBox="1"/>
+          <p:cNvSpPr txBox="1">
+            <a:spLocks noGrp="1"/>
+          </p:cNvSpPr>
           <p:nvPr>
             <p:ph type="title"/>
           </p:nvPr>
@@ -4172,11 +3648,11 @@
           </a:effectLst>
         </p:spPr>
         <p:txBody>
-          <a:bodyPr anchorCtr="0" anchor="ctr" bIns="45700" lIns="91425" spcFirstLastPara="1" rIns="91425" wrap="square" tIns="45700">
+          <a:bodyPr spcFirstLastPara="1" wrap="square" lIns="91425" tIns="45700" rIns="91425" bIns="45700" anchor="ctr" anchorCtr="0">
             <a:normAutofit/>
           </a:bodyPr>
           <a:lstStyle>
-            <a:lvl1pPr lvl="0" marR="0" rtl="0" algn="ctr">
+            <a:lvl1pPr marR="0" lvl="0" algn="ctr" rtl="0">
               <a:lnSpc>
                 <a:spcPct val="90000"/>
               </a:lnSpc>
@@ -4192,7 +3668,7 @@
               <a:buSzPts val="4600"/>
               <a:buFont typeface="Sorts Mill Goudy"/>
               <a:buNone/>
-              <a:defRPr b="0" i="0" sz="4600" u="none" cap="none" strike="noStrike">
+              <a:defRPr sz="4600" b="0" i="0" u="none" strike="noStrike" cap="none">
                 <a:solidFill>
                   <a:schemeClr val="lt2"/>
                 </a:solidFill>
@@ -4202,136 +3678,140 @@
                 <a:sym typeface="Sorts Mill Goudy"/>
               </a:defRPr>
             </a:lvl1pPr>
-            <a:lvl2pPr lvl="1" marR="0" rtl="0" algn="l">
-              <a:spcBef>
-                <a:spcPts val="0"/>
-              </a:spcBef>
-              <a:spcAft>
-                <a:spcPts val="0"/>
-              </a:spcAft>
-              <a:buSzPts val="1400"/>
-              <a:buNone/>
-              <a:defRPr b="0" i="0" sz="1800" u="none" cap="none" strike="noStrike">
+            <a:lvl2pPr marR="0" lvl="1" algn="l" rtl="0">
+              <a:spcBef>
+                <a:spcPts val="0"/>
+              </a:spcBef>
+              <a:spcAft>
+                <a:spcPts val="0"/>
+              </a:spcAft>
+              <a:buSzPts val="1400"/>
+              <a:buNone/>
+              <a:defRPr sz="1800" b="0" i="0" u="none" strike="noStrike" cap="none">
                 <a:solidFill>
                   <a:schemeClr val="lt2"/>
                 </a:solidFill>
               </a:defRPr>
             </a:lvl2pPr>
-            <a:lvl3pPr lvl="2" marR="0" rtl="0" algn="l">
-              <a:spcBef>
-                <a:spcPts val="0"/>
-              </a:spcBef>
-              <a:spcAft>
-                <a:spcPts val="0"/>
-              </a:spcAft>
-              <a:buSzPts val="1400"/>
-              <a:buNone/>
-              <a:defRPr b="0" i="0" sz="1800" u="none" cap="none" strike="noStrike">
+            <a:lvl3pPr marR="0" lvl="2" algn="l" rtl="0">
+              <a:spcBef>
+                <a:spcPts val="0"/>
+              </a:spcBef>
+              <a:spcAft>
+                <a:spcPts val="0"/>
+              </a:spcAft>
+              <a:buSzPts val="1400"/>
+              <a:buNone/>
+              <a:defRPr sz="1800" b="0" i="0" u="none" strike="noStrike" cap="none">
                 <a:solidFill>
                   <a:schemeClr val="lt2"/>
                 </a:solidFill>
               </a:defRPr>
             </a:lvl3pPr>
-            <a:lvl4pPr lvl="3" marR="0" rtl="0" algn="l">
-              <a:spcBef>
-                <a:spcPts val="0"/>
-              </a:spcBef>
-              <a:spcAft>
-                <a:spcPts val="0"/>
-              </a:spcAft>
-              <a:buSzPts val="1400"/>
-              <a:buNone/>
-              <a:defRPr b="0" i="0" sz="1800" u="none" cap="none" strike="noStrike">
+            <a:lvl4pPr marR="0" lvl="3" algn="l" rtl="0">
+              <a:spcBef>
+                <a:spcPts val="0"/>
+              </a:spcBef>
+              <a:spcAft>
+                <a:spcPts val="0"/>
+              </a:spcAft>
+              <a:buSzPts val="1400"/>
+              <a:buNone/>
+              <a:defRPr sz="1800" b="0" i="0" u="none" strike="noStrike" cap="none">
                 <a:solidFill>
                   <a:schemeClr val="lt2"/>
                 </a:solidFill>
               </a:defRPr>
             </a:lvl4pPr>
-            <a:lvl5pPr lvl="4" marR="0" rtl="0" algn="l">
-              <a:spcBef>
-                <a:spcPts val="0"/>
-              </a:spcBef>
-              <a:spcAft>
-                <a:spcPts val="0"/>
-              </a:spcAft>
-              <a:buSzPts val="1400"/>
-              <a:buNone/>
-              <a:defRPr b="0" i="0" sz="1800" u="none" cap="none" strike="noStrike">
+            <a:lvl5pPr marR="0" lvl="4" algn="l" rtl="0">
+              <a:spcBef>
+                <a:spcPts val="0"/>
+              </a:spcBef>
+              <a:spcAft>
+                <a:spcPts val="0"/>
+              </a:spcAft>
+              <a:buSzPts val="1400"/>
+              <a:buNone/>
+              <a:defRPr sz="1800" b="0" i="0" u="none" strike="noStrike" cap="none">
                 <a:solidFill>
                   <a:schemeClr val="lt2"/>
                 </a:solidFill>
               </a:defRPr>
             </a:lvl5pPr>
-            <a:lvl6pPr lvl="5" marR="0" rtl="0" algn="l">
-              <a:spcBef>
-                <a:spcPts val="0"/>
-              </a:spcBef>
-              <a:spcAft>
-                <a:spcPts val="0"/>
-              </a:spcAft>
-              <a:buSzPts val="1400"/>
-              <a:buNone/>
-              <a:defRPr b="0" i="0" sz="1800" u="none" cap="none" strike="noStrike">
+            <a:lvl6pPr marR="0" lvl="5" algn="l" rtl="0">
+              <a:spcBef>
+                <a:spcPts val="0"/>
+              </a:spcBef>
+              <a:spcAft>
+                <a:spcPts val="0"/>
+              </a:spcAft>
+              <a:buSzPts val="1400"/>
+              <a:buNone/>
+              <a:defRPr sz="1800" b="0" i="0" u="none" strike="noStrike" cap="none">
                 <a:solidFill>
                   <a:schemeClr val="lt2"/>
                 </a:solidFill>
               </a:defRPr>
             </a:lvl6pPr>
-            <a:lvl7pPr lvl="6" marR="0" rtl="0" algn="l">
-              <a:spcBef>
-                <a:spcPts val="0"/>
-              </a:spcBef>
-              <a:spcAft>
-                <a:spcPts val="0"/>
-              </a:spcAft>
-              <a:buSzPts val="1400"/>
-              <a:buNone/>
-              <a:defRPr b="0" i="0" sz="1800" u="none" cap="none" strike="noStrike">
+            <a:lvl7pPr marR="0" lvl="6" algn="l" rtl="0">
+              <a:spcBef>
+                <a:spcPts val="0"/>
+              </a:spcBef>
+              <a:spcAft>
+                <a:spcPts val="0"/>
+              </a:spcAft>
+              <a:buSzPts val="1400"/>
+              <a:buNone/>
+              <a:defRPr sz="1800" b="0" i="0" u="none" strike="noStrike" cap="none">
                 <a:solidFill>
                   <a:schemeClr val="lt2"/>
                 </a:solidFill>
               </a:defRPr>
             </a:lvl7pPr>
-            <a:lvl8pPr lvl="7" marR="0" rtl="0" algn="l">
-              <a:spcBef>
-                <a:spcPts val="0"/>
-              </a:spcBef>
-              <a:spcAft>
-                <a:spcPts val="0"/>
-              </a:spcAft>
-              <a:buSzPts val="1400"/>
-              <a:buNone/>
-              <a:defRPr b="0" i="0" sz="1800" u="none" cap="none" strike="noStrike">
+            <a:lvl8pPr marR="0" lvl="7" algn="l" rtl="0">
+              <a:spcBef>
+                <a:spcPts val="0"/>
+              </a:spcBef>
+              <a:spcAft>
+                <a:spcPts val="0"/>
+              </a:spcAft>
+              <a:buSzPts val="1400"/>
+              <a:buNone/>
+              <a:defRPr sz="1800" b="0" i="0" u="none" strike="noStrike" cap="none">
                 <a:solidFill>
                   <a:schemeClr val="lt2"/>
                 </a:solidFill>
               </a:defRPr>
             </a:lvl8pPr>
-            <a:lvl9pPr lvl="8" marR="0" rtl="0" algn="l">
-              <a:spcBef>
-                <a:spcPts val="0"/>
-              </a:spcBef>
-              <a:spcAft>
-                <a:spcPts val="0"/>
-              </a:spcAft>
-              <a:buSzPts val="1400"/>
-              <a:buNone/>
-              <a:defRPr b="0" i="0" sz="1800" u="none" cap="none" strike="noStrike">
+            <a:lvl9pPr marR="0" lvl="8" algn="l" rtl="0">
+              <a:spcBef>
+                <a:spcPts val="0"/>
+              </a:spcBef>
+              <a:spcAft>
+                <a:spcPts val="0"/>
+              </a:spcAft>
+              <a:buSzPts val="1400"/>
+              <a:buNone/>
+              <a:defRPr sz="1800" b="0" i="0" u="none" strike="noStrike" cap="none">
                 <a:solidFill>
                   <a:schemeClr val="lt2"/>
                 </a:solidFill>
               </a:defRPr>
             </a:lvl9pPr>
           </a:lstStyle>
-          <a:p/>
+          <a:p>
+            <a:endParaRPr/>
+          </a:p>
         </p:txBody>
       </p:sp>
       <p:sp>
         <p:nvSpPr>
           <p:cNvPr id="11" name="Google Shape;11;p4"/>
-          <p:cNvSpPr txBox="1"/>
+          <p:cNvSpPr txBox="1">
+            <a:spLocks noGrp="1"/>
+          </p:cNvSpPr>
           <p:nvPr>
-            <p:ph idx="1" type="body"/>
+            <p:ph type="body" idx="1"/>
           </p:nvPr>
         </p:nvSpPr>
         <p:spPr>
@@ -4355,11 +3835,11 @@
           </a:effectLst>
         </p:spPr>
         <p:txBody>
-          <a:bodyPr anchorCtr="0" anchor="t" bIns="45700" lIns="91425" spcFirstLastPara="1" rIns="91425" wrap="square" tIns="45700">
+          <a:bodyPr spcFirstLastPara="1" wrap="square" lIns="91425" tIns="45700" rIns="91425" bIns="45700" anchor="t" anchorCtr="0">
             <a:normAutofit/>
           </a:bodyPr>
           <a:lstStyle>
-            <a:lvl1pPr indent="-330835" lvl="0" marL="457200" marR="0" rtl="0" algn="l">
+            <a:lvl1pPr marL="457200" marR="0" lvl="0" indent="-330835" algn="l" rtl="0">
               <a:lnSpc>
                 <a:spcPct val="110000"/>
               </a:lnSpc>
@@ -4375,7 +3855,7 @@
               <a:buSzPts val="1610"/>
               <a:buFont typeface="Noto Sans Symbols"/>
               <a:buChar char="◈"/>
-              <a:defRPr b="0" i="0" sz="2300" u="none" cap="none" strike="noStrike">
+              <a:defRPr sz="2300" b="0" i="0" u="none" strike="noStrike" cap="none">
                 <a:solidFill>
                   <a:schemeClr val="lt2"/>
                 </a:solidFill>
@@ -4385,7 +3865,7 @@
                 <a:sym typeface="Sorts Mill Goudy"/>
               </a:defRPr>
             </a:lvl1pPr>
-            <a:lvl2pPr indent="-321944" lvl="1" marL="914400" marR="0" rtl="0" algn="l">
+            <a:lvl2pPr marL="914400" marR="0" lvl="1" indent="-321944" algn="l" rtl="0">
               <a:spcBef>
                 <a:spcPts val="600"/>
               </a:spcBef>
@@ -4398,7 +3878,7 @@
               <a:buSzPts val="1470"/>
               <a:buFont typeface="Noto Sans Symbols"/>
               <a:buChar char="🞚"/>
-              <a:defRPr b="0" i="0" sz="2100" u="none" cap="none" strike="noStrike">
+              <a:defRPr sz="2100" b="0" i="0" u="none" strike="noStrike" cap="none">
                 <a:solidFill>
                   <a:schemeClr val="lt2"/>
                 </a:solidFill>
@@ -4408,7 +3888,7 @@
                 <a:sym typeface="Sorts Mill Goudy"/>
               </a:defRPr>
             </a:lvl2pPr>
-            <a:lvl3pPr indent="-308610" lvl="2" marL="1371600" marR="0" rtl="0" algn="l">
+            <a:lvl3pPr marL="1371600" marR="0" lvl="2" indent="-308610" algn="l" rtl="0">
               <a:spcBef>
                 <a:spcPts val="600"/>
               </a:spcBef>
@@ -4421,7 +3901,7 @@
               <a:buSzPts val="1260"/>
               <a:buFont typeface="Noto Sans Symbols"/>
               <a:buChar char="◈"/>
-              <a:defRPr b="0" i="0" sz="1800" u="none" cap="none" strike="noStrike">
+              <a:defRPr sz="1800" b="0" i="0" u="none" strike="noStrike" cap="none">
                 <a:solidFill>
                   <a:schemeClr val="lt2"/>
                 </a:solidFill>
@@ -4431,7 +3911,7 @@
                 <a:sym typeface="Sorts Mill Goudy"/>
               </a:defRPr>
             </a:lvl3pPr>
-            <a:lvl4pPr indent="-299719" lvl="3" marL="1828800" marR="0" rtl="0" algn="l">
+            <a:lvl4pPr marL="1828800" marR="0" lvl="3" indent="-299719" algn="l" rtl="0">
               <a:spcBef>
                 <a:spcPts val="600"/>
               </a:spcBef>
@@ -4444,7 +3924,7 @@
               <a:buSzPts val="1120"/>
               <a:buFont typeface="Noto Sans Symbols"/>
               <a:buChar char="🞚"/>
-              <a:defRPr b="0" i="0" sz="1600" u="none" cap="none" strike="noStrike">
+              <a:defRPr sz="1600" b="0" i="0" u="none" strike="noStrike" cap="none">
                 <a:solidFill>
                   <a:schemeClr val="lt2"/>
                 </a:solidFill>
@@ -4454,7 +3934,7 @@
                 <a:sym typeface="Sorts Mill Goudy"/>
               </a:defRPr>
             </a:lvl4pPr>
-            <a:lvl5pPr indent="-299720" lvl="4" marL="2286000" marR="0" rtl="0" algn="l">
+            <a:lvl5pPr marL="2286000" marR="0" lvl="4" indent="-299720" algn="l" rtl="0">
               <a:spcBef>
                 <a:spcPts val="600"/>
               </a:spcBef>
@@ -4467,7 +3947,7 @@
               <a:buSzPts val="1120"/>
               <a:buFont typeface="Noto Sans Symbols"/>
               <a:buChar char="◈"/>
-              <a:defRPr b="0" i="0" sz="1600" u="none" cap="none" strike="noStrike">
+              <a:defRPr sz="1600" b="0" i="0" u="none" strike="noStrike" cap="none">
                 <a:solidFill>
                   <a:schemeClr val="lt2"/>
                 </a:solidFill>
@@ -4477,7 +3957,7 @@
                 <a:sym typeface="Sorts Mill Goudy"/>
               </a:defRPr>
             </a:lvl5pPr>
-            <a:lvl6pPr indent="-290829" lvl="5" marL="2743200" marR="0" rtl="0" algn="l">
+            <a:lvl6pPr marL="2743200" marR="0" lvl="5" indent="-290829" algn="l" rtl="0">
               <a:spcBef>
                 <a:spcPts val="600"/>
               </a:spcBef>
@@ -4490,7 +3970,7 @@
               <a:buSzPts val="980"/>
               <a:buFont typeface="Noto Sans Symbols"/>
               <a:buChar char="◈"/>
-              <a:defRPr b="0" i="0" sz="1400" u="none" cap="none" strike="noStrike">
+              <a:defRPr sz="1400" b="0" i="0" u="none" strike="noStrike" cap="none">
                 <a:solidFill>
                   <a:schemeClr val="lt2"/>
                 </a:solidFill>
@@ -4500,7 +3980,7 @@
                 <a:sym typeface="Sorts Mill Goudy"/>
               </a:defRPr>
             </a:lvl6pPr>
-            <a:lvl7pPr indent="-290829" lvl="6" marL="3200400" marR="0" rtl="0" algn="l">
+            <a:lvl7pPr marL="3200400" marR="0" lvl="6" indent="-290829" algn="l" rtl="0">
               <a:spcBef>
                 <a:spcPts val="600"/>
               </a:spcBef>
@@ -4513,7 +3993,7 @@
               <a:buSzPts val="980"/>
               <a:buFont typeface="Noto Sans Symbols"/>
               <a:buChar char="◈"/>
-              <a:defRPr b="0" i="0" sz="1400" u="none" cap="none" strike="noStrike">
+              <a:defRPr sz="1400" b="0" i="0" u="none" strike="noStrike" cap="none">
                 <a:solidFill>
                   <a:schemeClr val="lt2"/>
                 </a:solidFill>
@@ -4523,7 +4003,7 @@
                 <a:sym typeface="Sorts Mill Goudy"/>
               </a:defRPr>
             </a:lvl7pPr>
-            <a:lvl8pPr indent="-290829" lvl="7" marL="3657600" marR="0" rtl="0" algn="l">
+            <a:lvl8pPr marL="3657600" marR="0" lvl="7" indent="-290829" algn="l" rtl="0">
               <a:spcBef>
                 <a:spcPts val="600"/>
               </a:spcBef>
@@ -4536,7 +4016,7 @@
               <a:buSzPts val="980"/>
               <a:buFont typeface="Noto Sans Symbols"/>
               <a:buChar char="◈"/>
-              <a:defRPr b="0" i="0" sz="1400" u="none" cap="none" strike="noStrike">
+              <a:defRPr sz="1400" b="0" i="0" u="none" strike="noStrike" cap="none">
                 <a:solidFill>
                   <a:schemeClr val="lt2"/>
                 </a:solidFill>
@@ -4546,7 +4026,7 @@
                 <a:sym typeface="Sorts Mill Goudy"/>
               </a:defRPr>
             </a:lvl8pPr>
-            <a:lvl9pPr indent="-290829" lvl="8" marL="4114800" marR="0" rtl="0" algn="l">
+            <a:lvl9pPr marL="4114800" marR="0" lvl="8" indent="-290829" algn="l" rtl="0">
               <a:spcBef>
                 <a:spcPts val="600"/>
               </a:spcBef>
@@ -4559,7 +4039,7 @@
               <a:buSzPts val="980"/>
               <a:buFont typeface="Noto Sans Symbols"/>
               <a:buChar char="◈"/>
-              <a:defRPr b="0" i="0" sz="1400" u="none" cap="none" strike="noStrike">
+              <a:defRPr sz="1400" b="0" i="0" u="none" strike="noStrike" cap="none">
                 <a:solidFill>
                   <a:schemeClr val="lt2"/>
                 </a:solidFill>
@@ -4570,15 +4050,19 @@
               </a:defRPr>
             </a:lvl9pPr>
           </a:lstStyle>
-          <a:p/>
+          <a:p>
+            <a:endParaRPr/>
+          </a:p>
         </p:txBody>
       </p:sp>
       <p:sp>
         <p:nvSpPr>
           <p:cNvPr id="12" name="Google Shape;12;p4"/>
-          <p:cNvSpPr txBox="1"/>
+          <p:cNvSpPr txBox="1">
+            <a:spLocks noGrp="1"/>
+          </p:cNvSpPr>
           <p:nvPr>
-            <p:ph idx="10" type="dt"/>
+            <p:ph type="dt" idx="10"/>
           </p:nvPr>
         </p:nvSpPr>
         <p:spPr>
@@ -4595,20 +4079,20 @@
           </a:ln>
         </p:spPr>
         <p:txBody>
-          <a:bodyPr anchorCtr="0" anchor="ctr" bIns="45700" lIns="91425" spcFirstLastPara="1" rIns="91425" wrap="square" tIns="45700">
+          <a:bodyPr spcFirstLastPara="1" wrap="square" lIns="91425" tIns="45700" rIns="91425" bIns="45700" anchor="ctr" anchorCtr="0">
             <a:noAutofit/>
           </a:bodyPr>
           <a:lstStyle>
-            <a:lvl1pPr lvl="0" marR="0" rtl="0" algn="r">
-              <a:spcBef>
-                <a:spcPts val="0"/>
-              </a:spcBef>
-              <a:spcAft>
-                <a:spcPts val="0"/>
-              </a:spcAft>
-              <a:buSzPts val="1400"/>
-              <a:buNone/>
-              <a:defRPr b="0" i="0" sz="1100" u="none" cap="none" strike="noStrike">
+            <a:lvl1pPr marR="0" lvl="0" algn="r" rtl="0">
+              <a:spcBef>
+                <a:spcPts val="0"/>
+              </a:spcBef>
+              <a:spcAft>
+                <a:spcPts val="0"/>
+              </a:spcAft>
+              <a:buSzPts val="1400"/>
+              <a:buNone/>
+              <a:defRPr sz="1100" b="0" i="0" u="none" strike="noStrike" cap="none">
                 <a:solidFill>
                   <a:srgbClr val="F2F2F2"/>
                 </a:solidFill>
@@ -4618,16 +4102,16 @@
                 <a:sym typeface="Sorts Mill Goudy"/>
               </a:defRPr>
             </a:lvl1pPr>
-            <a:lvl2pPr lvl="1" marR="0" rtl="0" algn="l">
-              <a:spcBef>
-                <a:spcPts val="0"/>
-              </a:spcBef>
-              <a:spcAft>
-                <a:spcPts val="0"/>
-              </a:spcAft>
-              <a:buSzPts val="1400"/>
-              <a:buNone/>
-              <a:defRPr b="0" i="0" sz="1800" u="none" cap="none" strike="noStrike">
+            <a:lvl2pPr marR="0" lvl="1" algn="l" rtl="0">
+              <a:spcBef>
+                <a:spcPts val="0"/>
+              </a:spcBef>
+              <a:spcAft>
+                <a:spcPts val="0"/>
+              </a:spcAft>
+              <a:buSzPts val="1400"/>
+              <a:buNone/>
+              <a:defRPr sz="1800" b="0" i="0" u="none" strike="noStrike" cap="none">
                 <a:solidFill>
                   <a:schemeClr val="lt1"/>
                 </a:solidFill>
@@ -4637,16 +4121,16 @@
                 <a:sym typeface="Sorts Mill Goudy"/>
               </a:defRPr>
             </a:lvl2pPr>
-            <a:lvl3pPr lvl="2" marR="0" rtl="0" algn="l">
-              <a:spcBef>
-                <a:spcPts val="0"/>
-              </a:spcBef>
-              <a:spcAft>
-                <a:spcPts val="0"/>
-              </a:spcAft>
-              <a:buSzPts val="1400"/>
-              <a:buNone/>
-              <a:defRPr b="0" i="0" sz="1800" u="none" cap="none" strike="noStrike">
+            <a:lvl3pPr marR="0" lvl="2" algn="l" rtl="0">
+              <a:spcBef>
+                <a:spcPts val="0"/>
+              </a:spcBef>
+              <a:spcAft>
+                <a:spcPts val="0"/>
+              </a:spcAft>
+              <a:buSzPts val="1400"/>
+              <a:buNone/>
+              <a:defRPr sz="1800" b="0" i="0" u="none" strike="noStrike" cap="none">
                 <a:solidFill>
                   <a:schemeClr val="lt1"/>
                 </a:solidFill>
@@ -4656,16 +4140,16 @@
                 <a:sym typeface="Sorts Mill Goudy"/>
               </a:defRPr>
             </a:lvl3pPr>
-            <a:lvl4pPr lvl="3" marR="0" rtl="0" algn="l">
-              <a:spcBef>
-                <a:spcPts val="0"/>
-              </a:spcBef>
-              <a:spcAft>
-                <a:spcPts val="0"/>
-              </a:spcAft>
-              <a:buSzPts val="1400"/>
-              <a:buNone/>
-              <a:defRPr b="0" i="0" sz="1800" u="none" cap="none" strike="noStrike">
+            <a:lvl4pPr marR="0" lvl="3" algn="l" rtl="0">
+              <a:spcBef>
+                <a:spcPts val="0"/>
+              </a:spcBef>
+              <a:spcAft>
+                <a:spcPts val="0"/>
+              </a:spcAft>
+              <a:buSzPts val="1400"/>
+              <a:buNone/>
+              <a:defRPr sz="1800" b="0" i="0" u="none" strike="noStrike" cap="none">
                 <a:solidFill>
                   <a:schemeClr val="lt1"/>
                 </a:solidFill>
@@ -4675,16 +4159,16 @@
                 <a:sym typeface="Sorts Mill Goudy"/>
               </a:defRPr>
             </a:lvl4pPr>
-            <a:lvl5pPr lvl="4" marR="0" rtl="0" algn="l">
-              <a:spcBef>
-                <a:spcPts val="0"/>
-              </a:spcBef>
-              <a:spcAft>
-                <a:spcPts val="0"/>
-              </a:spcAft>
-              <a:buSzPts val="1400"/>
-              <a:buNone/>
-              <a:defRPr b="0" i="0" sz="1800" u="none" cap="none" strike="noStrike">
+            <a:lvl5pPr marR="0" lvl="4" algn="l" rtl="0">
+              <a:spcBef>
+                <a:spcPts val="0"/>
+              </a:spcBef>
+              <a:spcAft>
+                <a:spcPts val="0"/>
+              </a:spcAft>
+              <a:buSzPts val="1400"/>
+              <a:buNone/>
+              <a:defRPr sz="1800" b="0" i="0" u="none" strike="noStrike" cap="none">
                 <a:solidFill>
                   <a:schemeClr val="lt1"/>
                 </a:solidFill>
@@ -4694,16 +4178,16 @@
                 <a:sym typeface="Sorts Mill Goudy"/>
               </a:defRPr>
             </a:lvl5pPr>
-            <a:lvl6pPr lvl="5" marR="0" rtl="0" algn="l">
-              <a:spcBef>
-                <a:spcPts val="0"/>
-              </a:spcBef>
-              <a:spcAft>
-                <a:spcPts val="0"/>
-              </a:spcAft>
-              <a:buSzPts val="1400"/>
-              <a:buNone/>
-              <a:defRPr b="0" i="0" sz="1800" u="none" cap="none" strike="noStrike">
+            <a:lvl6pPr marR="0" lvl="5" algn="l" rtl="0">
+              <a:spcBef>
+                <a:spcPts val="0"/>
+              </a:spcBef>
+              <a:spcAft>
+                <a:spcPts val="0"/>
+              </a:spcAft>
+              <a:buSzPts val="1400"/>
+              <a:buNone/>
+              <a:defRPr sz="1800" b="0" i="0" u="none" strike="noStrike" cap="none">
                 <a:solidFill>
                   <a:schemeClr val="lt1"/>
                 </a:solidFill>
@@ -4713,16 +4197,16 @@
                 <a:sym typeface="Sorts Mill Goudy"/>
               </a:defRPr>
             </a:lvl6pPr>
-            <a:lvl7pPr lvl="6" marR="0" rtl="0" algn="l">
-              <a:spcBef>
-                <a:spcPts val="0"/>
-              </a:spcBef>
-              <a:spcAft>
-                <a:spcPts val="0"/>
-              </a:spcAft>
-              <a:buSzPts val="1400"/>
-              <a:buNone/>
-              <a:defRPr b="0" i="0" sz="1800" u="none" cap="none" strike="noStrike">
+            <a:lvl7pPr marR="0" lvl="6" algn="l" rtl="0">
+              <a:spcBef>
+                <a:spcPts val="0"/>
+              </a:spcBef>
+              <a:spcAft>
+                <a:spcPts val="0"/>
+              </a:spcAft>
+              <a:buSzPts val="1400"/>
+              <a:buNone/>
+              <a:defRPr sz="1800" b="0" i="0" u="none" strike="noStrike" cap="none">
                 <a:solidFill>
                   <a:schemeClr val="lt1"/>
                 </a:solidFill>
@@ -4732,16 +4216,16 @@
                 <a:sym typeface="Sorts Mill Goudy"/>
               </a:defRPr>
             </a:lvl7pPr>
-            <a:lvl8pPr lvl="7" marR="0" rtl="0" algn="l">
-              <a:spcBef>
-                <a:spcPts val="0"/>
-              </a:spcBef>
-              <a:spcAft>
-                <a:spcPts val="0"/>
-              </a:spcAft>
-              <a:buSzPts val="1400"/>
-              <a:buNone/>
-              <a:defRPr b="0" i="0" sz="1800" u="none" cap="none" strike="noStrike">
+            <a:lvl8pPr marR="0" lvl="7" algn="l" rtl="0">
+              <a:spcBef>
+                <a:spcPts val="0"/>
+              </a:spcBef>
+              <a:spcAft>
+                <a:spcPts val="0"/>
+              </a:spcAft>
+              <a:buSzPts val="1400"/>
+              <a:buNone/>
+              <a:defRPr sz="1800" b="0" i="0" u="none" strike="noStrike" cap="none">
                 <a:solidFill>
                   <a:schemeClr val="lt1"/>
                 </a:solidFill>
@@ -4751,16 +4235,16 @@
                 <a:sym typeface="Sorts Mill Goudy"/>
               </a:defRPr>
             </a:lvl8pPr>
-            <a:lvl9pPr lvl="8" marR="0" rtl="0" algn="l">
-              <a:spcBef>
-                <a:spcPts val="0"/>
-              </a:spcBef>
-              <a:spcAft>
-                <a:spcPts val="0"/>
-              </a:spcAft>
-              <a:buSzPts val="1400"/>
-              <a:buNone/>
-              <a:defRPr b="0" i="0" sz="1800" u="none" cap="none" strike="noStrike">
+            <a:lvl9pPr marR="0" lvl="8" algn="l" rtl="0">
+              <a:spcBef>
+                <a:spcPts val="0"/>
+              </a:spcBef>
+              <a:spcAft>
+                <a:spcPts val="0"/>
+              </a:spcAft>
+              <a:buSzPts val="1400"/>
+              <a:buNone/>
+              <a:defRPr sz="1800" b="0" i="0" u="none" strike="noStrike" cap="none">
                 <a:solidFill>
                   <a:schemeClr val="lt1"/>
                 </a:solidFill>
@@ -4771,15 +4255,19 @@
               </a:defRPr>
             </a:lvl9pPr>
           </a:lstStyle>
-          <a:p/>
+          <a:p>
+            <a:endParaRPr/>
+          </a:p>
         </p:txBody>
       </p:sp>
       <p:sp>
         <p:nvSpPr>
           <p:cNvPr id="13" name="Google Shape;13;p4"/>
-          <p:cNvSpPr txBox="1"/>
+          <p:cNvSpPr txBox="1">
+            <a:spLocks noGrp="1"/>
+          </p:cNvSpPr>
           <p:nvPr>
-            <p:ph idx="11" type="ftr"/>
+            <p:ph type="ftr" idx="11"/>
           </p:nvPr>
         </p:nvSpPr>
         <p:spPr>
@@ -4796,20 +4284,20 @@
           </a:ln>
         </p:spPr>
         <p:txBody>
-          <a:bodyPr anchorCtr="0" anchor="ctr" bIns="45700" lIns="91425" spcFirstLastPara="1" rIns="91425" wrap="square" tIns="45700">
+          <a:bodyPr spcFirstLastPara="1" wrap="square" lIns="91425" tIns="45700" rIns="91425" bIns="45700" anchor="ctr" anchorCtr="0">
             <a:noAutofit/>
           </a:bodyPr>
           <a:lstStyle>
-            <a:lvl1pPr lvl="0" marR="0" rtl="0" algn="l">
-              <a:spcBef>
-                <a:spcPts val="0"/>
-              </a:spcBef>
-              <a:spcAft>
-                <a:spcPts val="0"/>
-              </a:spcAft>
-              <a:buSzPts val="1400"/>
-              <a:buNone/>
-              <a:defRPr b="0" i="0" sz="1100" u="none" cap="none" strike="noStrike">
+            <a:lvl1pPr marR="0" lvl="0" algn="l" rtl="0">
+              <a:spcBef>
+                <a:spcPts val="0"/>
+              </a:spcBef>
+              <a:spcAft>
+                <a:spcPts val="0"/>
+              </a:spcAft>
+              <a:buSzPts val="1400"/>
+              <a:buNone/>
+              <a:defRPr sz="1100" b="0" i="0" u="none" strike="noStrike" cap="none">
                 <a:solidFill>
                   <a:srgbClr val="F2F2F2"/>
                 </a:solidFill>
@@ -4819,16 +4307,16 @@
                 <a:sym typeface="Sorts Mill Goudy"/>
               </a:defRPr>
             </a:lvl1pPr>
-            <a:lvl2pPr lvl="1" marR="0" rtl="0" algn="l">
-              <a:spcBef>
-                <a:spcPts val="0"/>
-              </a:spcBef>
-              <a:spcAft>
-                <a:spcPts val="0"/>
-              </a:spcAft>
-              <a:buSzPts val="1400"/>
-              <a:buNone/>
-              <a:defRPr b="0" i="0" sz="1800" u="none" cap="none" strike="noStrike">
+            <a:lvl2pPr marR="0" lvl="1" algn="l" rtl="0">
+              <a:spcBef>
+                <a:spcPts val="0"/>
+              </a:spcBef>
+              <a:spcAft>
+                <a:spcPts val="0"/>
+              </a:spcAft>
+              <a:buSzPts val="1400"/>
+              <a:buNone/>
+              <a:defRPr sz="1800" b="0" i="0" u="none" strike="noStrike" cap="none">
                 <a:solidFill>
                   <a:schemeClr val="lt1"/>
                 </a:solidFill>
@@ -4838,16 +4326,16 @@
                 <a:sym typeface="Sorts Mill Goudy"/>
               </a:defRPr>
             </a:lvl2pPr>
-            <a:lvl3pPr lvl="2" marR="0" rtl="0" algn="l">
-              <a:spcBef>
-                <a:spcPts val="0"/>
-              </a:spcBef>
-              <a:spcAft>
-                <a:spcPts val="0"/>
-              </a:spcAft>
-              <a:buSzPts val="1400"/>
-              <a:buNone/>
-              <a:defRPr b="0" i="0" sz="1800" u="none" cap="none" strike="noStrike">
+            <a:lvl3pPr marR="0" lvl="2" algn="l" rtl="0">
+              <a:spcBef>
+                <a:spcPts val="0"/>
+              </a:spcBef>
+              <a:spcAft>
+                <a:spcPts val="0"/>
+              </a:spcAft>
+              <a:buSzPts val="1400"/>
+              <a:buNone/>
+              <a:defRPr sz="1800" b="0" i="0" u="none" strike="noStrike" cap="none">
                 <a:solidFill>
                   <a:schemeClr val="lt1"/>
                 </a:solidFill>
@@ -4857,16 +4345,16 @@
                 <a:sym typeface="Sorts Mill Goudy"/>
               </a:defRPr>
             </a:lvl3pPr>
-            <a:lvl4pPr lvl="3" marR="0" rtl="0" algn="l">
-              <a:spcBef>
-                <a:spcPts val="0"/>
-              </a:spcBef>
-              <a:spcAft>
-                <a:spcPts val="0"/>
-              </a:spcAft>
-              <a:buSzPts val="1400"/>
-              <a:buNone/>
-              <a:defRPr b="0" i="0" sz="1800" u="none" cap="none" strike="noStrike">
+            <a:lvl4pPr marR="0" lvl="3" algn="l" rtl="0">
+              <a:spcBef>
+                <a:spcPts val="0"/>
+              </a:spcBef>
+              <a:spcAft>
+                <a:spcPts val="0"/>
+              </a:spcAft>
+              <a:buSzPts val="1400"/>
+              <a:buNone/>
+              <a:defRPr sz="1800" b="0" i="0" u="none" strike="noStrike" cap="none">
                 <a:solidFill>
                   <a:schemeClr val="lt1"/>
                 </a:solidFill>
@@ -4876,16 +4364,16 @@
                 <a:sym typeface="Sorts Mill Goudy"/>
               </a:defRPr>
             </a:lvl4pPr>
-            <a:lvl5pPr lvl="4" marR="0" rtl="0" algn="l">
-              <a:spcBef>
-                <a:spcPts val="0"/>
-              </a:spcBef>
-              <a:spcAft>
-                <a:spcPts val="0"/>
-              </a:spcAft>
-              <a:buSzPts val="1400"/>
-              <a:buNone/>
-              <a:defRPr b="0" i="0" sz="1800" u="none" cap="none" strike="noStrike">
+            <a:lvl5pPr marR="0" lvl="4" algn="l" rtl="0">
+              <a:spcBef>
+                <a:spcPts val="0"/>
+              </a:spcBef>
+              <a:spcAft>
+                <a:spcPts val="0"/>
+              </a:spcAft>
+              <a:buSzPts val="1400"/>
+              <a:buNone/>
+              <a:defRPr sz="1800" b="0" i="0" u="none" strike="noStrike" cap="none">
                 <a:solidFill>
                   <a:schemeClr val="lt1"/>
                 </a:solidFill>
@@ -4895,16 +4383,16 @@
                 <a:sym typeface="Sorts Mill Goudy"/>
               </a:defRPr>
             </a:lvl5pPr>
-            <a:lvl6pPr lvl="5" marR="0" rtl="0" algn="l">
-              <a:spcBef>
-                <a:spcPts val="0"/>
-              </a:spcBef>
-              <a:spcAft>
-                <a:spcPts val="0"/>
-              </a:spcAft>
-              <a:buSzPts val="1400"/>
-              <a:buNone/>
-              <a:defRPr b="0" i="0" sz="1800" u="none" cap="none" strike="noStrike">
+            <a:lvl6pPr marR="0" lvl="5" algn="l" rtl="0">
+              <a:spcBef>
+                <a:spcPts val="0"/>
+              </a:spcBef>
+              <a:spcAft>
+                <a:spcPts val="0"/>
+              </a:spcAft>
+              <a:buSzPts val="1400"/>
+              <a:buNone/>
+              <a:defRPr sz="1800" b="0" i="0" u="none" strike="noStrike" cap="none">
                 <a:solidFill>
                   <a:schemeClr val="lt1"/>
                 </a:solidFill>
@@ -4914,16 +4402,16 @@
                 <a:sym typeface="Sorts Mill Goudy"/>
               </a:defRPr>
             </a:lvl6pPr>
-            <a:lvl7pPr lvl="6" marR="0" rtl="0" algn="l">
-              <a:spcBef>
-                <a:spcPts val="0"/>
-              </a:spcBef>
-              <a:spcAft>
-                <a:spcPts val="0"/>
-              </a:spcAft>
-              <a:buSzPts val="1400"/>
-              <a:buNone/>
-              <a:defRPr b="0" i="0" sz="1800" u="none" cap="none" strike="noStrike">
+            <a:lvl7pPr marR="0" lvl="6" algn="l" rtl="0">
+              <a:spcBef>
+                <a:spcPts val="0"/>
+              </a:spcBef>
+              <a:spcAft>
+                <a:spcPts val="0"/>
+              </a:spcAft>
+              <a:buSzPts val="1400"/>
+              <a:buNone/>
+              <a:defRPr sz="1800" b="0" i="0" u="none" strike="noStrike" cap="none">
                 <a:solidFill>
                   <a:schemeClr val="lt1"/>
                 </a:solidFill>
@@ -4933,16 +4421,16 @@
                 <a:sym typeface="Sorts Mill Goudy"/>
               </a:defRPr>
             </a:lvl7pPr>
-            <a:lvl8pPr lvl="7" marR="0" rtl="0" algn="l">
-              <a:spcBef>
-                <a:spcPts val="0"/>
-              </a:spcBef>
-              <a:spcAft>
-                <a:spcPts val="0"/>
-              </a:spcAft>
-              <a:buSzPts val="1400"/>
-              <a:buNone/>
-              <a:defRPr b="0" i="0" sz="1800" u="none" cap="none" strike="noStrike">
+            <a:lvl8pPr marR="0" lvl="7" algn="l" rtl="0">
+              <a:spcBef>
+                <a:spcPts val="0"/>
+              </a:spcBef>
+              <a:spcAft>
+                <a:spcPts val="0"/>
+              </a:spcAft>
+              <a:buSzPts val="1400"/>
+              <a:buNone/>
+              <a:defRPr sz="1800" b="0" i="0" u="none" strike="noStrike" cap="none">
                 <a:solidFill>
                   <a:schemeClr val="lt1"/>
                 </a:solidFill>
@@ -4952,16 +4440,16 @@
                 <a:sym typeface="Sorts Mill Goudy"/>
               </a:defRPr>
             </a:lvl8pPr>
-            <a:lvl9pPr lvl="8" marR="0" rtl="0" algn="l">
-              <a:spcBef>
-                <a:spcPts val="0"/>
-              </a:spcBef>
-              <a:spcAft>
-                <a:spcPts val="0"/>
-              </a:spcAft>
-              <a:buSzPts val="1400"/>
-              <a:buNone/>
-              <a:defRPr b="0" i="0" sz="1800" u="none" cap="none" strike="noStrike">
+            <a:lvl9pPr marR="0" lvl="8" algn="l" rtl="0">
+              <a:spcBef>
+                <a:spcPts val="0"/>
+              </a:spcBef>
+              <a:spcAft>
+                <a:spcPts val="0"/>
+              </a:spcAft>
+              <a:buSzPts val="1400"/>
+              <a:buNone/>
+              <a:defRPr sz="1800" b="0" i="0" u="none" strike="noStrike" cap="none">
                 <a:solidFill>
                   <a:schemeClr val="lt1"/>
                 </a:solidFill>
@@ -4972,15 +4460,19 @@
               </a:defRPr>
             </a:lvl9pPr>
           </a:lstStyle>
-          <a:p/>
+          <a:p>
+            <a:endParaRPr/>
+          </a:p>
         </p:txBody>
       </p:sp>
       <p:sp>
         <p:nvSpPr>
           <p:cNvPr id="14" name="Google Shape;14;p4"/>
-          <p:cNvSpPr txBox="1"/>
+          <p:cNvSpPr txBox="1">
+            <a:spLocks noGrp="1"/>
+          </p:cNvSpPr>
           <p:nvPr>
-            <p:ph idx="12" type="sldNum"/>
+            <p:ph type="sldNum" idx="12"/>
           </p:nvPr>
         </p:nvSpPr>
         <p:spPr>
@@ -4997,16 +4489,16 @@
           </a:ln>
         </p:spPr>
         <p:txBody>
-          <a:bodyPr anchorCtr="0" anchor="ctr" bIns="45700" lIns="91425" spcFirstLastPara="1" rIns="91425" wrap="square" tIns="45700">
+          <a:bodyPr spcFirstLastPara="1" wrap="square" lIns="91425" tIns="45700" rIns="91425" bIns="45700" anchor="ctr" anchorCtr="0">
             <a:noAutofit/>
           </a:bodyPr>
           <a:lstStyle>
-            <a:lvl1pPr indent="0" lvl="0" marL="0" marR="0" rtl="0" algn="r">
-              <a:spcBef>
-                <a:spcPts val="0"/>
-              </a:spcBef>
-              <a:buNone/>
-              <a:defRPr b="0" i="0" sz="1100" u="none" cap="none" strike="noStrike">
+            <a:lvl1pPr marL="0" marR="0" lvl="0" indent="0" algn="r" rtl="0">
+              <a:spcBef>
+                <a:spcPts val="0"/>
+              </a:spcBef>
+              <a:buNone/>
+              <a:defRPr sz="1100" b="0" i="0" u="none" strike="noStrike" cap="none">
                 <a:solidFill>
                   <a:srgbClr val="F2F2F2"/>
                 </a:solidFill>
@@ -5016,12 +4508,12 @@
                 <a:sym typeface="Sorts Mill Goudy"/>
               </a:defRPr>
             </a:lvl1pPr>
-            <a:lvl2pPr indent="0" lvl="1" marL="0" marR="0" rtl="0" algn="r">
-              <a:spcBef>
-                <a:spcPts val="0"/>
-              </a:spcBef>
-              <a:buNone/>
-              <a:defRPr b="0" i="0" sz="1100" u="none" cap="none" strike="noStrike">
+            <a:lvl2pPr marL="0" marR="0" lvl="1" indent="0" algn="r" rtl="0">
+              <a:spcBef>
+                <a:spcPts val="0"/>
+              </a:spcBef>
+              <a:buNone/>
+              <a:defRPr sz="1100" b="0" i="0" u="none" strike="noStrike" cap="none">
                 <a:solidFill>
                   <a:srgbClr val="F2F2F2"/>
                 </a:solidFill>
@@ -5031,12 +4523,12 @@
                 <a:sym typeface="Sorts Mill Goudy"/>
               </a:defRPr>
             </a:lvl2pPr>
-            <a:lvl3pPr indent="0" lvl="2" marL="0" marR="0" rtl="0" algn="r">
-              <a:spcBef>
-                <a:spcPts val="0"/>
-              </a:spcBef>
-              <a:buNone/>
-              <a:defRPr b="0" i="0" sz="1100" u="none" cap="none" strike="noStrike">
+            <a:lvl3pPr marL="0" marR="0" lvl="2" indent="0" algn="r" rtl="0">
+              <a:spcBef>
+                <a:spcPts val="0"/>
+              </a:spcBef>
+              <a:buNone/>
+              <a:defRPr sz="1100" b="0" i="0" u="none" strike="noStrike" cap="none">
                 <a:solidFill>
                   <a:srgbClr val="F2F2F2"/>
                 </a:solidFill>
@@ -5046,12 +4538,12 @@
                 <a:sym typeface="Sorts Mill Goudy"/>
               </a:defRPr>
             </a:lvl3pPr>
-            <a:lvl4pPr indent="0" lvl="3" marL="0" marR="0" rtl="0" algn="r">
-              <a:spcBef>
-                <a:spcPts val="0"/>
-              </a:spcBef>
-              <a:buNone/>
-              <a:defRPr b="0" i="0" sz="1100" u="none" cap="none" strike="noStrike">
+            <a:lvl4pPr marL="0" marR="0" lvl="3" indent="0" algn="r" rtl="0">
+              <a:spcBef>
+                <a:spcPts val="0"/>
+              </a:spcBef>
+              <a:buNone/>
+              <a:defRPr sz="1100" b="0" i="0" u="none" strike="noStrike" cap="none">
                 <a:solidFill>
                   <a:srgbClr val="F2F2F2"/>
                 </a:solidFill>
@@ -5061,12 +4553,12 @@
                 <a:sym typeface="Sorts Mill Goudy"/>
               </a:defRPr>
             </a:lvl4pPr>
-            <a:lvl5pPr indent="0" lvl="4" marL="0" marR="0" rtl="0" algn="r">
-              <a:spcBef>
-                <a:spcPts val="0"/>
-              </a:spcBef>
-              <a:buNone/>
-              <a:defRPr b="0" i="0" sz="1100" u="none" cap="none" strike="noStrike">
+            <a:lvl5pPr marL="0" marR="0" lvl="4" indent="0" algn="r" rtl="0">
+              <a:spcBef>
+                <a:spcPts val="0"/>
+              </a:spcBef>
+              <a:buNone/>
+              <a:defRPr sz="1100" b="0" i="0" u="none" strike="noStrike" cap="none">
                 <a:solidFill>
                   <a:srgbClr val="F2F2F2"/>
                 </a:solidFill>
@@ -5076,12 +4568,12 @@
                 <a:sym typeface="Sorts Mill Goudy"/>
               </a:defRPr>
             </a:lvl5pPr>
-            <a:lvl6pPr indent="0" lvl="5" marL="0" marR="0" rtl="0" algn="r">
-              <a:spcBef>
-                <a:spcPts val="0"/>
-              </a:spcBef>
-              <a:buNone/>
-              <a:defRPr b="0" i="0" sz="1100" u="none" cap="none" strike="noStrike">
+            <a:lvl6pPr marL="0" marR="0" lvl="5" indent="0" algn="r" rtl="0">
+              <a:spcBef>
+                <a:spcPts val="0"/>
+              </a:spcBef>
+              <a:buNone/>
+              <a:defRPr sz="1100" b="0" i="0" u="none" strike="noStrike" cap="none">
                 <a:solidFill>
                   <a:srgbClr val="F2F2F2"/>
                 </a:solidFill>
@@ -5091,12 +4583,12 @@
                 <a:sym typeface="Sorts Mill Goudy"/>
               </a:defRPr>
             </a:lvl6pPr>
-            <a:lvl7pPr indent="0" lvl="6" marL="0" marR="0" rtl="0" algn="r">
-              <a:spcBef>
-                <a:spcPts val="0"/>
-              </a:spcBef>
-              <a:buNone/>
-              <a:defRPr b="0" i="0" sz="1100" u="none" cap="none" strike="noStrike">
+            <a:lvl7pPr marL="0" marR="0" lvl="6" indent="0" algn="r" rtl="0">
+              <a:spcBef>
+                <a:spcPts val="0"/>
+              </a:spcBef>
+              <a:buNone/>
+              <a:defRPr sz="1100" b="0" i="0" u="none" strike="noStrike" cap="none">
                 <a:solidFill>
                   <a:srgbClr val="F2F2F2"/>
                 </a:solidFill>
@@ -5106,12 +4598,12 @@
                 <a:sym typeface="Sorts Mill Goudy"/>
               </a:defRPr>
             </a:lvl7pPr>
-            <a:lvl8pPr indent="0" lvl="7" marL="0" marR="0" rtl="0" algn="r">
-              <a:spcBef>
-                <a:spcPts val="0"/>
-              </a:spcBef>
-              <a:buNone/>
-              <a:defRPr b="0" i="0" sz="1100" u="none" cap="none" strike="noStrike">
+            <a:lvl8pPr marL="0" marR="0" lvl="7" indent="0" algn="r" rtl="0">
+              <a:spcBef>
+                <a:spcPts val="0"/>
+              </a:spcBef>
+              <a:buNone/>
+              <a:defRPr sz="1100" b="0" i="0" u="none" strike="noStrike" cap="none">
                 <a:solidFill>
                   <a:srgbClr val="F2F2F2"/>
                 </a:solidFill>
@@ -5121,12 +4613,12 @@
                 <a:sym typeface="Sorts Mill Goudy"/>
               </a:defRPr>
             </a:lvl8pPr>
-            <a:lvl9pPr indent="0" lvl="8" marL="0" marR="0" rtl="0" algn="r">
-              <a:spcBef>
-                <a:spcPts val="0"/>
-              </a:spcBef>
-              <a:buNone/>
-              <a:defRPr b="0" i="0" sz="1100" u="none" cap="none" strike="noStrike">
+            <a:lvl9pPr marL="0" marR="0" lvl="8" indent="0" algn="r" rtl="0">
+              <a:spcBef>
+                <a:spcPts val="0"/>
+              </a:spcBef>
+              <a:buNone/>
+              <a:defRPr sz="1100" b="0" i="0" u="none" strike="noStrike" cap="none">
                 <a:solidFill>
                   <a:srgbClr val="F2F2F2"/>
                 </a:solidFill>
@@ -5138,7 +4630,7 @@
             </a:lvl9pPr>
           </a:lstStyle>
           <a:p>
-            <a:pPr indent="0" lvl="0" marL="0" rtl="0" algn="r">
+            <a:pPr marL="0" lvl="0" indent="0" algn="r" rtl="0">
               <a:spcBef>
                 <a:spcPts val="0"/>
               </a:spcBef>
@@ -5149,7 +4641,7 @@
             </a:pPr>
             <a:fld id="{00000000-1234-1234-1234-123412341234}" type="slidenum">
               <a:rPr lang="nl-NL"/>
-              <a:t>‹#›</a:t>
+              <a:t>‹nr.›</a:t>
             </a:fld>
             <a:endParaRPr/>
           </a:p>
@@ -5157,15 +4649,15 @@
       </p:sp>
     </p:spTree>
   </p:cSld>
-  <p:clrMap accent1="accent1" accent2="accent2" accent3="accent3" accent4="accent4" accent5="accent5" accent6="accent6" bg1="lt1" bg2="dk2" tx1="dk1" tx2="lt2" folHlink="folHlink" hlink="hlink"/>
+  <p:clrMap bg1="lt1" tx1="dk1" bg2="dk2" tx2="lt2" accent1="accent1" accent2="accent2" accent3="accent3" accent4="accent4" accent5="accent5" accent6="accent6" hlink="hlink" folHlink="folHlink"/>
   <p:sldLayoutIdLst>
-    <p:sldLayoutId id="2147483649" r:id="rId2"/>
-    <p:sldLayoutId id="2147483650" r:id="rId3"/>
+    <p:sldLayoutId id="2147483649" r:id="rId1"/>
+    <p:sldLayoutId id="2147483650" r:id="rId2"/>
   </p:sldLayoutIdLst>
-  <p:hf dt="0" ftr="0" hdr="0" sldNum="0"/>
+  <p:hf sldNum="0" hdr="0" ftr="0" dt="0"/>
   <p:txStyles>
     <p:titleStyle>
-      <a:defPPr lvl="0" marR="0" rtl="0" algn="l">
+      <a:defPPr marR="0" lvl="0" algn="l" rtl="0">
         <a:lnSpc>
           <a:spcPct val="100000"/>
         </a:lnSpc>
@@ -5176,7 +4668,7 @@
           <a:spcPts val="0"/>
         </a:spcAft>
       </a:defPPr>
-      <a:lvl1pPr lvl="0" marR="0" rtl="0" algn="l">
+      <a:lvl1pPr marR="0" lvl="0" algn="l" rtl="0">
         <a:lnSpc>
           <a:spcPct val="100000"/>
         </a:lnSpc>
@@ -5190,7 +4682,7 @@
           <a:srgbClr val="000000"/>
         </a:buClr>
         <a:buFont typeface="Arial"/>
-        <a:defRPr b="0" i="0" sz="1400" u="none" cap="none" strike="noStrike">
+        <a:defRPr sz="1400" b="0" i="0" u="none" strike="noStrike" cap="none">
           <a:solidFill>
             <a:srgbClr val="000000"/>
           </a:solidFill>
@@ -5200,7 +4692,7 @@
           <a:sym typeface="Arial"/>
         </a:defRPr>
       </a:lvl1pPr>
-      <a:lvl2pPr lvl="1" marR="0" rtl="0" algn="l">
+      <a:lvl2pPr marR="0" lvl="1" algn="l" rtl="0">
         <a:lnSpc>
           <a:spcPct val="100000"/>
         </a:lnSpc>
@@ -5214,7 +4706,7 @@
           <a:srgbClr val="000000"/>
         </a:buClr>
         <a:buFont typeface="Arial"/>
-        <a:defRPr b="0" i="0" sz="1400" u="none" cap="none" strike="noStrike">
+        <a:defRPr sz="1400" b="0" i="0" u="none" strike="noStrike" cap="none">
           <a:solidFill>
             <a:srgbClr val="000000"/>
           </a:solidFill>
@@ -5224,7 +4716,7 @@
           <a:sym typeface="Arial"/>
         </a:defRPr>
       </a:lvl2pPr>
-      <a:lvl3pPr lvl="2" marR="0" rtl="0" algn="l">
+      <a:lvl3pPr marR="0" lvl="2" algn="l" rtl="0">
         <a:lnSpc>
           <a:spcPct val="100000"/>
         </a:lnSpc>
@@ -5238,7 +4730,7 @@
           <a:srgbClr val="000000"/>
         </a:buClr>
         <a:buFont typeface="Arial"/>
-        <a:defRPr b="0" i="0" sz="1400" u="none" cap="none" strike="noStrike">
+        <a:defRPr sz="1400" b="0" i="0" u="none" strike="noStrike" cap="none">
           <a:solidFill>
             <a:srgbClr val="000000"/>
           </a:solidFill>
@@ -5248,7 +4740,7 @@
           <a:sym typeface="Arial"/>
         </a:defRPr>
       </a:lvl3pPr>
-      <a:lvl4pPr lvl="3" marR="0" rtl="0" algn="l">
+      <a:lvl4pPr marR="0" lvl="3" algn="l" rtl="0">
         <a:lnSpc>
           <a:spcPct val="100000"/>
         </a:lnSpc>
@@ -5262,7 +4754,7 @@
           <a:srgbClr val="000000"/>
         </a:buClr>
         <a:buFont typeface="Arial"/>
-        <a:defRPr b="0" i="0" sz="1400" u="none" cap="none" strike="noStrike">
+        <a:defRPr sz="1400" b="0" i="0" u="none" strike="noStrike" cap="none">
           <a:solidFill>
             <a:srgbClr val="000000"/>
           </a:solidFill>
@@ -5272,7 +4764,7 @@
           <a:sym typeface="Arial"/>
         </a:defRPr>
       </a:lvl4pPr>
-      <a:lvl5pPr lvl="4" marR="0" rtl="0" algn="l">
+      <a:lvl5pPr marR="0" lvl="4" algn="l" rtl="0">
         <a:lnSpc>
           <a:spcPct val="100000"/>
         </a:lnSpc>
@@ -5286,7 +4778,7 @@
           <a:srgbClr val="000000"/>
         </a:buClr>
         <a:buFont typeface="Arial"/>
-        <a:defRPr b="0" i="0" sz="1400" u="none" cap="none" strike="noStrike">
+        <a:defRPr sz="1400" b="0" i="0" u="none" strike="noStrike" cap="none">
           <a:solidFill>
             <a:srgbClr val="000000"/>
           </a:solidFill>
@@ -5296,7 +4788,7 @@
           <a:sym typeface="Arial"/>
         </a:defRPr>
       </a:lvl5pPr>
-      <a:lvl6pPr lvl="5" marR="0" rtl="0" algn="l">
+      <a:lvl6pPr marR="0" lvl="5" algn="l" rtl="0">
         <a:lnSpc>
           <a:spcPct val="100000"/>
         </a:lnSpc>
@@ -5310,7 +4802,7 @@
           <a:srgbClr val="000000"/>
         </a:buClr>
         <a:buFont typeface="Arial"/>
-        <a:defRPr b="0" i="0" sz="1400" u="none" cap="none" strike="noStrike">
+        <a:defRPr sz="1400" b="0" i="0" u="none" strike="noStrike" cap="none">
           <a:solidFill>
             <a:srgbClr val="000000"/>
           </a:solidFill>
@@ -5320,7 +4812,7 @@
           <a:sym typeface="Arial"/>
         </a:defRPr>
       </a:lvl6pPr>
-      <a:lvl7pPr lvl="6" marR="0" rtl="0" algn="l">
+      <a:lvl7pPr marR="0" lvl="6" algn="l" rtl="0">
         <a:lnSpc>
           <a:spcPct val="100000"/>
         </a:lnSpc>
@@ -5334,7 +4826,7 @@
           <a:srgbClr val="000000"/>
         </a:buClr>
         <a:buFont typeface="Arial"/>
-        <a:defRPr b="0" i="0" sz="1400" u="none" cap="none" strike="noStrike">
+        <a:defRPr sz="1400" b="0" i="0" u="none" strike="noStrike" cap="none">
           <a:solidFill>
             <a:srgbClr val="000000"/>
           </a:solidFill>
@@ -5344,7 +4836,7 @@
           <a:sym typeface="Arial"/>
         </a:defRPr>
       </a:lvl7pPr>
-      <a:lvl8pPr lvl="7" marR="0" rtl="0" algn="l">
+      <a:lvl8pPr marR="0" lvl="7" algn="l" rtl="0">
         <a:lnSpc>
           <a:spcPct val="100000"/>
         </a:lnSpc>
@@ -5358,7 +4850,7 @@
           <a:srgbClr val="000000"/>
         </a:buClr>
         <a:buFont typeface="Arial"/>
-        <a:defRPr b="0" i="0" sz="1400" u="none" cap="none" strike="noStrike">
+        <a:defRPr sz="1400" b="0" i="0" u="none" strike="noStrike" cap="none">
           <a:solidFill>
             <a:srgbClr val="000000"/>
           </a:solidFill>
@@ -5368,7 +4860,7 @@
           <a:sym typeface="Arial"/>
         </a:defRPr>
       </a:lvl8pPr>
-      <a:lvl9pPr lvl="8" marR="0" rtl="0" algn="l">
+      <a:lvl9pPr marR="0" lvl="8" algn="l" rtl="0">
         <a:lnSpc>
           <a:spcPct val="100000"/>
         </a:lnSpc>
@@ -5382,7 +4874,7 @@
           <a:srgbClr val="000000"/>
         </a:buClr>
         <a:buFont typeface="Arial"/>
-        <a:defRPr b="0" i="0" sz="1400" u="none" cap="none" strike="noStrike">
+        <a:defRPr sz="1400" b="0" i="0" u="none" strike="noStrike" cap="none">
           <a:solidFill>
             <a:srgbClr val="000000"/>
           </a:solidFill>
@@ -5394,7 +4886,7 @@
       </a:lvl9pPr>
     </p:titleStyle>
     <p:bodyStyle>
-      <a:defPPr lvl="0" marR="0" rtl="0" algn="l">
+      <a:defPPr marR="0" lvl="0" algn="l" rtl="0">
         <a:lnSpc>
           <a:spcPct val="100000"/>
         </a:lnSpc>
@@ -5405,7 +4897,7 @@
           <a:spcPts val="0"/>
         </a:spcAft>
       </a:defPPr>
-      <a:lvl1pPr lvl="0" marR="0" rtl="0" algn="l">
+      <a:lvl1pPr marR="0" lvl="0" algn="l" rtl="0">
         <a:lnSpc>
           <a:spcPct val="100000"/>
         </a:lnSpc>
@@ -5419,7 +4911,7 @@
           <a:srgbClr val="000000"/>
         </a:buClr>
         <a:buFont typeface="Arial"/>
-        <a:defRPr b="0" i="0" sz="1400" u="none" cap="none" strike="noStrike">
+        <a:defRPr sz="1400" b="0" i="0" u="none" strike="noStrike" cap="none">
           <a:solidFill>
             <a:srgbClr val="000000"/>
           </a:solidFill>
@@ -5429,7 +4921,7 @@
           <a:sym typeface="Arial"/>
         </a:defRPr>
       </a:lvl1pPr>
-      <a:lvl2pPr lvl="1" marR="0" rtl="0" algn="l">
+      <a:lvl2pPr marR="0" lvl="1" algn="l" rtl="0">
         <a:lnSpc>
           <a:spcPct val="100000"/>
         </a:lnSpc>
@@ -5443,7 +4935,7 @@
           <a:srgbClr val="000000"/>
         </a:buClr>
         <a:buFont typeface="Arial"/>
-        <a:defRPr b="0" i="0" sz="1400" u="none" cap="none" strike="noStrike">
+        <a:defRPr sz="1400" b="0" i="0" u="none" strike="noStrike" cap="none">
           <a:solidFill>
             <a:srgbClr val="000000"/>
           </a:solidFill>
@@ -5453,7 +4945,7 @@
           <a:sym typeface="Arial"/>
         </a:defRPr>
       </a:lvl2pPr>
-      <a:lvl3pPr lvl="2" marR="0" rtl="0" algn="l">
+      <a:lvl3pPr marR="0" lvl="2" algn="l" rtl="0">
         <a:lnSpc>
           <a:spcPct val="100000"/>
         </a:lnSpc>
@@ -5467,7 +4959,7 @@
           <a:srgbClr val="000000"/>
         </a:buClr>
         <a:buFont typeface="Arial"/>
-        <a:defRPr b="0" i="0" sz="1400" u="none" cap="none" strike="noStrike">
+        <a:defRPr sz="1400" b="0" i="0" u="none" strike="noStrike" cap="none">
           <a:solidFill>
             <a:srgbClr val="000000"/>
           </a:solidFill>
@@ -5477,7 +4969,7 @@
           <a:sym typeface="Arial"/>
         </a:defRPr>
       </a:lvl3pPr>
-      <a:lvl4pPr lvl="3" marR="0" rtl="0" algn="l">
+      <a:lvl4pPr marR="0" lvl="3" algn="l" rtl="0">
         <a:lnSpc>
           <a:spcPct val="100000"/>
         </a:lnSpc>
@@ -5491,7 +4983,7 @@
           <a:srgbClr val="000000"/>
         </a:buClr>
         <a:buFont typeface="Arial"/>
-        <a:defRPr b="0" i="0" sz="1400" u="none" cap="none" strike="noStrike">
+        <a:defRPr sz="1400" b="0" i="0" u="none" strike="noStrike" cap="none">
           <a:solidFill>
             <a:srgbClr val="000000"/>
           </a:solidFill>
@@ -5501,7 +4993,7 @@
           <a:sym typeface="Arial"/>
         </a:defRPr>
       </a:lvl4pPr>
-      <a:lvl5pPr lvl="4" marR="0" rtl="0" algn="l">
+      <a:lvl5pPr marR="0" lvl="4" algn="l" rtl="0">
         <a:lnSpc>
           <a:spcPct val="100000"/>
         </a:lnSpc>
@@ -5515,7 +5007,7 @@
           <a:srgbClr val="000000"/>
         </a:buClr>
         <a:buFont typeface="Arial"/>
-        <a:defRPr b="0" i="0" sz="1400" u="none" cap="none" strike="noStrike">
+        <a:defRPr sz="1400" b="0" i="0" u="none" strike="noStrike" cap="none">
           <a:solidFill>
             <a:srgbClr val="000000"/>
           </a:solidFill>
@@ -5525,7 +5017,7 @@
           <a:sym typeface="Arial"/>
         </a:defRPr>
       </a:lvl5pPr>
-      <a:lvl6pPr lvl="5" marR="0" rtl="0" algn="l">
+      <a:lvl6pPr marR="0" lvl="5" algn="l" rtl="0">
         <a:lnSpc>
           <a:spcPct val="100000"/>
         </a:lnSpc>
@@ -5539,7 +5031,7 @@
           <a:srgbClr val="000000"/>
         </a:buClr>
         <a:buFont typeface="Arial"/>
-        <a:defRPr b="0" i="0" sz="1400" u="none" cap="none" strike="noStrike">
+        <a:defRPr sz="1400" b="0" i="0" u="none" strike="noStrike" cap="none">
           <a:solidFill>
             <a:srgbClr val="000000"/>
           </a:solidFill>
@@ -5549,7 +5041,7 @@
           <a:sym typeface="Arial"/>
         </a:defRPr>
       </a:lvl6pPr>
-      <a:lvl7pPr lvl="6" marR="0" rtl="0" algn="l">
+      <a:lvl7pPr marR="0" lvl="6" algn="l" rtl="0">
         <a:lnSpc>
           <a:spcPct val="100000"/>
         </a:lnSpc>
@@ -5563,7 +5055,7 @@
           <a:srgbClr val="000000"/>
         </a:buClr>
         <a:buFont typeface="Arial"/>
-        <a:defRPr b="0" i="0" sz="1400" u="none" cap="none" strike="noStrike">
+        <a:defRPr sz="1400" b="0" i="0" u="none" strike="noStrike" cap="none">
           <a:solidFill>
             <a:srgbClr val="000000"/>
           </a:solidFill>
@@ -5573,7 +5065,7 @@
           <a:sym typeface="Arial"/>
         </a:defRPr>
       </a:lvl7pPr>
-      <a:lvl8pPr lvl="7" marR="0" rtl="0" algn="l">
+      <a:lvl8pPr marR="0" lvl="7" algn="l" rtl="0">
         <a:lnSpc>
           <a:spcPct val="100000"/>
         </a:lnSpc>
@@ -5587,7 +5079,7 @@
           <a:srgbClr val="000000"/>
         </a:buClr>
         <a:buFont typeface="Arial"/>
-        <a:defRPr b="0" i="0" sz="1400" u="none" cap="none" strike="noStrike">
+        <a:defRPr sz="1400" b="0" i="0" u="none" strike="noStrike" cap="none">
           <a:solidFill>
             <a:srgbClr val="000000"/>
           </a:solidFill>
@@ -5597,7 +5089,7 @@
           <a:sym typeface="Arial"/>
         </a:defRPr>
       </a:lvl8pPr>
-      <a:lvl9pPr lvl="8" marR="0" rtl="0" algn="l">
+      <a:lvl9pPr marR="0" lvl="8" algn="l" rtl="0">
         <a:lnSpc>
           <a:spcPct val="100000"/>
         </a:lnSpc>
@@ -5611,7 +5103,7 @@
           <a:srgbClr val="000000"/>
         </a:buClr>
         <a:buFont typeface="Arial"/>
-        <a:defRPr b="0" i="0" sz="1400" u="none" cap="none" strike="noStrike">
+        <a:defRPr sz="1400" b="0" i="0" u="none" strike="noStrike" cap="none">
           <a:solidFill>
             <a:srgbClr val="000000"/>
           </a:solidFill>
@@ -5623,7 +5115,7 @@
       </a:lvl9pPr>
     </p:bodyStyle>
     <p:otherStyle>
-      <a:defPPr lvl="0" marR="0" rtl="0" algn="l">
+      <a:defPPr marR="0" lvl="0" algn="l" rtl="0">
         <a:lnSpc>
           <a:spcPct val="100000"/>
         </a:lnSpc>
@@ -5634,7 +5126,7 @@
           <a:spcPts val="0"/>
         </a:spcAft>
       </a:defPPr>
-      <a:lvl1pPr lvl="0" marR="0" rtl="0" algn="l">
+      <a:lvl1pPr marR="0" lvl="0" algn="l" rtl="0">
         <a:lnSpc>
           <a:spcPct val="100000"/>
         </a:lnSpc>
@@ -5648,7 +5140,7 @@
           <a:srgbClr val="000000"/>
         </a:buClr>
         <a:buFont typeface="Arial"/>
-        <a:defRPr b="0" i="0" sz="1400" u="none" cap="none" strike="noStrike">
+        <a:defRPr sz="1400" b="0" i="0" u="none" strike="noStrike" cap="none">
           <a:solidFill>
             <a:srgbClr val="000000"/>
           </a:solidFill>
@@ -5658,7 +5150,7 @@
           <a:sym typeface="Arial"/>
         </a:defRPr>
       </a:lvl1pPr>
-      <a:lvl2pPr lvl="1" marR="0" rtl="0" algn="l">
+      <a:lvl2pPr marR="0" lvl="1" algn="l" rtl="0">
         <a:lnSpc>
           <a:spcPct val="100000"/>
         </a:lnSpc>
@@ -5672,7 +5164,7 @@
           <a:srgbClr val="000000"/>
         </a:buClr>
         <a:buFont typeface="Arial"/>
-        <a:defRPr b="0" i="0" sz="1400" u="none" cap="none" strike="noStrike">
+        <a:defRPr sz="1400" b="0" i="0" u="none" strike="noStrike" cap="none">
           <a:solidFill>
             <a:srgbClr val="000000"/>
           </a:solidFill>
@@ -5682,7 +5174,7 @@
           <a:sym typeface="Arial"/>
         </a:defRPr>
       </a:lvl2pPr>
-      <a:lvl3pPr lvl="2" marR="0" rtl="0" algn="l">
+      <a:lvl3pPr marR="0" lvl="2" algn="l" rtl="0">
         <a:lnSpc>
           <a:spcPct val="100000"/>
         </a:lnSpc>
@@ -5696,7 +5188,7 @@
           <a:srgbClr val="000000"/>
         </a:buClr>
         <a:buFont typeface="Arial"/>
-        <a:defRPr b="0" i="0" sz="1400" u="none" cap="none" strike="noStrike">
+        <a:defRPr sz="1400" b="0" i="0" u="none" strike="noStrike" cap="none">
           <a:solidFill>
             <a:srgbClr val="000000"/>
           </a:solidFill>
@@ -5706,7 +5198,7 @@
           <a:sym typeface="Arial"/>
         </a:defRPr>
       </a:lvl3pPr>
-      <a:lvl4pPr lvl="3" marR="0" rtl="0" algn="l">
+      <a:lvl4pPr marR="0" lvl="3" algn="l" rtl="0">
         <a:lnSpc>
           <a:spcPct val="100000"/>
         </a:lnSpc>
@@ -5720,7 +5212,7 @@
           <a:srgbClr val="000000"/>
         </a:buClr>
         <a:buFont typeface="Arial"/>
-        <a:defRPr b="0" i="0" sz="1400" u="none" cap="none" strike="noStrike">
+        <a:defRPr sz="1400" b="0" i="0" u="none" strike="noStrike" cap="none">
           <a:solidFill>
             <a:srgbClr val="000000"/>
           </a:solidFill>
@@ -5730,7 +5222,7 @@
           <a:sym typeface="Arial"/>
         </a:defRPr>
       </a:lvl4pPr>
-      <a:lvl5pPr lvl="4" marR="0" rtl="0" algn="l">
+      <a:lvl5pPr marR="0" lvl="4" algn="l" rtl="0">
         <a:lnSpc>
           <a:spcPct val="100000"/>
         </a:lnSpc>
@@ -5744,7 +5236,7 @@
           <a:srgbClr val="000000"/>
         </a:buClr>
         <a:buFont typeface="Arial"/>
-        <a:defRPr b="0" i="0" sz="1400" u="none" cap="none" strike="noStrike">
+        <a:defRPr sz="1400" b="0" i="0" u="none" strike="noStrike" cap="none">
           <a:solidFill>
             <a:srgbClr val="000000"/>
           </a:solidFill>
@@ -5754,7 +5246,7 @@
           <a:sym typeface="Arial"/>
         </a:defRPr>
       </a:lvl5pPr>
-      <a:lvl6pPr lvl="5" marR="0" rtl="0" algn="l">
+      <a:lvl6pPr marR="0" lvl="5" algn="l" rtl="0">
         <a:lnSpc>
           <a:spcPct val="100000"/>
         </a:lnSpc>
@@ -5768,7 +5260,7 @@
           <a:srgbClr val="000000"/>
         </a:buClr>
         <a:buFont typeface="Arial"/>
-        <a:defRPr b="0" i="0" sz="1400" u="none" cap="none" strike="noStrike">
+        <a:defRPr sz="1400" b="0" i="0" u="none" strike="noStrike" cap="none">
           <a:solidFill>
             <a:srgbClr val="000000"/>
           </a:solidFill>
@@ -5778,7 +5270,7 @@
           <a:sym typeface="Arial"/>
         </a:defRPr>
       </a:lvl6pPr>
-      <a:lvl7pPr lvl="6" marR="0" rtl="0" algn="l">
+      <a:lvl7pPr marR="0" lvl="6" algn="l" rtl="0">
         <a:lnSpc>
           <a:spcPct val="100000"/>
         </a:lnSpc>
@@ -5792,7 +5284,7 @@
           <a:srgbClr val="000000"/>
         </a:buClr>
         <a:buFont typeface="Arial"/>
-        <a:defRPr b="0" i="0" sz="1400" u="none" cap="none" strike="noStrike">
+        <a:defRPr sz="1400" b="0" i="0" u="none" strike="noStrike" cap="none">
           <a:solidFill>
             <a:srgbClr val="000000"/>
           </a:solidFill>
@@ -5802,7 +5294,7 @@
           <a:sym typeface="Arial"/>
         </a:defRPr>
       </a:lvl7pPr>
-      <a:lvl8pPr lvl="7" marR="0" rtl="0" algn="l">
+      <a:lvl8pPr marR="0" lvl="7" algn="l" rtl="0">
         <a:lnSpc>
           <a:spcPct val="100000"/>
         </a:lnSpc>
@@ -5816,7 +5308,7 @@
           <a:srgbClr val="000000"/>
         </a:buClr>
         <a:buFont typeface="Arial"/>
-        <a:defRPr b="0" i="0" sz="1400" u="none" cap="none" strike="noStrike">
+        <a:defRPr sz="1400" b="0" i="0" u="none" strike="noStrike" cap="none">
           <a:solidFill>
             <a:srgbClr val="000000"/>
           </a:solidFill>
@@ -5826,7 +5318,7 @@
           <a:sym typeface="Arial"/>
         </a:defRPr>
       </a:lvl8pPr>
-      <a:lvl9pPr lvl="8" marR="0" rtl="0" algn="l">
+      <a:lvl9pPr marR="0" lvl="8" algn="l" rtl="0">
         <a:lnSpc>
           <a:spcPct val="100000"/>
         </a:lnSpc>
@@ -5840,7 +5332,7 @@
           <a:srgbClr val="000000"/>
         </a:buClr>
         <a:buFont typeface="Arial"/>
-        <a:defRPr b="0" i="0" sz="1400" u="none" cap="none" strike="noStrike">
+        <a:defRPr sz="1400" b="0" i="0" u="none" strike="noStrike" cap="none">
           <a:solidFill>
             <a:srgbClr val="000000"/>
           </a:solidFill>
@@ -5856,7 +5348,7 @@
 </file>
 
 <file path=ppt/slides/slide1.xml><?xml version="1.0" encoding="utf-8"?>
-<p:sld xmlns:a="http://schemas.openxmlformats.org/drawingml/2006/main" xmlns:r="http://schemas.openxmlformats.org/officeDocument/2006/relationships" xmlns:mc="http://schemas.openxmlformats.org/markup-compatibility/2006" xmlns:mv="urn:schemas-microsoft-com:mac:vml" xmlns:p="http://schemas.openxmlformats.org/presentationml/2006/main" xmlns:c="http://schemas.openxmlformats.org/drawingml/2006/chart" xmlns:dgm="http://schemas.openxmlformats.org/drawingml/2006/diagram" xmlns:o="urn:schemas-microsoft-com:office:office" xmlns:v="urn:schemas-microsoft-com:vml" xmlns:pvml="urn:schemas-microsoft-com:office:powerpoint" xmlns:com="http://schemas.openxmlformats.org/drawingml/2006/compatibility" xmlns:p14="http://schemas.microsoft.com/office/powerpoint/2010/main" xmlns:p15="http://schemas.microsoft.com/office/powerpoint/2012/main" xmlns:ahyp="http://schemas.microsoft.com/office/drawing/2018/hyperlinkcolor">
+<p:sld xmlns:a="http://schemas.openxmlformats.org/drawingml/2006/main" xmlns:r="http://schemas.openxmlformats.org/officeDocument/2006/relationships" xmlns:p="http://schemas.openxmlformats.org/presentationml/2006/main">
   <p:cSld>
     <p:bg>
       <p:bgPr>
@@ -5868,11 +5360,12 @@
             <a:fillRect/>
           </a:stretch>
         </a:blipFill>
+        <a:effectLst/>
       </p:bgPr>
     </p:bg>
     <p:spTree>
       <p:nvGrpSpPr>
-        <p:cNvPr id="31" name="Shape 31"/>
+        <p:cNvPr id="1" name="Shape 31"/>
         <p:cNvGrpSpPr/>
         <p:nvPr/>
       </p:nvGrpSpPr>
@@ -5894,7 +5387,7 @@
           <a:blip r:embed="rId4">
             <a:alphaModFix/>
           </a:blip>
-          <a:srcRect b="0" l="0" r="0" t="0"/>
+          <a:srcRect/>
           <a:stretch/>
         </p:blipFill>
         <p:spPr>
@@ -5923,9 +5416,13 @@
             <a:ext cx="4031414" cy="4100418"/>
           </a:xfrm>
           <a:custGeom>
-            <a:rect b="b" l="l" r="r" t="t"/>
+            <a:avLst/>
+            <a:gdLst/>
+            <a:ahLst/>
+            <a:cxnLst/>
+            <a:rect l="l" t="t" r="r" b="b"/>
             <a:pathLst>
-              <a:path extrusionOk="0" h="696" w="1601">
+              <a:path w="1601" h="696" extrusionOk="0">
                 <a:moveTo>
                   <a:pt x="1577" y="0"/>
                 </a:moveTo>
@@ -5998,14 +5495,14 @@
               <a:alphaModFix/>
             </a:blip>
             <a:stretch>
-              <a:fillRect b="0" l="0" r="0" t="0"/>
+              <a:fillRect/>
             </a:stretch>
           </a:blipFill>
           <a:ln>
             <a:noFill/>
           </a:ln>
           <a:effectLst>
-            <a:outerShdw blurRad="50800" rotWithShape="0" algn="tl" dir="5400000" dist="38100">
+            <a:outerShdw blurRad="50800" dist="38100" dir="5400000" algn="tl" rotWithShape="0">
               <a:srgbClr val="000000">
                 <a:alpha val="42745"/>
               </a:srgbClr>
@@ -6013,12 +5510,12 @@
           </a:effectLst>
         </p:spPr>
         <p:txBody>
-          <a:bodyPr anchorCtr="0" anchor="t" bIns="45700" lIns="91425" spcFirstLastPara="1" rIns="91425" wrap="square" tIns="45700">
+          <a:bodyPr spcFirstLastPara="1" wrap="square" lIns="91425" tIns="45700" rIns="91425" bIns="45700" anchor="t" anchorCtr="0">
             <a:noAutofit/>
           </a:bodyPr>
           <a:lstStyle/>
           <a:p>
-            <a:pPr indent="0" lvl="0" marL="0" marR="0" rtl="0" algn="l">
+            <a:pPr marL="0" marR="0" lvl="0" indent="0" algn="l" rtl="0">
               <a:lnSpc>
                 <a:spcPct val="100000"/>
               </a:lnSpc>
@@ -6035,10 +5532,7 @@
               <a:buFont typeface="Sorts Mill Goudy"/>
               <a:buNone/>
             </a:pPr>
-            <a:r>
-              <a:t/>
-            </a:r>
-            <a:endParaRPr b="0" i="0" sz="1800" u="none" cap="none" strike="noStrike">
+            <a:endParaRPr sz="1800" b="0" i="0" u="none" strike="noStrike" cap="none">
               <a:solidFill>
                 <a:srgbClr val="FFFFFF"/>
               </a:solidFill>
@@ -6053,7 +5547,9 @@
       <p:sp>
         <p:nvSpPr>
           <p:cNvPr id="34" name="Google Shape;34;p1"/>
-          <p:cNvSpPr txBox="1"/>
+          <p:cNvSpPr txBox="1">
+            <a:spLocks noGrp="1"/>
+          </p:cNvSpPr>
           <p:nvPr>
             <p:ph type="ctrTitle"/>
           </p:nvPr>
@@ -6079,12 +5575,12 @@
           </a:effectLst>
         </p:spPr>
         <p:txBody>
-          <a:bodyPr anchorCtr="0" anchor="b" bIns="45700" lIns="91425" spcFirstLastPara="1" rIns="91425" wrap="square" tIns="45700">
+          <a:bodyPr spcFirstLastPara="1" wrap="square" lIns="91425" tIns="45700" rIns="91425" bIns="45700" anchor="b" anchorCtr="0">
             <a:normAutofit/>
           </a:bodyPr>
           <a:lstStyle/>
           <a:p>
-            <a:pPr indent="0" lvl="0" marL="0" rtl="0" algn="l">
+            <a:pPr marL="0" lvl="0" indent="0" algn="l" rtl="0">
               <a:lnSpc>
                 <a:spcPct val="90000"/>
               </a:lnSpc>
@@ -6102,19 +5598,25 @@
               <a:buNone/>
             </a:pPr>
             <a:r>
-              <a:rPr lang="nl-NL" sz="4000"/>
+              <a:rPr lang="nl-NL" sz="4000" dirty="0" err="1">
+                <a:latin typeface="Oxygen" panose="02000503000000000000" pitchFamily="2" charset="0"/>
+              </a:rPr>
               <a:t>Kyoku</a:t>
             </a:r>
-            <a:endParaRPr sz="4000"/>
+            <a:endParaRPr sz="4000" dirty="0">
+              <a:latin typeface="Oxygen" panose="02000503000000000000" pitchFamily="2" charset="0"/>
+            </a:endParaRPr>
           </a:p>
         </p:txBody>
       </p:sp>
       <p:sp>
         <p:nvSpPr>
           <p:cNvPr id="35" name="Google Shape;35;p1"/>
-          <p:cNvSpPr txBox="1"/>
+          <p:cNvSpPr txBox="1">
+            <a:spLocks noGrp="1"/>
+          </p:cNvSpPr>
           <p:nvPr>
-            <p:ph idx="1" type="subTitle"/>
+            <p:ph type="subTitle" idx="1"/>
           </p:nvPr>
         </p:nvSpPr>
         <p:spPr>
@@ -6138,12 +5640,12 @@
           </a:effectLst>
         </p:spPr>
         <p:txBody>
-          <a:bodyPr anchorCtr="0" anchor="t" bIns="45700" lIns="91425" spcFirstLastPara="1" rIns="91425" wrap="square" tIns="45700">
+          <a:bodyPr spcFirstLastPara="1" wrap="square" lIns="91425" tIns="45700" rIns="91425" bIns="45700" anchor="t" anchorCtr="0">
             <a:normAutofit/>
           </a:bodyPr>
           <a:lstStyle/>
           <a:p>
-            <a:pPr indent="0" lvl="0" marL="0" rtl="0" algn="l">
+            <a:pPr marL="0" lvl="0" indent="0" algn="l" rtl="0">
               <a:lnSpc>
                 <a:spcPct val="110000"/>
               </a:lnSpc>
@@ -6157,10 +5659,14 @@
               <a:buNone/>
             </a:pPr>
             <a:r>
-              <a:rPr lang="nl-NL" sz="2300"/>
+              <a:rPr lang="nl-NL" sz="2300" dirty="0">
+                <a:latin typeface="Oxygen" panose="02000503000000000000" pitchFamily="2" charset="0"/>
+              </a:rPr>
               <a:t>Interactieve palen 4</a:t>
             </a:r>
-            <a:endParaRPr/>
+            <a:endParaRPr dirty="0">
+              <a:latin typeface="Oxygen" panose="02000503000000000000" pitchFamily="2" charset="0"/>
+            </a:endParaRPr>
           </a:p>
         </p:txBody>
       </p:sp>
@@ -6173,11 +5679,11 @@
 </file>
 
 <file path=ppt/slides/slide2.xml><?xml version="1.0" encoding="utf-8"?>
-<p:sld xmlns:a="http://schemas.openxmlformats.org/drawingml/2006/main" xmlns:r="http://schemas.openxmlformats.org/officeDocument/2006/relationships" xmlns:mc="http://schemas.openxmlformats.org/markup-compatibility/2006" xmlns:mv="urn:schemas-microsoft-com:mac:vml" xmlns:p="http://schemas.openxmlformats.org/presentationml/2006/main" xmlns:c="http://schemas.openxmlformats.org/drawingml/2006/chart" xmlns:dgm="http://schemas.openxmlformats.org/drawingml/2006/diagram" xmlns:o="urn:schemas-microsoft-com:office:office" xmlns:v="urn:schemas-microsoft-com:vml" xmlns:pvml="urn:schemas-microsoft-com:office:powerpoint" xmlns:com="http://schemas.openxmlformats.org/drawingml/2006/compatibility" xmlns:p14="http://schemas.microsoft.com/office/powerpoint/2010/main" xmlns:p15="http://schemas.microsoft.com/office/powerpoint/2012/main" xmlns:ahyp="http://schemas.microsoft.com/office/drawing/2018/hyperlinkcolor">
+<p:sld xmlns:a="http://schemas.openxmlformats.org/drawingml/2006/main" xmlns:r="http://schemas.openxmlformats.org/officeDocument/2006/relationships" xmlns:p="http://schemas.openxmlformats.org/presentationml/2006/main">
   <p:cSld>
     <p:spTree>
       <p:nvGrpSpPr>
-        <p:cNvPr id="40" name="Shape 40"/>
+        <p:cNvPr id="1" name="Shape 40"/>
         <p:cNvGrpSpPr/>
         <p:nvPr/>
       </p:nvGrpSpPr>
@@ -6192,27 +5698,29 @@
       <p:sp>
         <p:nvSpPr>
           <p:cNvPr id="41" name="Google Shape;41;g1e04fecdc38_0_45"/>
-          <p:cNvSpPr txBox="1"/>
+          <p:cNvSpPr txBox="1">
+            <a:spLocks noGrp="1"/>
+          </p:cNvSpPr>
           <p:nvPr>
             <p:ph type="title"/>
           </p:nvPr>
         </p:nvSpPr>
         <p:spPr>
           <a:xfrm>
-            <a:off x="913795" y="609600"/>
-            <a:ext cx="10353900" cy="1257300"/>
+            <a:off x="923955" y="609600"/>
+            <a:ext cx="10353762" cy="1257300"/>
           </a:xfrm>
           <a:prstGeom prst="rect">
             <a:avLst/>
           </a:prstGeom>
         </p:spPr>
         <p:txBody>
-          <a:bodyPr anchorCtr="0" anchor="ctr" bIns="45700" lIns="91425" spcFirstLastPara="1" rIns="91425" wrap="square" tIns="45700">
+          <a:bodyPr spcFirstLastPara="1" wrap="square" lIns="91425" tIns="45700" rIns="91425" bIns="45700" anchor="ctr" anchorCtr="0">
             <a:normAutofit/>
           </a:bodyPr>
           <a:lstStyle/>
           <a:p>
-            <a:pPr indent="0" lvl="0" marL="0" rtl="0" algn="ctr">
+            <a:pPr marL="0" lvl="0" indent="0" algn="ctr" rtl="0">
               <a:spcBef>
                 <a:spcPts val="0"/>
               </a:spcBef>
@@ -6222,178 +5730,381 @@
               <a:buNone/>
             </a:pPr>
             <a:r>
-              <a:rPr lang="nl-NL"/>
+              <a:rPr lang="nl-NL" dirty="0">
+                <a:latin typeface="Oxygen" panose="02000503000000000000" pitchFamily="2" charset="0"/>
+              </a:rPr>
               <a:t>Project</a:t>
             </a:r>
-            <a:endParaRPr/>
+            <a:endParaRPr dirty="0">
+              <a:latin typeface="Oxygen" panose="02000503000000000000" pitchFamily="2" charset="0"/>
+            </a:endParaRPr>
           </a:p>
         </p:txBody>
       </p:sp>
       <p:sp>
         <p:nvSpPr>
           <p:cNvPr id="42" name="Google Shape;42;g1e04fecdc38_0_45"/>
-          <p:cNvSpPr txBox="1"/>
+          <p:cNvSpPr txBox="1">
+            <a:spLocks noGrp="1"/>
+          </p:cNvSpPr>
           <p:nvPr>
-            <p:ph idx="1" type="body"/>
+            <p:ph type="body" idx="1"/>
           </p:nvPr>
         </p:nvSpPr>
         <p:spPr>
-          <a:xfrm>
-            <a:off x="913795" y="2076450"/>
-            <a:ext cx="10353900" cy="3714600"/>
+          <a:prstGeom prst="rect">
+            <a:avLst/>
+          </a:prstGeom>
+        </p:spPr>
+        <p:txBody>
+          <a:bodyPr spcFirstLastPara="1" wrap="square" lIns="91425" tIns="45700" rIns="91425" bIns="45700" anchor="t" anchorCtr="0">
+            <a:normAutofit/>
+          </a:bodyPr>
+          <a:lstStyle/>
+          <a:p>
+            <a:pPr marL="0" lvl="0" indent="0" algn="l" rtl="0">
+              <a:spcBef>
+                <a:spcPts val="360"/>
+              </a:spcBef>
+              <a:spcAft>
+                <a:spcPts val="0"/>
+              </a:spcAft>
+              <a:buClr>
+                <a:schemeClr val="dk1"/>
+              </a:buClr>
+              <a:buSzPts val="1100"/>
+              <a:buFont typeface="Arial"/>
+              <a:buNone/>
+            </a:pPr>
+            <a:r>
+              <a:rPr lang="nl-NL" dirty="0" err="1">
+                <a:latin typeface="Oxygen" panose="02000503000000000000" pitchFamily="2" charset="0"/>
+              </a:rPr>
+              <a:t>Kyoku</a:t>
+            </a:r>
+            <a:endParaRPr dirty="0">
+              <a:latin typeface="Oxygen" panose="02000503000000000000" pitchFamily="2" charset="0"/>
+            </a:endParaRPr>
+          </a:p>
+          <a:p>
+            <a:pPr marL="0" lvl="0" indent="0" algn="l" rtl="0">
+              <a:spcBef>
+                <a:spcPts val="600"/>
+              </a:spcBef>
+              <a:spcAft>
+                <a:spcPts val="0"/>
+              </a:spcAft>
+              <a:buClr>
+                <a:schemeClr val="dk1"/>
+              </a:buClr>
+              <a:buSzPts val="1100"/>
+              <a:buFont typeface="Arial"/>
+              <a:buNone/>
+            </a:pPr>
+            <a:r>
+              <a:rPr lang="nl-NL" dirty="0">
+                <a:latin typeface="Oxygen" panose="02000503000000000000" pitchFamily="2" charset="0"/>
+              </a:rPr>
+              <a:t>6 Interactieve palen</a:t>
+            </a:r>
+            <a:endParaRPr dirty="0">
+              <a:latin typeface="Oxygen" panose="02000503000000000000" pitchFamily="2" charset="0"/>
+            </a:endParaRPr>
+          </a:p>
+          <a:p>
+            <a:pPr marL="0" lvl="0" indent="0" algn="l" rtl="0">
+              <a:spcBef>
+                <a:spcPts val="600"/>
+              </a:spcBef>
+              <a:spcAft>
+                <a:spcPts val="0"/>
+              </a:spcAft>
+              <a:buClr>
+                <a:schemeClr val="dk1"/>
+              </a:buClr>
+              <a:buSzPts val="1100"/>
+              <a:buFont typeface="Arial"/>
+              <a:buNone/>
+            </a:pPr>
+            <a:r>
+              <a:rPr lang="nl-NL" dirty="0">
+                <a:latin typeface="Oxygen" panose="02000503000000000000" pitchFamily="2" charset="0"/>
+              </a:rPr>
+              <a:t>Aanzetten tot bewegen</a:t>
+            </a:r>
+            <a:endParaRPr dirty="0">
+              <a:latin typeface="Oxygen" panose="02000503000000000000" pitchFamily="2" charset="0"/>
+            </a:endParaRPr>
+          </a:p>
+          <a:p>
+            <a:pPr marL="0" lvl="0" indent="0" algn="l" rtl="0">
+              <a:spcBef>
+                <a:spcPts val="600"/>
+              </a:spcBef>
+              <a:spcAft>
+                <a:spcPts val="0"/>
+              </a:spcAft>
+              <a:buClr>
+                <a:schemeClr val="dk1"/>
+              </a:buClr>
+              <a:buSzPts val="1100"/>
+              <a:buFont typeface="Arial"/>
+              <a:buNone/>
+            </a:pPr>
+            <a:r>
+              <a:rPr lang="nl-NL" dirty="0">
+                <a:latin typeface="Oxygen" panose="02000503000000000000" pitchFamily="2" charset="0"/>
+              </a:rPr>
+              <a:t>Sporten leuk maken</a:t>
+            </a:r>
+            <a:endParaRPr dirty="0">
+              <a:latin typeface="Oxygen" panose="02000503000000000000" pitchFamily="2" charset="0"/>
+            </a:endParaRPr>
+          </a:p>
+          <a:p>
+            <a:pPr marL="0" lvl="0" indent="0" algn="l" rtl="0">
+              <a:spcBef>
+                <a:spcPts val="600"/>
+              </a:spcBef>
+              <a:spcAft>
+                <a:spcPts val="0"/>
+              </a:spcAft>
+              <a:buClr>
+                <a:schemeClr val="dk1"/>
+              </a:buClr>
+              <a:buSzPts val="1100"/>
+              <a:buFont typeface="Arial"/>
+              <a:buNone/>
+            </a:pPr>
+            <a:r>
+              <a:rPr lang="nl-NL" dirty="0">
+                <a:latin typeface="Oxygen" panose="02000503000000000000" pitchFamily="2" charset="0"/>
+              </a:rPr>
+              <a:t>Verschillende spelletjes</a:t>
+            </a:r>
+            <a:endParaRPr dirty="0">
+              <a:latin typeface="Oxygen" panose="02000503000000000000" pitchFamily="2" charset="0"/>
+            </a:endParaRPr>
+          </a:p>
+          <a:p>
+            <a:pPr marL="0" lvl="0" indent="0" algn="l" rtl="0">
+              <a:spcBef>
+                <a:spcPts val="600"/>
+              </a:spcBef>
+              <a:spcAft>
+                <a:spcPts val="0"/>
+              </a:spcAft>
+              <a:buClr>
+                <a:schemeClr val="dk1"/>
+              </a:buClr>
+              <a:buSzPts val="1100"/>
+              <a:buFont typeface="Arial"/>
+              <a:buNone/>
+            </a:pPr>
+            <a:r>
+              <a:rPr lang="nl-NL" dirty="0">
+                <a:latin typeface="Oxygen" panose="02000503000000000000" pitchFamily="2" charset="0"/>
+              </a:rPr>
+              <a:t>Aantrekken kinderen/jongeren</a:t>
+            </a:r>
+            <a:endParaRPr dirty="0">
+              <a:latin typeface="Oxygen" panose="02000503000000000000" pitchFamily="2" charset="0"/>
+            </a:endParaRPr>
+          </a:p>
+          <a:p>
+            <a:pPr marL="0" lvl="0" indent="0" algn="l" rtl="0">
+              <a:spcBef>
+                <a:spcPts val="600"/>
+              </a:spcBef>
+              <a:spcAft>
+                <a:spcPts val="600"/>
+              </a:spcAft>
+              <a:buNone/>
+            </a:pPr>
+            <a:endParaRPr dirty="0"/>
+          </a:p>
+        </p:txBody>
+      </p:sp>
+      <p:pic>
+        <p:nvPicPr>
+          <p:cNvPr id="2" name="Graphic 1">
+            <a:extLst>
+              <a:ext uri="{FF2B5EF4-FFF2-40B4-BE49-F238E27FC236}">
+                <a16:creationId xmlns:a16="http://schemas.microsoft.com/office/drawing/2014/main" id="{773150C9-E04D-AF06-BCDC-ACF594AC478E}"/>
+              </a:ext>
+            </a:extLst>
+          </p:cNvPr>
+          <p:cNvPicPr>
+            <a:picLocks noChangeAspect="1"/>
+          </p:cNvPicPr>
+          <p:nvPr/>
+        </p:nvPicPr>
+        <p:blipFill>
+          <a:blip r:embed="rId3">
+            <a:extLst>
+              <a:ext uri="{96DAC541-7B7A-43D3-8B79-37D633B846F1}">
+                <asvg:svgBlip xmlns:asvg="http://schemas.microsoft.com/office/drawing/2016/SVG/main" r:embed="rId4"/>
+              </a:ext>
+            </a:extLst>
+          </a:blip>
+          <a:stretch>
+            <a:fillRect/>
+          </a:stretch>
+        </p:blipFill>
+        <p:spPr>
+          <a:xfrm rot="14686073">
+            <a:off x="8541025" y="3574486"/>
+            <a:ext cx="3409950" cy="2695575"/>
           </a:xfrm>
           <a:prstGeom prst="rect">
             <a:avLst/>
           </a:prstGeom>
         </p:spPr>
-        <p:txBody>
-          <a:bodyPr anchorCtr="0" anchor="t" bIns="45700" lIns="91425" spcFirstLastPara="1" rIns="91425" wrap="square" tIns="45700">
-            <a:normAutofit/>
-          </a:bodyPr>
-          <a:lstStyle/>
-          <a:p>
-            <a:pPr indent="0" lvl="0" marL="0" rtl="0" algn="l">
-              <a:spcBef>
-                <a:spcPts val="360"/>
-              </a:spcBef>
-              <a:spcAft>
-                <a:spcPts val="0"/>
-              </a:spcAft>
-              <a:buClr>
-                <a:schemeClr val="dk1"/>
-              </a:buClr>
-              <a:buSzPts val="1100"/>
-              <a:buFont typeface="Arial"/>
-              <a:buNone/>
-            </a:pPr>
-            <a:r>
-              <a:rPr lang="nl-NL"/>
-              <a:t>Kyoku</a:t>
-            </a:r>
-            <a:endParaRPr/>
-          </a:p>
-          <a:p>
-            <a:pPr indent="0" lvl="0" marL="0" rtl="0" algn="l">
-              <a:spcBef>
-                <a:spcPts val="600"/>
-              </a:spcBef>
-              <a:spcAft>
-                <a:spcPts val="0"/>
-              </a:spcAft>
-              <a:buClr>
-                <a:schemeClr val="dk1"/>
-              </a:buClr>
-              <a:buSzPts val="1100"/>
-              <a:buFont typeface="Arial"/>
-              <a:buNone/>
-            </a:pPr>
-            <a:r>
-              <a:rPr lang="nl-NL"/>
-              <a:t>6 Interactieve palen</a:t>
-            </a:r>
-            <a:endParaRPr/>
-          </a:p>
-          <a:p>
-            <a:pPr indent="0" lvl="0" marL="0" rtl="0" algn="l">
-              <a:spcBef>
-                <a:spcPts val="600"/>
-              </a:spcBef>
-              <a:spcAft>
-                <a:spcPts val="0"/>
-              </a:spcAft>
-              <a:buClr>
-                <a:schemeClr val="dk1"/>
-              </a:buClr>
-              <a:buSzPts val="1100"/>
-              <a:buFont typeface="Arial"/>
-              <a:buNone/>
-            </a:pPr>
-            <a:r>
-              <a:rPr lang="nl-NL"/>
-              <a:t>Aanzetten tot bewegen</a:t>
-            </a:r>
-            <a:endParaRPr/>
-          </a:p>
-          <a:p>
-            <a:pPr indent="0" lvl="0" marL="0" rtl="0" algn="l">
-              <a:spcBef>
-                <a:spcPts val="600"/>
-              </a:spcBef>
-              <a:spcAft>
-                <a:spcPts val="0"/>
-              </a:spcAft>
-              <a:buClr>
-                <a:schemeClr val="dk1"/>
-              </a:buClr>
-              <a:buSzPts val="1100"/>
-              <a:buFont typeface="Arial"/>
-              <a:buNone/>
-            </a:pPr>
-            <a:r>
-              <a:rPr lang="nl-NL"/>
-              <a:t>Sporten tof maken</a:t>
-            </a:r>
-            <a:endParaRPr/>
-          </a:p>
-          <a:p>
-            <a:pPr indent="0" lvl="0" marL="0" rtl="0" algn="l">
-              <a:spcBef>
-                <a:spcPts val="600"/>
-              </a:spcBef>
-              <a:spcAft>
-                <a:spcPts val="0"/>
-              </a:spcAft>
-              <a:buClr>
-                <a:schemeClr val="dk1"/>
-              </a:buClr>
-              <a:buSzPts val="1100"/>
-              <a:buFont typeface="Arial"/>
-              <a:buNone/>
-            </a:pPr>
-            <a:r>
-              <a:rPr lang="nl-NL"/>
-              <a:t>Verschillende spelletjes</a:t>
-            </a:r>
-            <a:endParaRPr/>
-          </a:p>
-          <a:p>
-            <a:pPr indent="0" lvl="0" marL="0" rtl="0" algn="l">
-              <a:spcBef>
-                <a:spcPts val="600"/>
-              </a:spcBef>
-              <a:spcAft>
-                <a:spcPts val="0"/>
-              </a:spcAft>
-              <a:buClr>
-                <a:schemeClr val="dk1"/>
-              </a:buClr>
-              <a:buSzPts val="1100"/>
-              <a:buFont typeface="Arial"/>
-              <a:buNone/>
-            </a:pPr>
-            <a:r>
-              <a:rPr lang="nl-NL"/>
-              <a:t>Aantrekken kinderen/jongeren</a:t>
-            </a:r>
-            <a:endParaRPr/>
-          </a:p>
-          <a:p>
-            <a:pPr indent="0" lvl="0" marL="0" rtl="0" algn="l">
-              <a:spcBef>
-                <a:spcPts val="600"/>
-              </a:spcBef>
-              <a:spcAft>
-                <a:spcPts val="600"/>
-              </a:spcAft>
-              <a:buNone/>
-            </a:pPr>
-            <a:r>
-              <a:t/>
-            </a:r>
-            <a:endParaRPr/>
-          </a:p>
-        </p:txBody>
-      </p:sp>
+      </p:pic>
+      <p:pic>
+        <p:nvPicPr>
+          <p:cNvPr id="3" name="Graphic 2">
+            <a:extLst>
+              <a:ext uri="{FF2B5EF4-FFF2-40B4-BE49-F238E27FC236}">
+                <a16:creationId xmlns:a16="http://schemas.microsoft.com/office/drawing/2014/main" id="{8DEF8F24-81AE-C420-B74D-15357B7C9123}"/>
+              </a:ext>
+            </a:extLst>
+          </p:cNvPr>
+          <p:cNvPicPr>
+            <a:picLocks noChangeAspect="1"/>
+          </p:cNvPicPr>
+          <p:nvPr/>
+        </p:nvPicPr>
+        <p:blipFill>
+          <a:blip r:embed="rId5">
+            <a:extLst>
+              <a:ext uri="{96DAC541-7B7A-43D3-8B79-37D633B846F1}">
+                <asvg:svgBlip xmlns:asvg="http://schemas.microsoft.com/office/drawing/2016/SVG/main" r:embed="rId6"/>
+              </a:ext>
+            </a:extLst>
+          </a:blip>
+          <a:stretch>
+            <a:fillRect/>
+          </a:stretch>
+        </p:blipFill>
+        <p:spPr>
+          <a:xfrm rot="20782093">
+            <a:off x="7703540" y="1719578"/>
+            <a:ext cx="2838450" cy="2171700"/>
+          </a:xfrm>
+          <a:prstGeom prst="rect">
+            <a:avLst/>
+          </a:prstGeom>
+        </p:spPr>
+      </p:pic>
+      <p:pic>
+        <p:nvPicPr>
+          <p:cNvPr id="4" name="Graphic 3">
+            <a:extLst>
+              <a:ext uri="{FF2B5EF4-FFF2-40B4-BE49-F238E27FC236}">
+                <a16:creationId xmlns:a16="http://schemas.microsoft.com/office/drawing/2014/main" id="{96C1A9A1-A949-5653-6896-DC7A277E3E5F}"/>
+              </a:ext>
+            </a:extLst>
+          </p:cNvPr>
+          <p:cNvPicPr>
+            <a:picLocks noChangeAspect="1"/>
+          </p:cNvPicPr>
+          <p:nvPr/>
+        </p:nvPicPr>
+        <p:blipFill>
+          <a:blip r:embed="rId5">
+            <a:extLst>
+              <a:ext uri="{96DAC541-7B7A-43D3-8B79-37D633B846F1}">
+                <asvg:svgBlip xmlns:asvg="http://schemas.microsoft.com/office/drawing/2016/SVG/main" r:embed="rId6"/>
+              </a:ext>
+            </a:extLst>
+          </a:blip>
+          <a:stretch>
+            <a:fillRect/>
+          </a:stretch>
+        </p:blipFill>
+        <p:spPr>
+          <a:xfrm rot="8994302">
+            <a:off x="-505430" y="4575849"/>
+            <a:ext cx="2838450" cy="2171700"/>
+          </a:xfrm>
+          <a:prstGeom prst="rect">
+            <a:avLst/>
+          </a:prstGeom>
+        </p:spPr>
+      </p:pic>
+      <p:pic>
+        <p:nvPicPr>
+          <p:cNvPr id="6" name="Graphic 5">
+            <a:extLst>
+              <a:ext uri="{FF2B5EF4-FFF2-40B4-BE49-F238E27FC236}">
+                <a16:creationId xmlns:a16="http://schemas.microsoft.com/office/drawing/2014/main" id="{8F5ABB7A-29C5-7BD6-CB9D-3FE9B2595FD8}"/>
+              </a:ext>
+            </a:extLst>
+          </p:cNvPr>
+          <p:cNvPicPr>
+            <a:picLocks noChangeAspect="1"/>
+          </p:cNvPicPr>
+          <p:nvPr/>
+        </p:nvPicPr>
+        <p:blipFill>
+          <a:blip r:embed="rId7">
+            <a:extLst>
+              <a:ext uri="{96DAC541-7B7A-43D3-8B79-37D633B846F1}">
+                <asvg:svgBlip xmlns:asvg="http://schemas.microsoft.com/office/drawing/2016/SVG/main" r:embed="rId8"/>
+              </a:ext>
+            </a:extLst>
+          </a:blip>
+          <a:stretch>
+            <a:fillRect/>
+          </a:stretch>
+        </p:blipFill>
+        <p:spPr>
+          <a:xfrm rot="5858043">
+            <a:off x="807936" y="-347663"/>
+            <a:ext cx="1628775" cy="1495425"/>
+          </a:xfrm>
+          <a:prstGeom prst="rect">
+            <a:avLst/>
+          </a:prstGeom>
+        </p:spPr>
+      </p:pic>
+      <p:pic>
+        <p:nvPicPr>
+          <p:cNvPr id="7" name="Graphic 6">
+            <a:extLst>
+              <a:ext uri="{FF2B5EF4-FFF2-40B4-BE49-F238E27FC236}">
+                <a16:creationId xmlns:a16="http://schemas.microsoft.com/office/drawing/2014/main" id="{EED1F250-5642-7583-E586-4304EFE9617A}"/>
+              </a:ext>
+            </a:extLst>
+          </p:cNvPr>
+          <p:cNvPicPr>
+            <a:picLocks noChangeAspect="1"/>
+          </p:cNvPicPr>
+          <p:nvPr/>
+        </p:nvPicPr>
+        <p:blipFill>
+          <a:blip r:embed="rId7">
+            <a:extLst>
+              <a:ext uri="{96DAC541-7B7A-43D3-8B79-37D633B846F1}">
+                <asvg:svgBlip xmlns:asvg="http://schemas.microsoft.com/office/drawing/2016/SVG/main" r:embed="rId8"/>
+              </a:ext>
+            </a:extLst>
+          </a:blip>
+          <a:stretch>
+            <a:fillRect/>
+          </a:stretch>
+        </p:blipFill>
+        <p:spPr>
+          <a:xfrm rot="5858043">
+            <a:off x="2062532" y="221462"/>
+            <a:ext cx="1628775" cy="1495425"/>
+          </a:xfrm>
+          <a:prstGeom prst="rect">
+            <a:avLst/>
+          </a:prstGeom>
+        </p:spPr>
+      </p:pic>
     </p:spTree>
   </p:cSld>
   <p:clrMapOvr>
@@ -6403,11 +6114,11 @@
 </file>
 
 <file path=ppt/slides/slide3.xml><?xml version="1.0" encoding="utf-8"?>
-<p:sld xmlns:a="http://schemas.openxmlformats.org/drawingml/2006/main" xmlns:r="http://schemas.openxmlformats.org/officeDocument/2006/relationships" xmlns:mc="http://schemas.openxmlformats.org/markup-compatibility/2006" xmlns:mv="urn:schemas-microsoft-com:mac:vml" xmlns:p="http://schemas.openxmlformats.org/presentationml/2006/main" xmlns:c="http://schemas.openxmlformats.org/drawingml/2006/chart" xmlns:dgm="http://schemas.openxmlformats.org/drawingml/2006/diagram" xmlns:o="urn:schemas-microsoft-com:office:office" xmlns:v="urn:schemas-microsoft-com:vml" xmlns:pvml="urn:schemas-microsoft-com:office:powerpoint" xmlns:com="http://schemas.openxmlformats.org/drawingml/2006/compatibility" xmlns:p14="http://schemas.microsoft.com/office/powerpoint/2010/main" xmlns:p15="http://schemas.microsoft.com/office/powerpoint/2012/main" xmlns:ahyp="http://schemas.microsoft.com/office/drawing/2018/hyperlinkcolor">
+<p:sld xmlns:a="http://schemas.openxmlformats.org/drawingml/2006/main" xmlns:r="http://schemas.openxmlformats.org/officeDocument/2006/relationships" xmlns:p="http://schemas.openxmlformats.org/presentationml/2006/main">
   <p:cSld>
     <p:spTree>
       <p:nvGrpSpPr>
-        <p:cNvPr id="47" name="Shape 47"/>
+        <p:cNvPr id="1" name=""/>
         <p:cNvGrpSpPr/>
         <p:nvPr/>
       </p:nvGrpSpPr>
@@ -6421,174 +6132,295 @@
       </p:grpSpPr>
       <p:sp>
         <p:nvSpPr>
-          <p:cNvPr id="48" name="Google Shape;48;g1e04fecdc38_0_51"/>
-          <p:cNvSpPr txBox="1"/>
+          <p:cNvPr id="2" name="Titel 1">
+            <a:extLst>
+              <a:ext uri="{FF2B5EF4-FFF2-40B4-BE49-F238E27FC236}">
+                <a16:creationId xmlns:a16="http://schemas.microsoft.com/office/drawing/2014/main" id="{B620ACD3-E80B-95CD-8D35-46DF1B6208B9}"/>
+              </a:ext>
+            </a:extLst>
+          </p:cNvPr>
+          <p:cNvSpPr>
+            <a:spLocks noGrp="1"/>
+          </p:cNvSpPr>
           <p:nvPr>
             <p:ph type="title"/>
           </p:nvPr>
         </p:nvSpPr>
+        <p:spPr/>
+        <p:txBody>
+          <a:bodyPr/>
+          <a:lstStyle/>
+          <a:p>
+            <a:r>
+              <a:rPr lang="nl-BE" dirty="0"/>
+              <a:t>Technische aanpak</a:t>
+            </a:r>
+          </a:p>
+        </p:txBody>
+      </p:sp>
+      <p:pic>
+        <p:nvPicPr>
+          <p:cNvPr id="4" name="Afbeelding 3">
+            <a:extLst>
+              <a:ext uri="{FF2B5EF4-FFF2-40B4-BE49-F238E27FC236}">
+                <a16:creationId xmlns:a16="http://schemas.microsoft.com/office/drawing/2014/main" id="{213E559C-BC15-379C-164E-8A36B381CC5C}"/>
+              </a:ext>
+            </a:extLst>
+          </p:cNvPr>
+          <p:cNvPicPr>
+            <a:picLocks noChangeAspect="1"/>
+          </p:cNvPicPr>
+          <p:nvPr/>
+        </p:nvPicPr>
+        <p:blipFill>
+          <a:blip r:embed="rId2"/>
+          <a:srcRect/>
+          <a:stretch/>
+        </p:blipFill>
+        <p:spPr bwMode="auto">
+          <a:xfrm>
+            <a:off x="862827" y="2643485"/>
+            <a:ext cx="5196471" cy="2221540"/>
+          </a:xfrm>
+          <a:prstGeom prst="rect">
+            <a:avLst/>
+          </a:prstGeom>
+          <a:noFill/>
+        </p:spPr>
+      </p:pic>
+      <p:pic>
+        <p:nvPicPr>
+          <p:cNvPr id="3" name="Graphic 2">
+            <a:extLst>
+              <a:ext uri="{FF2B5EF4-FFF2-40B4-BE49-F238E27FC236}">
+                <a16:creationId xmlns:a16="http://schemas.microsoft.com/office/drawing/2014/main" id="{AA981D07-D0C2-7355-906D-E4CBBF972079}"/>
+              </a:ext>
+            </a:extLst>
+          </p:cNvPr>
+          <p:cNvPicPr>
+            <a:picLocks noChangeAspect="1"/>
+          </p:cNvPicPr>
+          <p:nvPr/>
+        </p:nvPicPr>
+        <p:blipFill>
+          <a:blip r:embed="rId3">
+            <a:extLst>
+              <a:ext uri="{96DAC541-7B7A-43D3-8B79-37D633B846F1}">
+                <asvg:svgBlip xmlns:asvg="http://schemas.microsoft.com/office/drawing/2016/SVG/main" r:embed="rId4"/>
+              </a:ext>
+            </a:extLst>
+          </a:blip>
+          <a:stretch>
+            <a:fillRect/>
+          </a:stretch>
+        </p:blipFill>
         <p:spPr>
-          <a:xfrm>
-            <a:off x="913795" y="609600"/>
-            <a:ext cx="10353900" cy="1257300"/>
+          <a:xfrm rot="14686073">
+            <a:off x="8541025" y="3574486"/>
+            <a:ext cx="3409950" cy="2695575"/>
           </a:xfrm>
           <a:prstGeom prst="rect">
             <a:avLst/>
           </a:prstGeom>
         </p:spPr>
-        <p:txBody>
-          <a:bodyPr anchorCtr="0" anchor="ctr" bIns="45700" lIns="91425" spcFirstLastPara="1" rIns="91425" wrap="square" tIns="45700">
-            <a:normAutofit/>
-          </a:bodyPr>
-          <a:lstStyle/>
-          <a:p>
-            <a:pPr indent="0" lvl="0" marL="0" rtl="0" algn="ctr">
-              <a:spcBef>
-                <a:spcPts val="0"/>
-              </a:spcBef>
-              <a:spcAft>
-                <a:spcPts val="0"/>
-              </a:spcAft>
-              <a:buNone/>
-            </a:pPr>
-            <a:r>
-              <a:rPr lang="nl-NL"/>
-              <a:t>Stand van zaken</a:t>
-            </a:r>
-            <a:endParaRPr/>
-          </a:p>
-        </p:txBody>
-      </p:sp>
-      <p:sp>
-        <p:nvSpPr>
-          <p:cNvPr id="49" name="Google Shape;49;g1e04fecdc38_0_51"/>
-          <p:cNvSpPr txBox="1"/>
-          <p:nvPr>
-            <p:ph idx="1" type="body"/>
-          </p:nvPr>
-        </p:nvSpPr>
+      </p:pic>
+      <p:pic>
+        <p:nvPicPr>
+          <p:cNvPr id="5" name="Graphic 4">
+            <a:extLst>
+              <a:ext uri="{FF2B5EF4-FFF2-40B4-BE49-F238E27FC236}">
+                <a16:creationId xmlns:a16="http://schemas.microsoft.com/office/drawing/2014/main" id="{75BA8865-5A8B-4B92-B733-998F29DF7F65}"/>
+              </a:ext>
+            </a:extLst>
+          </p:cNvPr>
+          <p:cNvPicPr>
+            <a:picLocks noChangeAspect="1"/>
+          </p:cNvPicPr>
+          <p:nvPr/>
+        </p:nvPicPr>
+        <p:blipFill>
+          <a:blip r:embed="rId5">
+            <a:extLst>
+              <a:ext uri="{96DAC541-7B7A-43D3-8B79-37D633B846F1}">
+                <asvg:svgBlip xmlns:asvg="http://schemas.microsoft.com/office/drawing/2016/SVG/main" r:embed="rId6"/>
+              </a:ext>
+            </a:extLst>
+          </a:blip>
+          <a:stretch>
+            <a:fillRect/>
+          </a:stretch>
+        </p:blipFill>
         <p:spPr>
-          <a:xfrm>
-            <a:off x="913795" y="2076450"/>
-            <a:ext cx="10353900" cy="3714600"/>
+          <a:xfrm rot="20782093">
+            <a:off x="7703540" y="1719578"/>
+            <a:ext cx="2838450" cy="2171700"/>
           </a:xfrm>
           <a:prstGeom prst="rect">
             <a:avLst/>
           </a:prstGeom>
         </p:spPr>
-        <p:txBody>
-          <a:bodyPr anchorCtr="0" anchor="t" bIns="45700" lIns="91425" spcFirstLastPara="1" rIns="91425" wrap="square" tIns="45700">
-            <a:normAutofit/>
-          </a:bodyPr>
-          <a:lstStyle/>
-          <a:p>
-            <a:pPr indent="0" lvl="0" marL="0" rtl="0" algn="l">
-              <a:spcBef>
-                <a:spcPts val="360"/>
-              </a:spcBef>
-              <a:spcAft>
-                <a:spcPts val="0"/>
-              </a:spcAft>
-              <a:buClr>
-                <a:schemeClr val="dk1"/>
-              </a:buClr>
-              <a:buSzPts val="1100"/>
-              <a:buFont typeface="Arial"/>
-              <a:buNone/>
-            </a:pPr>
-            <a:r>
-              <a:rPr lang="nl-NL"/>
-              <a:t>Adobe XD</a:t>
-            </a:r>
-            <a:endParaRPr/>
-          </a:p>
-          <a:p>
-            <a:pPr indent="0" lvl="0" marL="0" rtl="0" algn="l">
-              <a:spcBef>
-                <a:spcPts val="600"/>
-              </a:spcBef>
-              <a:spcAft>
-                <a:spcPts val="0"/>
-              </a:spcAft>
-              <a:buClr>
-                <a:schemeClr val="dk1"/>
-              </a:buClr>
-              <a:buSzPts val="1100"/>
-              <a:buFont typeface="Arial"/>
-              <a:buNone/>
-            </a:pPr>
-            <a:r>
-              <a:rPr lang="nl-NL"/>
-              <a:t>Documentation</a:t>
-            </a:r>
-            <a:endParaRPr/>
-          </a:p>
-          <a:p>
-            <a:pPr indent="0" lvl="0" marL="0" rtl="0" algn="l">
-              <a:spcBef>
-                <a:spcPts val="600"/>
-              </a:spcBef>
-              <a:spcAft>
-                <a:spcPts val="0"/>
-              </a:spcAft>
-              <a:buClr>
-                <a:schemeClr val="dk1"/>
-              </a:buClr>
-              <a:buSzPts val="1100"/>
-              <a:buFont typeface="Arial"/>
-              <a:buNone/>
-            </a:pPr>
-            <a:r>
-              <a:rPr lang="nl-NL"/>
-              <a:t>Raspberry Pi config</a:t>
-            </a:r>
-            <a:endParaRPr/>
-          </a:p>
-          <a:p>
-            <a:pPr indent="0" lvl="0" marL="0" rtl="0" algn="l">
-              <a:spcBef>
-                <a:spcPts val="600"/>
-              </a:spcBef>
-              <a:spcAft>
-                <a:spcPts val="0"/>
-              </a:spcAft>
-              <a:buClr>
-                <a:schemeClr val="dk1"/>
-              </a:buClr>
-              <a:buSzPts val="1100"/>
-              <a:buFont typeface="Arial"/>
-              <a:buNone/>
-            </a:pPr>
-            <a:r>
-              <a:rPr lang="nl-NL"/>
-              <a:t>ESP32</a:t>
-            </a:r>
-            <a:endParaRPr/>
-          </a:p>
-          <a:p>
-            <a:pPr indent="0" lvl="0" marL="0" rtl="0" algn="l">
-              <a:spcBef>
-                <a:spcPts val="600"/>
-              </a:spcBef>
-              <a:spcAft>
-                <a:spcPts val="600"/>
-              </a:spcAft>
-              <a:buClr>
-                <a:schemeClr val="dk1"/>
-              </a:buClr>
-              <a:buSzPts val="1100"/>
-              <a:buFont typeface="Arial"/>
-              <a:buNone/>
-            </a:pPr>
-            <a:r>
-              <a:rPr lang="nl-NL"/>
-              <a:t>HTML CSS en Javascript</a:t>
-            </a:r>
-            <a:endParaRPr/>
-          </a:p>
-        </p:txBody>
-      </p:sp>
+      </p:pic>
+      <p:pic>
+        <p:nvPicPr>
+          <p:cNvPr id="6" name="Graphic 5">
+            <a:extLst>
+              <a:ext uri="{FF2B5EF4-FFF2-40B4-BE49-F238E27FC236}">
+                <a16:creationId xmlns:a16="http://schemas.microsoft.com/office/drawing/2014/main" id="{93C8CF7C-00C2-3B7B-BA55-EA0F7305198E}"/>
+              </a:ext>
+            </a:extLst>
+          </p:cNvPr>
+          <p:cNvPicPr>
+            <a:picLocks noChangeAspect="1"/>
+          </p:cNvPicPr>
+          <p:nvPr/>
+        </p:nvPicPr>
+        <p:blipFill>
+          <a:blip r:embed="rId5">
+            <a:extLst>
+              <a:ext uri="{96DAC541-7B7A-43D3-8B79-37D633B846F1}">
+                <asvg:svgBlip xmlns:asvg="http://schemas.microsoft.com/office/drawing/2016/SVG/main" r:embed="rId6"/>
+              </a:ext>
+            </a:extLst>
+          </a:blip>
+          <a:stretch>
+            <a:fillRect/>
+          </a:stretch>
+        </p:blipFill>
+        <p:spPr>
+          <a:xfrm rot="8994302">
+            <a:off x="-505430" y="4575849"/>
+            <a:ext cx="2838450" cy="2171700"/>
+          </a:xfrm>
+          <a:prstGeom prst="rect">
+            <a:avLst/>
+          </a:prstGeom>
+        </p:spPr>
+      </p:pic>
+      <p:pic>
+        <p:nvPicPr>
+          <p:cNvPr id="7" name="Graphic 6">
+            <a:extLst>
+              <a:ext uri="{FF2B5EF4-FFF2-40B4-BE49-F238E27FC236}">
+                <a16:creationId xmlns:a16="http://schemas.microsoft.com/office/drawing/2014/main" id="{A2CA0BCB-1C3C-A3A7-7B3A-E0520965E2FD}"/>
+              </a:ext>
+            </a:extLst>
+          </p:cNvPr>
+          <p:cNvPicPr>
+            <a:picLocks noChangeAspect="1"/>
+          </p:cNvPicPr>
+          <p:nvPr/>
+        </p:nvPicPr>
+        <p:blipFill>
+          <a:blip r:embed="rId7">
+            <a:extLst>
+              <a:ext uri="{96DAC541-7B7A-43D3-8B79-37D633B846F1}">
+                <asvg:svgBlip xmlns:asvg="http://schemas.microsoft.com/office/drawing/2016/SVG/main" r:embed="rId8"/>
+              </a:ext>
+            </a:extLst>
+          </a:blip>
+          <a:stretch>
+            <a:fillRect/>
+          </a:stretch>
+        </p:blipFill>
+        <p:spPr>
+          <a:xfrm rot="5858043">
+            <a:off x="807936" y="-347663"/>
+            <a:ext cx="1628775" cy="1495425"/>
+          </a:xfrm>
+          <a:prstGeom prst="rect">
+            <a:avLst/>
+          </a:prstGeom>
+        </p:spPr>
+      </p:pic>
+      <p:pic>
+        <p:nvPicPr>
+          <p:cNvPr id="8" name="Graphic 7">
+            <a:extLst>
+              <a:ext uri="{FF2B5EF4-FFF2-40B4-BE49-F238E27FC236}">
+                <a16:creationId xmlns:a16="http://schemas.microsoft.com/office/drawing/2014/main" id="{9FE14BC1-1838-BF6B-8BC6-C86C5E0B5DC9}"/>
+              </a:ext>
+            </a:extLst>
+          </p:cNvPr>
+          <p:cNvPicPr>
+            <a:picLocks noChangeAspect="1"/>
+          </p:cNvPicPr>
+          <p:nvPr/>
+        </p:nvPicPr>
+        <p:blipFill>
+          <a:blip r:embed="rId7">
+            <a:extLst>
+              <a:ext uri="{96DAC541-7B7A-43D3-8B79-37D633B846F1}">
+                <asvg:svgBlip xmlns:asvg="http://schemas.microsoft.com/office/drawing/2016/SVG/main" r:embed="rId8"/>
+              </a:ext>
+            </a:extLst>
+          </a:blip>
+          <a:stretch>
+            <a:fillRect/>
+          </a:stretch>
+        </p:blipFill>
+        <p:spPr>
+          <a:xfrm rot="5858043">
+            <a:off x="2062532" y="221462"/>
+            <a:ext cx="1628775" cy="1495425"/>
+          </a:xfrm>
+          <a:prstGeom prst="rect">
+            <a:avLst/>
+          </a:prstGeom>
+        </p:spPr>
+      </p:pic>
+      <p:pic>
+        <p:nvPicPr>
+          <p:cNvPr id="1026" name="Picture 2">
+            <a:extLst>
+              <a:ext uri="{FF2B5EF4-FFF2-40B4-BE49-F238E27FC236}">
+                <a16:creationId xmlns:a16="http://schemas.microsoft.com/office/drawing/2014/main" id="{3336A048-6313-F3B5-0A57-3334056B7698}"/>
+              </a:ext>
+            </a:extLst>
+          </p:cNvPr>
+          <p:cNvPicPr>
+            <a:picLocks noChangeAspect="1" noChangeArrowheads="1"/>
+          </p:cNvPicPr>
+          <p:nvPr/>
+        </p:nvPicPr>
+        <p:blipFill>
+          <a:blip r:embed="rId9">
+            <a:extLst>
+              <a:ext uri="{28A0092B-C50C-407E-A947-70E740481C1C}">
+                <a14:useLocalDpi xmlns:a14="http://schemas.microsoft.com/office/drawing/2010/main" val="0"/>
+              </a:ext>
+            </a:extLst>
+          </a:blip>
+          <a:srcRect/>
+          <a:stretch>
+            <a:fillRect/>
+          </a:stretch>
+        </p:blipFill>
+        <p:spPr bwMode="auto">
+          <a:xfrm>
+            <a:off x="7066264" y="2374106"/>
+            <a:ext cx="4220957" cy="2760299"/>
+          </a:xfrm>
+          <a:prstGeom prst="rect">
+            <a:avLst/>
+          </a:prstGeom>
+          <a:noFill/>
+          <a:extLst>
+            <a:ext uri="{909E8E84-426E-40DD-AFC4-6F175D3DCCD1}">
+              <a14:hiddenFill xmlns:a14="http://schemas.microsoft.com/office/drawing/2010/main">
+                <a:solidFill>
+                  <a:srgbClr val="FFFFFF"/>
+                </a:solidFill>
+              </a14:hiddenFill>
+            </a:ext>
+          </a:extLst>
+        </p:spPr>
+      </p:pic>
     </p:spTree>
+    <p:extLst>
+      <p:ext uri="{BB962C8B-B14F-4D97-AF65-F5344CB8AC3E}">
+        <p14:creationId xmlns:p14="http://schemas.microsoft.com/office/powerpoint/2010/main" val="3727464728"/>
+      </p:ext>
+    </p:extLst>
   </p:cSld>
   <p:clrMapOvr>
     <a:masterClrMapping/>
@@ -6597,11 +6429,192 @@
 </file>
 
 <file path=ppt/slides/slide4.xml><?xml version="1.0" encoding="utf-8"?>
-<p:sld xmlns:a="http://schemas.openxmlformats.org/drawingml/2006/main" xmlns:r="http://schemas.openxmlformats.org/officeDocument/2006/relationships" xmlns:mc="http://schemas.openxmlformats.org/markup-compatibility/2006" xmlns:mv="urn:schemas-microsoft-com:mac:vml" xmlns:p="http://schemas.openxmlformats.org/presentationml/2006/main" xmlns:c="http://schemas.openxmlformats.org/drawingml/2006/chart" xmlns:dgm="http://schemas.openxmlformats.org/drawingml/2006/diagram" xmlns:o="urn:schemas-microsoft-com:office:office" xmlns:v="urn:schemas-microsoft-com:vml" xmlns:pvml="urn:schemas-microsoft-com:office:powerpoint" xmlns:com="http://schemas.openxmlformats.org/drawingml/2006/compatibility" xmlns:p14="http://schemas.microsoft.com/office/powerpoint/2010/main" xmlns:p15="http://schemas.microsoft.com/office/powerpoint/2012/main" xmlns:ahyp="http://schemas.microsoft.com/office/drawing/2018/hyperlinkcolor">
+<p:sld xmlns:a="http://schemas.openxmlformats.org/drawingml/2006/main" xmlns:r="http://schemas.openxmlformats.org/officeDocument/2006/relationships" xmlns:p="http://schemas.openxmlformats.org/presentationml/2006/main">
   <p:cSld>
     <p:spTree>
       <p:nvGrpSpPr>
-        <p:cNvPr id="54" name="Shape 54"/>
+        <p:cNvPr id="1" name=""/>
+        <p:cNvGrpSpPr/>
+        <p:nvPr/>
+      </p:nvGrpSpPr>
+      <p:grpSpPr>
+        <a:xfrm>
+          <a:off x="0" y="0"/>
+          <a:ext cx="0" cy="0"/>
+          <a:chOff x="0" y="0"/>
+          <a:chExt cx="0" cy="0"/>
+        </a:xfrm>
+      </p:grpSpPr>
+      <p:sp>
+        <p:nvSpPr>
+          <p:cNvPr id="2" name="Titel 1">
+            <a:extLst>
+              <a:ext uri="{FF2B5EF4-FFF2-40B4-BE49-F238E27FC236}">
+                <a16:creationId xmlns:a16="http://schemas.microsoft.com/office/drawing/2014/main" id="{7C24A829-68BD-5DDA-02B7-ABE480B5DADE}"/>
+              </a:ext>
+            </a:extLst>
+          </p:cNvPr>
+          <p:cNvSpPr>
+            <a:spLocks noGrp="1"/>
+          </p:cNvSpPr>
+          <p:nvPr>
+            <p:ph type="title"/>
+          </p:nvPr>
+        </p:nvSpPr>
+        <p:spPr/>
+        <p:txBody>
+          <a:bodyPr/>
+          <a:lstStyle/>
+          <a:p>
+            <a:r>
+              <a:rPr lang="nl-BE" dirty="0"/>
+              <a:t>Conclusie scrum</a:t>
+            </a:r>
+          </a:p>
+        </p:txBody>
+      </p:sp>
+      <p:sp>
+        <p:nvSpPr>
+          <p:cNvPr id="3" name="Tijdelijke aanduiding voor tekst 2">
+            <a:extLst>
+              <a:ext uri="{FF2B5EF4-FFF2-40B4-BE49-F238E27FC236}">
+                <a16:creationId xmlns:a16="http://schemas.microsoft.com/office/drawing/2014/main" id="{7EB185D6-4F78-5EA7-84A0-722E096E8FBF}"/>
+              </a:ext>
+            </a:extLst>
+          </p:cNvPr>
+          <p:cNvSpPr>
+            <a:spLocks noGrp="1"/>
+          </p:cNvSpPr>
+          <p:nvPr>
+            <p:ph type="body" idx="1"/>
+          </p:nvPr>
+        </p:nvSpPr>
+        <p:spPr/>
+        <p:txBody>
+          <a:bodyPr>
+            <a:normAutofit fontScale="92500" lnSpcReduction="20000"/>
+          </a:bodyPr>
+          <a:lstStyle/>
+          <a:p>
+            <a:r>
+              <a:rPr lang="nl-BE" dirty="0"/>
+              <a:t>Daily stand-ups</a:t>
+            </a:r>
+          </a:p>
+          <a:p>
+            <a:pPr marL="148590" indent="0">
+              <a:buNone/>
+            </a:pPr>
+            <a:r>
+              <a:rPr lang="nl-BE" dirty="0"/>
+              <a:t>                     - Iedere ochtend</a:t>
+            </a:r>
+          </a:p>
+          <a:p>
+            <a:r>
+              <a:rPr lang="nl-BE" dirty="0" err="1"/>
+              <a:t>Retrospectives</a:t>
+            </a:r>
+            <a:endParaRPr lang="nl-BE" dirty="0"/>
+          </a:p>
+          <a:p>
+            <a:pPr marL="148590" indent="0">
+              <a:buNone/>
+            </a:pPr>
+            <a:r>
+              <a:rPr lang="nl-BE" dirty="0"/>
+              <a:t>                     - Maandagochtend week ervoor overlopen</a:t>
+            </a:r>
+          </a:p>
+          <a:p>
+            <a:pPr marL="148590" indent="0">
+              <a:buNone/>
+            </a:pPr>
+            <a:r>
+              <a:rPr lang="nl-BE" dirty="0"/>
+              <a:t>                     - Wat kan beter?</a:t>
+            </a:r>
+          </a:p>
+          <a:p>
+            <a:r>
+              <a:rPr lang="nl-BE" dirty="0" err="1"/>
+              <a:t>Burndown</a:t>
+            </a:r>
+            <a:r>
+              <a:rPr lang="nl-BE" dirty="0"/>
+              <a:t> </a:t>
+            </a:r>
+            <a:r>
+              <a:rPr lang="nl-BE" dirty="0" err="1"/>
+              <a:t>charts</a:t>
+            </a:r>
+            <a:endParaRPr lang="nl-BE" dirty="0"/>
+          </a:p>
+          <a:p>
+            <a:r>
+              <a:rPr lang="nl-BE" dirty="0"/>
+              <a:t>Sprint backlogs</a:t>
+            </a:r>
+          </a:p>
+          <a:p>
+            <a:r>
+              <a:rPr lang="nl-BE" dirty="0"/>
+              <a:t>Timetracking</a:t>
+            </a:r>
+          </a:p>
+          <a:p>
+            <a:pPr marL="148590" indent="0">
+              <a:buNone/>
+            </a:pPr>
+            <a:r>
+              <a:rPr lang="nl-BE" dirty="0"/>
+              <a:t>                     - </a:t>
+            </a:r>
+            <a:r>
+              <a:rPr lang="nl-BE" dirty="0" err="1"/>
+              <a:t>Toggle</a:t>
+            </a:r>
+            <a:endParaRPr lang="nl-BE" dirty="0"/>
+          </a:p>
+          <a:p>
+            <a:pPr marL="148590" indent="0">
+              <a:buNone/>
+            </a:pPr>
+            <a:r>
+              <a:rPr lang="nl-BE" dirty="0"/>
+              <a:t>                     - Gemiddeld 38 per dag</a:t>
+            </a:r>
+          </a:p>
+          <a:p>
+            <a:endParaRPr lang="nl-BE" dirty="0"/>
+          </a:p>
+          <a:p>
+            <a:endParaRPr lang="nl-BE" dirty="0"/>
+          </a:p>
+          <a:p>
+            <a:endParaRPr lang="nl-BE" dirty="0"/>
+          </a:p>
+        </p:txBody>
+      </p:sp>
+    </p:spTree>
+    <p:extLst>
+      <p:ext uri="{BB962C8B-B14F-4D97-AF65-F5344CB8AC3E}">
+        <p14:creationId xmlns:p14="http://schemas.microsoft.com/office/powerpoint/2010/main" val="4099205591"/>
+      </p:ext>
+    </p:extLst>
+  </p:cSld>
+  <p:clrMapOvr>
+    <a:masterClrMapping/>
+  </p:clrMapOvr>
+</p:sld>
+</file>
+
+<file path=ppt/slides/slide5.xml><?xml version="1.0" encoding="utf-8"?>
+<p:sld xmlns:a="http://schemas.openxmlformats.org/drawingml/2006/main" xmlns:r="http://schemas.openxmlformats.org/officeDocument/2006/relationships" xmlns:p="http://schemas.openxmlformats.org/presentationml/2006/main">
+  <p:cSld>
+    <p:spTree>
+      <p:nvGrpSpPr>
+        <p:cNvPr id="1" name="Shape 54"/>
         <p:cNvGrpSpPr/>
         <p:nvPr/>
       </p:nvGrpSpPr>
@@ -6616,27 +6629,25 @@
       <p:sp>
         <p:nvSpPr>
           <p:cNvPr id="55" name="Google Shape;55;g1e04fecdc38_0_39"/>
-          <p:cNvSpPr txBox="1"/>
+          <p:cNvSpPr txBox="1">
+            <a:spLocks noGrp="1"/>
+          </p:cNvSpPr>
           <p:nvPr>
             <p:ph type="title"/>
           </p:nvPr>
         </p:nvSpPr>
         <p:spPr>
-          <a:xfrm>
-            <a:off x="913795" y="609600"/>
-            <a:ext cx="10353900" cy="1257300"/>
-          </a:xfrm>
           <a:prstGeom prst="rect">
             <a:avLst/>
           </a:prstGeom>
         </p:spPr>
         <p:txBody>
-          <a:bodyPr anchorCtr="0" anchor="ctr" bIns="45700" lIns="91425" spcFirstLastPara="1" rIns="91425" wrap="square" tIns="45700">
+          <a:bodyPr spcFirstLastPara="1" wrap="square" lIns="91425" tIns="45700" rIns="91425" bIns="45700" anchor="ctr" anchorCtr="0">
             <a:normAutofit/>
           </a:bodyPr>
           <a:lstStyle/>
           <a:p>
-            <a:pPr indent="0" lvl="0" marL="0" rtl="0" algn="ctr">
+            <a:pPr marL="0" lvl="0" indent="0" algn="ctr" rtl="0">
               <a:spcBef>
                 <a:spcPts val="0"/>
               </a:spcBef>
@@ -6646,41 +6657,114 @@
               <a:buNone/>
             </a:pPr>
             <a:r>
-              <a:rPr lang="nl-NL"/>
+              <a:rPr lang="nl-NL" dirty="0">
+                <a:latin typeface="Oxygen" panose="02000503000000000000" pitchFamily="2" charset="0"/>
+              </a:rPr>
               <a:t>Demo</a:t>
             </a:r>
-            <a:endParaRPr/>
+            <a:endParaRPr dirty="0">
+              <a:latin typeface="Oxygen" panose="02000503000000000000" pitchFamily="2" charset="0"/>
+            </a:endParaRPr>
           </a:p>
         </p:txBody>
       </p:sp>
       <p:pic>
         <p:nvPicPr>
-          <p:cNvPr id="56" name="Google Shape;56;g1e04fecdc38_0_39" title="20230118_150755.mp4">
-            <a:hlinkClick r:id="rId3"/>
+          <p:cNvPr id="8" name="Onlinemedia 7" title="SPEEDRUN">
+            <a:hlinkClick r:id="" action="ppaction://media"/>
+            <a:extLst>
+              <a:ext uri="{FF2B5EF4-FFF2-40B4-BE49-F238E27FC236}">
+                <a16:creationId xmlns:a16="http://schemas.microsoft.com/office/drawing/2014/main" id="{FD6B83EC-A70B-899C-598B-527581D93B87}"/>
+              </a:ext>
+            </a:extLst>
           </p:cNvPr>
-          <p:cNvPicPr preferRelativeResize="0"/>
-          <p:nvPr/>
+          <p:cNvPicPr>
+            <a:picLocks noRot="1" noChangeAspect="1"/>
+          </p:cNvPicPr>
+          <p:nvPr>
+            <a:videoFile r:link="rId1"/>
+          </p:nvPr>
         </p:nvPicPr>
         <p:blipFill>
-          <a:blip r:embed="rId4">
-            <a:alphaModFix/>
-          </a:blip>
+          <a:blip r:embed="rId6"/>
           <a:stretch>
             <a:fillRect/>
           </a:stretch>
         </p:blipFill>
         <p:spPr>
           <a:xfrm>
-            <a:off x="1930400" y="1659075"/>
-            <a:ext cx="8331202" cy="4686301"/>
+            <a:off x="1129071" y="1649566"/>
+            <a:ext cx="4093512" cy="2312834"/>
           </a:xfrm>
           <a:prstGeom prst="rect">
             <a:avLst/>
           </a:prstGeom>
-          <a:noFill/>
-          <a:ln>
-            <a:noFill/>
-          </a:ln>
+        </p:spPr>
+      </p:pic>
+      <p:pic>
+        <p:nvPicPr>
+          <p:cNvPr id="9" name="Onlinemedia 8" title="ShuttleRun">
+            <a:hlinkClick r:id="" action="ppaction://media"/>
+            <a:extLst>
+              <a:ext uri="{FF2B5EF4-FFF2-40B4-BE49-F238E27FC236}">
+                <a16:creationId xmlns:a16="http://schemas.microsoft.com/office/drawing/2014/main" id="{5D703EFF-2906-1F13-B5E7-58EFAFE891F3}"/>
+              </a:ext>
+            </a:extLst>
+          </p:cNvPr>
+          <p:cNvPicPr>
+            <a:picLocks noRot="1" noChangeAspect="1"/>
+          </p:cNvPicPr>
+          <p:nvPr>
+            <a:videoFile r:link="rId2"/>
+          </p:nvPr>
+        </p:nvPicPr>
+        <p:blipFill>
+          <a:blip r:embed="rId7"/>
+          <a:stretch>
+            <a:fillRect/>
+          </a:stretch>
+        </p:blipFill>
+        <p:spPr>
+          <a:xfrm>
+            <a:off x="4043920" y="4203291"/>
+            <a:ext cx="4093512" cy="2312834"/>
+          </a:xfrm>
+          <a:prstGeom prst="rect">
+            <a:avLst/>
+          </a:prstGeom>
+        </p:spPr>
+      </p:pic>
+      <p:pic>
+        <p:nvPicPr>
+          <p:cNvPr id="10" name="Onlinemedia 9" title="1VS1">
+            <a:hlinkClick r:id="" action="ppaction://media"/>
+            <a:extLst>
+              <a:ext uri="{FF2B5EF4-FFF2-40B4-BE49-F238E27FC236}">
+                <a16:creationId xmlns:a16="http://schemas.microsoft.com/office/drawing/2014/main" id="{582826B4-4311-F64D-2509-B890FA2A4F16}"/>
+              </a:ext>
+            </a:extLst>
+          </p:cNvPr>
+          <p:cNvPicPr>
+            <a:picLocks noRot="1" noChangeAspect="1"/>
+          </p:cNvPicPr>
+          <p:nvPr>
+            <a:videoFile r:link="rId3"/>
+          </p:nvPr>
+        </p:nvPicPr>
+        <p:blipFill>
+          <a:blip r:embed="rId8"/>
+          <a:stretch>
+            <a:fillRect/>
+          </a:stretch>
+        </p:blipFill>
+        <p:spPr>
+          <a:xfrm>
+            <a:off x="6969417" y="1649566"/>
+            <a:ext cx="4093512" cy="2312834"/>
+          </a:xfrm>
+          <a:prstGeom prst="rect">
+            <a:avLst/>
+          </a:prstGeom>
         </p:spPr>
       </p:pic>
     </p:spTree>
@@ -6691,55 +6775,107 @@
   <p:timing>
     <p:tnLst>
       <p:par>
-        <p:cTn dur="indefinite" nodeType="tmRoot" restart="never">
+        <p:cTn id="1" dur="indefinite" restart="never" nodeType="tmRoot">
           <p:childTnLst>
             <p:seq concurrent="1" nextAc="seek">
-              <p:cTn dur="indefinite" id="2" nodeType="mainSeq">
+              <p:cTn id="2" dur="indefinite" nodeType="mainSeq">
                 <p:childTnLst>
                   <p:par>
-                    <p:cTn fill="hold">
+                    <p:cTn id="3" fill="hold">
                       <p:stCondLst>
                         <p:cond delay="indefinite"/>
                       </p:stCondLst>
                       <p:childTnLst>
                         <p:par>
-                          <p:cTn fill="hold">
+                          <p:cTn id="4" fill="hold">
                             <p:stCondLst>
                               <p:cond delay="0"/>
                             </p:stCondLst>
                             <p:childTnLst>
                               <p:par>
-                                <p:cTn fill="hold" nodeType="clickEffect" presetClass="entr" presetID="10" presetSubtype="0">
+                                <p:cTn id="5" presetID="1" presetClass="mediacall" presetSubtype="0" fill="hold" nodeType="clickEffect">
                                   <p:stCondLst>
                                     <p:cond delay="0"/>
                                   </p:stCondLst>
                                   <p:childTnLst>
-                                    <p:set>
+                                    <p:cmd type="call" cmd="playFrom(0.0)">
                                       <p:cBhvr>
-                                        <p:cTn dur="1" fill="hold">
-                                          <p:stCondLst>
-                                            <p:cond delay="0"/>
-                                          </p:stCondLst>
-                                        </p:cTn>
+                                        <p:cTn id="6" dur="1" fill="hold"/>
                                         <p:tgtEl>
-                                          <p:spTgt spid="56"/>
-                                        </p:tgtEl>
-                                        <p:attrNameLst>
-                                          <p:attrName>style.visibility</p:attrName>
-                                        </p:attrNameLst>
-                                      </p:cBhvr>
-                                      <p:to>
-                                        <p:strVal val="visible"/>
-                                      </p:to>
-                                    </p:set>
-                                    <p:animEffect filter="fade" transition="in">
-                                      <p:cBhvr>
-                                        <p:cTn dur="1000"/>
-                                        <p:tgtEl>
-                                          <p:spTgt spid="56"/>
+                                          <p:spTgt spid="8"/>
                                         </p:tgtEl>
                                       </p:cBhvr>
-                                    </p:animEffect>
+                                    </p:cmd>
+                                  </p:childTnLst>
+                                </p:cTn>
+                              </p:par>
+                            </p:childTnLst>
+                          </p:cTn>
+                        </p:par>
+                      </p:childTnLst>
+                    </p:cTn>
+                  </p:par>
+                  <p:par>
+                    <p:cTn id="7" fill="hold">
+                      <p:stCondLst>
+                        <p:cond delay="indefinite"/>
+                      </p:stCondLst>
+                      <p:childTnLst>
+                        <p:par>
+                          <p:cTn id="8" fill="hold">
+                            <p:stCondLst>
+                              <p:cond delay="0"/>
+                            </p:stCondLst>
+                            <p:childTnLst>
+                              <p:par>
+                                <p:cTn id="9" presetID="1" presetClass="mediacall" presetSubtype="0" fill="hold" nodeType="clickEffect">
+                                  <p:stCondLst>
+                                    <p:cond delay="0"/>
+                                  </p:stCondLst>
+                                  <p:childTnLst>
+                                    <p:cmd type="call" cmd="playFrom(0.0)">
+                                      <p:cBhvr>
+                                        <p:cTn id="10" dur="1" fill="hold"/>
+                                        <p:tgtEl>
+                                          <p:spTgt spid="9"/>
+                                        </p:tgtEl>
+                                      </p:cBhvr>
+                                    </p:cmd>
+                                  </p:childTnLst>
+                                </p:cTn>
+                              </p:par>
+                            </p:childTnLst>
+                          </p:cTn>
+                        </p:par>
+                      </p:childTnLst>
+                    </p:cTn>
+                  </p:par>
+                  <p:par>
+                    <p:cTn id="11" fill="hold">
+                      <p:stCondLst>
+                        <p:cond delay="indefinite"/>
+                      </p:stCondLst>
+                      <p:childTnLst>
+                        <p:par>
+                          <p:cTn id="12" fill="hold">
+                            <p:stCondLst>
+                              <p:cond delay="0"/>
+                            </p:stCondLst>
+                            <p:childTnLst>
+                              <p:par>
+                                <p:cTn id="13" presetID="1" presetClass="mediacall" presetSubtype="0" fill="hold" nodeType="clickEffect">
+                                  <p:stCondLst>
+                                    <p:cond delay="0"/>
+                                  </p:stCondLst>
+                                  <p:childTnLst>
+                                    <p:cmd type="call" cmd="playFrom(0.0)">
+                                      <p:cBhvr>
+                                        <p:cTn id="14" dur="1" fill="hold"/>
+                                        <p:tgtEl>
+                                          <p:spTgt spid="10"/>
+                                        </p:tgtEl>
+                                      </p:cBhvr>
+                                    </p:cmd>
                                   </p:childTnLst>
                                 </p:cTn>
                               </p:par>
@@ -6752,16 +6888,226 @@
                 </p:childTnLst>
               </p:cTn>
               <p:prevCondLst>
-                <p:cond evt="onPrev">
+                <p:cond evt="onPrev" delay="0">
                   <p:tgtEl>
                     <p:sldTgt/>
                   </p:tgtEl>
                 </p:cond>
               </p:prevCondLst>
               <p:nextCondLst>
-                <p:cond evt="onNext">
+                <p:cond evt="onNext" delay="0">
                   <p:tgtEl>
                     <p:sldTgt/>
+                  </p:tgtEl>
+                </p:cond>
+              </p:nextCondLst>
+            </p:seq>
+            <p:video>
+              <p:cMediaNode vol="80000">
+                <p:cTn id="15" fill="hold" display="0">
+                  <p:stCondLst>
+                    <p:cond delay="indefinite"/>
+                  </p:stCondLst>
+                </p:cTn>
+                <p:tgtEl>
+                  <p:spTgt spid="8"/>
+                </p:tgtEl>
+              </p:cMediaNode>
+            </p:video>
+            <p:seq concurrent="1" nextAc="seek">
+              <p:cTn id="16" restart="whenNotActive" fill="hold" evtFilter="cancelBubble" nodeType="interactiveSeq">
+                <p:stCondLst>
+                  <p:cond evt="onClick" delay="0">
+                    <p:tgtEl>
+                      <p:spTgt spid="8"/>
+                    </p:tgtEl>
+                  </p:cond>
+                </p:stCondLst>
+                <p:endSync evt="end" delay="0">
+                  <p:rtn val="all"/>
+                </p:endSync>
+                <p:childTnLst>
+                  <p:par>
+                    <p:cTn id="17" fill="hold">
+                      <p:stCondLst>
+                        <p:cond delay="0"/>
+                      </p:stCondLst>
+                      <p:childTnLst>
+                        <p:par>
+                          <p:cTn id="18" fill="hold">
+                            <p:stCondLst>
+                              <p:cond delay="0"/>
+                            </p:stCondLst>
+                            <p:childTnLst>
+                              <p:par>
+                                <p:cTn id="19" presetID="2" presetClass="mediacall" presetSubtype="0" fill="hold" nodeType="clickEffect">
+                                  <p:stCondLst>
+                                    <p:cond delay="0"/>
+                                  </p:stCondLst>
+                                  <p:childTnLst>
+                                    <p:cmd type="call" cmd="togglePause">
+                                      <p:cBhvr>
+                                        <p:cTn id="20" dur="1" fill="hold"/>
+                                        <p:tgtEl>
+                                          <p:spTgt spid="8"/>
+                                        </p:tgtEl>
+                                      </p:cBhvr>
+                                    </p:cmd>
+                                  </p:childTnLst>
+                                </p:cTn>
+                              </p:par>
+                            </p:childTnLst>
+                          </p:cTn>
+                        </p:par>
+                      </p:childTnLst>
+                    </p:cTn>
+                  </p:par>
+                </p:childTnLst>
+              </p:cTn>
+              <p:nextCondLst>
+                <p:cond evt="onClick" delay="0">
+                  <p:tgtEl>
+                    <p:spTgt spid="8"/>
+                  </p:tgtEl>
+                </p:cond>
+              </p:nextCondLst>
+            </p:seq>
+            <p:video>
+              <p:cMediaNode vol="80000">
+                <p:cTn id="21" fill="hold" display="0">
+                  <p:stCondLst>
+                    <p:cond delay="indefinite"/>
+                  </p:stCondLst>
+                </p:cTn>
+                <p:tgtEl>
+                  <p:spTgt spid="9"/>
+                </p:tgtEl>
+              </p:cMediaNode>
+            </p:video>
+            <p:seq concurrent="1" nextAc="seek">
+              <p:cTn id="22" restart="whenNotActive" fill="hold" evtFilter="cancelBubble" nodeType="interactiveSeq">
+                <p:stCondLst>
+                  <p:cond evt="onClick" delay="0">
+                    <p:tgtEl>
+                      <p:spTgt spid="9"/>
+                    </p:tgtEl>
+                  </p:cond>
+                </p:stCondLst>
+                <p:endSync evt="end" delay="0">
+                  <p:rtn val="all"/>
+                </p:endSync>
+                <p:childTnLst>
+                  <p:par>
+                    <p:cTn id="23" fill="hold">
+                      <p:stCondLst>
+                        <p:cond delay="0"/>
+                      </p:stCondLst>
+                      <p:childTnLst>
+                        <p:par>
+                          <p:cTn id="24" fill="hold">
+                            <p:stCondLst>
+                              <p:cond delay="0"/>
+                            </p:stCondLst>
+                            <p:childTnLst>
+                              <p:par>
+                                <p:cTn id="25" presetID="2" presetClass="mediacall" presetSubtype="0" fill="hold" nodeType="clickEffect">
+                                  <p:stCondLst>
+                                    <p:cond delay="0"/>
+                                  </p:stCondLst>
+                                  <p:childTnLst>
+                                    <p:cmd type="call" cmd="togglePause">
+                                      <p:cBhvr>
+                                        <p:cTn id="26" dur="1" fill="hold"/>
+                                        <p:tgtEl>
+                                          <p:spTgt spid="9"/>
+                                        </p:tgtEl>
+                                      </p:cBhvr>
+                                    </p:cmd>
+                                  </p:childTnLst>
+                                </p:cTn>
+                              </p:par>
+                            </p:childTnLst>
+                          </p:cTn>
+                        </p:par>
+                      </p:childTnLst>
+                    </p:cTn>
+                  </p:par>
+                </p:childTnLst>
+              </p:cTn>
+              <p:nextCondLst>
+                <p:cond evt="onClick" delay="0">
+                  <p:tgtEl>
+                    <p:spTgt spid="9"/>
+                  </p:tgtEl>
+                </p:cond>
+              </p:nextCondLst>
+            </p:seq>
+            <p:video>
+              <p:cMediaNode vol="80000">
+                <p:cTn id="27" fill="hold" display="0">
+                  <p:stCondLst>
+                    <p:cond delay="indefinite"/>
+                  </p:stCondLst>
+                </p:cTn>
+                <p:tgtEl>
+                  <p:spTgt spid="10"/>
+                </p:tgtEl>
+              </p:cMediaNode>
+            </p:video>
+            <p:seq concurrent="1" nextAc="seek">
+              <p:cTn id="28" restart="whenNotActive" fill="hold" evtFilter="cancelBubble" nodeType="interactiveSeq">
+                <p:stCondLst>
+                  <p:cond evt="onClick" delay="0">
+                    <p:tgtEl>
+                      <p:spTgt spid="10"/>
+                    </p:tgtEl>
+                  </p:cond>
+                </p:stCondLst>
+                <p:endSync evt="end" delay="0">
+                  <p:rtn val="all"/>
+                </p:endSync>
+                <p:childTnLst>
+                  <p:par>
+                    <p:cTn id="29" fill="hold">
+                      <p:stCondLst>
+                        <p:cond delay="0"/>
+                      </p:stCondLst>
+                      <p:childTnLst>
+                        <p:par>
+                          <p:cTn id="30" fill="hold">
+                            <p:stCondLst>
+                              <p:cond delay="0"/>
+                            </p:stCondLst>
+                            <p:childTnLst>
+                              <p:par>
+                                <p:cTn id="31" presetID="2" presetClass="mediacall" presetSubtype="0" fill="hold" nodeType="clickEffect">
+                                  <p:stCondLst>
+                                    <p:cond delay="0"/>
+                                  </p:stCondLst>
+                                  <p:childTnLst>
+                                    <p:cmd type="call" cmd="togglePause">
+                                      <p:cBhvr>
+                                        <p:cTn id="32" dur="1" fill="hold"/>
+                                        <p:tgtEl>
+                                          <p:spTgt spid="10"/>
+                                        </p:tgtEl>
+                                      </p:cBhvr>
+                                    </p:cmd>
+                                  </p:childTnLst>
+                                </p:cTn>
+                              </p:par>
+                            </p:childTnLst>
+                          </p:cTn>
+                        </p:par>
+                      </p:childTnLst>
+                    </p:cTn>
+                  </p:par>
+                </p:childTnLst>
+              </p:cTn>
+              <p:nextCondLst>
+                <p:cond evt="onClick" delay="0">
+                  <p:tgtEl>
+                    <p:spTgt spid="10"/>
                   </p:tgtEl>
                 </p:cond>
               </p:nextCondLst>
@@ -6774,12 +7120,12 @@
 </p:sld>
 </file>
 
-<file path=ppt/slides/slide5.xml><?xml version="1.0" encoding="utf-8"?>
-<p:sld xmlns:a="http://schemas.openxmlformats.org/drawingml/2006/main" xmlns:r="http://schemas.openxmlformats.org/officeDocument/2006/relationships" xmlns:mc="http://schemas.openxmlformats.org/markup-compatibility/2006" xmlns:mv="urn:schemas-microsoft-com:mac:vml" xmlns:p="http://schemas.openxmlformats.org/presentationml/2006/main" xmlns:c="http://schemas.openxmlformats.org/drawingml/2006/chart" xmlns:dgm="http://schemas.openxmlformats.org/drawingml/2006/diagram" xmlns:o="urn:schemas-microsoft-com:office:office" xmlns:v="urn:schemas-microsoft-com:vml" xmlns:pvml="urn:schemas-microsoft-com:office:powerpoint" xmlns:com="http://schemas.openxmlformats.org/drawingml/2006/compatibility" xmlns:p14="http://schemas.microsoft.com/office/powerpoint/2010/main" xmlns:p15="http://schemas.microsoft.com/office/powerpoint/2012/main" xmlns:ahyp="http://schemas.microsoft.com/office/drawing/2018/hyperlinkcolor">
+<file path=ppt/slides/slide6.xml><?xml version="1.0" encoding="utf-8"?>
+<p:sld xmlns:a="http://schemas.openxmlformats.org/drawingml/2006/main" xmlns:r="http://schemas.openxmlformats.org/officeDocument/2006/relationships" xmlns:p="http://schemas.openxmlformats.org/presentationml/2006/main">
   <p:cSld>
     <p:spTree>
       <p:nvGrpSpPr>
-        <p:cNvPr id="61" name="Shape 61"/>
+        <p:cNvPr id="1" name=""/>
         <p:cNvGrpSpPr/>
         <p:nvPr/>
       </p:nvGrpSpPr>
@@ -6793,120 +7139,63 @@
       </p:grpSpPr>
       <p:sp>
         <p:nvSpPr>
-          <p:cNvPr id="62" name="Google Shape;62;g1e04fecdc38_0_0"/>
-          <p:cNvSpPr txBox="1"/>
+          <p:cNvPr id="3" name="Tijdelijke aanduiding voor tekst 2">
+            <a:extLst>
+              <a:ext uri="{FF2B5EF4-FFF2-40B4-BE49-F238E27FC236}">
+                <a16:creationId xmlns:a16="http://schemas.microsoft.com/office/drawing/2014/main" id="{8FB110F9-AD1A-5040-C5DE-54FB2FD4D2F3}"/>
+              </a:ext>
+            </a:extLst>
+          </p:cNvPr>
+          <p:cNvSpPr>
+            <a:spLocks noGrp="1"/>
+          </p:cNvSpPr>
           <p:nvPr>
-            <p:ph type="title"/>
+            <p:ph type="body" idx="1"/>
           </p:nvPr>
         </p:nvSpPr>
         <p:spPr>
           <a:xfrm>
-            <a:off x="913795" y="609600"/>
-            <a:ext cx="10353900" cy="1257300"/>
+            <a:off x="919119" y="2844902"/>
+            <a:ext cx="10353762" cy="1168195"/>
           </a:xfrm>
-          <a:prstGeom prst="rect">
-            <a:avLst/>
-          </a:prstGeom>
         </p:spPr>
         <p:txBody>
-          <a:bodyPr anchorCtr="0" anchor="ctr" bIns="45700" lIns="91425" spcFirstLastPara="1" rIns="91425" wrap="square" tIns="45700">
-            <a:normAutofit/>
+          <a:bodyPr>
+            <a:normAutofit lnSpcReduction="10000"/>
           </a:bodyPr>
           <a:lstStyle/>
           <a:p>
-            <a:pPr indent="0" lvl="0" marL="0" rtl="0" algn="ctr">
-              <a:spcBef>
-                <a:spcPts val="0"/>
-              </a:spcBef>
-              <a:spcAft>
-                <a:spcPts val="0"/>
-              </a:spcAft>
+            <a:pPr marL="148590" indent="0">
               <a:buNone/>
             </a:pPr>
             <a:r>
-              <a:rPr lang="nl-NL"/>
-              <a:t>Burndown chart</a:t>
+              <a:rPr lang="nl-BE" sz="6600" dirty="0"/>
+              <a:t>Bedankt voor uw aandacht!</a:t>
             </a:r>
-            <a:endParaRPr/>
-          </a:p>
-        </p:txBody>
-      </p:sp>
-      <p:sp>
-        <p:nvSpPr>
-          <p:cNvPr id="63" name="Google Shape;63;g1e04fecdc38_0_0"/>
-          <p:cNvSpPr txBox="1"/>
-          <p:nvPr>
-            <p:ph idx="1" type="body"/>
-          </p:nvPr>
-        </p:nvSpPr>
-        <p:spPr>
-          <a:xfrm>
-            <a:off x="607295" y="2076450"/>
-            <a:ext cx="10353900" cy="3714600"/>
-          </a:xfrm>
-          <a:prstGeom prst="rect">
-            <a:avLst/>
-          </a:prstGeom>
-        </p:spPr>
-        <p:txBody>
-          <a:bodyPr anchorCtr="0" anchor="t" bIns="45700" lIns="91425" spcFirstLastPara="1" rIns="91425" wrap="square" tIns="45700">
-            <a:normAutofit/>
-          </a:bodyPr>
-          <a:lstStyle/>
-          <a:p>
-            <a:pPr indent="0" lvl="0" marL="0" rtl="0" algn="l">
-              <a:spcBef>
-                <a:spcPts val="360"/>
-              </a:spcBef>
-              <a:spcAft>
-                <a:spcPts val="600"/>
-              </a:spcAft>
-              <a:buNone/>
-            </a:pPr>
-            <a:r>
-              <a:rPr lang="nl-NL"/>
-              <a:t>Week 1:										Week 2:</a:t>
-            </a:r>
-            <a:endParaRPr/>
           </a:p>
         </p:txBody>
       </p:sp>
       <p:pic>
         <p:nvPicPr>
-          <p:cNvPr id="64" name="Google Shape;64;g1e04fecdc38_0_0"/>
-          <p:cNvPicPr preferRelativeResize="0"/>
-          <p:nvPr/>
-        </p:nvPicPr>
-        <p:blipFill rotWithShape="1">
-          <a:blip r:embed="rId3">
-            <a:alphaModFix/>
-          </a:blip>
-          <a:srcRect b="16213" l="3376" r="4627" t="15142"/>
-          <a:stretch/>
-        </p:blipFill>
-        <p:spPr>
-          <a:xfrm>
-            <a:off x="1748675" y="2027425"/>
-            <a:ext cx="4207702" cy="2951325"/>
-          </a:xfrm>
-          <a:prstGeom prst="rect">
-            <a:avLst/>
-          </a:prstGeom>
-          <a:noFill/>
-          <a:ln>
-            <a:noFill/>
-          </a:ln>
-        </p:spPr>
-      </p:pic>
-      <p:pic>
-        <p:nvPicPr>
-          <p:cNvPr id="65" name="Google Shape;65;g1e04fecdc38_0_0"/>
-          <p:cNvPicPr preferRelativeResize="0"/>
+          <p:cNvPr id="5" name="Graphic 4">
+            <a:extLst>
+              <a:ext uri="{FF2B5EF4-FFF2-40B4-BE49-F238E27FC236}">
+                <a16:creationId xmlns:a16="http://schemas.microsoft.com/office/drawing/2014/main" id="{2157E5B5-4891-6DE6-1EFD-79DDFB64544E}"/>
+              </a:ext>
+            </a:extLst>
+          </p:cNvPr>
+          <p:cNvPicPr>
+            <a:picLocks noChangeAspect="1"/>
+          </p:cNvPicPr>
           <p:nvPr/>
         </p:nvPicPr>
         <p:blipFill>
-          <a:blip r:embed="rId4">
-            <a:alphaModFix/>
+          <a:blip r:embed="rId2">
+            <a:extLst>
+              <a:ext uri="{96DAC541-7B7A-43D3-8B79-37D633B846F1}">
+                <asvg:svgBlip xmlns:asvg="http://schemas.microsoft.com/office/drawing/2016/SVG/main" r:embed="rId3"/>
+              </a:ext>
+            </a:extLst>
           </a:blip>
           <a:stretch>
             <a:fillRect/>
@@ -6914,132 +7203,107 @@
         </p:blipFill>
         <p:spPr>
           <a:xfrm>
-            <a:off x="7327550" y="2027425"/>
-            <a:ext cx="4207701" cy="3019223"/>
-          </a:xfrm>
-          <a:prstGeom prst="rect">
-            <a:avLst/>
-          </a:prstGeom>
-          <a:noFill/>
-          <a:ln>
-            <a:noFill/>
-          </a:ln>
-        </p:spPr>
-      </p:pic>
-    </p:spTree>
-  </p:cSld>
-  <p:clrMapOvr>
-    <a:masterClrMapping/>
-  </p:clrMapOvr>
-</p:sld>
-</file>
-
-<file path=ppt/slides/slide6.xml><?xml version="1.0" encoding="utf-8"?>
-<p:sld xmlns:a="http://schemas.openxmlformats.org/drawingml/2006/main" xmlns:r="http://schemas.openxmlformats.org/officeDocument/2006/relationships" xmlns:mc="http://schemas.openxmlformats.org/markup-compatibility/2006" xmlns:mv="urn:schemas-microsoft-com:mac:vml" xmlns:p="http://schemas.openxmlformats.org/presentationml/2006/main" xmlns:c="http://schemas.openxmlformats.org/drawingml/2006/chart" xmlns:dgm="http://schemas.openxmlformats.org/drawingml/2006/diagram" xmlns:o="urn:schemas-microsoft-com:office:office" xmlns:v="urn:schemas-microsoft-com:vml" xmlns:pvml="urn:schemas-microsoft-com:office:powerpoint" xmlns:com="http://schemas.openxmlformats.org/drawingml/2006/compatibility" xmlns:p14="http://schemas.microsoft.com/office/powerpoint/2010/main" xmlns:p15="http://schemas.microsoft.com/office/powerpoint/2012/main" xmlns:ahyp="http://schemas.microsoft.com/office/drawing/2018/hyperlinkcolor">
-  <p:cSld>
-    <p:spTree>
-      <p:nvGrpSpPr>
-        <p:cNvPr id="70" name="Shape 70"/>
-        <p:cNvGrpSpPr/>
-        <p:nvPr/>
-      </p:nvGrpSpPr>
-      <p:grpSpPr>
-        <a:xfrm>
-          <a:off x="0" y="0"/>
-          <a:ext cx="0" cy="0"/>
-          <a:chOff x="0" y="0"/>
-          <a:chExt cx="0" cy="0"/>
-        </a:xfrm>
-      </p:grpSpPr>
-      <p:sp>
-        <p:nvSpPr>
-          <p:cNvPr id="71" name="Google Shape;71;g1e04fecdc38_0_8"/>
-          <p:cNvSpPr txBox="1"/>
-          <p:nvPr>
-            <p:ph type="title"/>
-          </p:nvPr>
-        </p:nvSpPr>
-        <p:spPr>
-          <a:xfrm>
-            <a:off x="913795" y="609600"/>
-            <a:ext cx="10353900" cy="1257300"/>
+            <a:off x="497450" y="3771132"/>
+            <a:ext cx="3409950" cy="2695575"/>
           </a:xfrm>
           <a:prstGeom prst="rect">
             <a:avLst/>
           </a:prstGeom>
         </p:spPr>
-        <p:txBody>
-          <a:bodyPr anchorCtr="0" anchor="ctr" bIns="45700" lIns="91425" spcFirstLastPara="1" rIns="91425" wrap="square" tIns="45700">
-            <a:normAutofit/>
-          </a:bodyPr>
-          <a:lstStyle/>
-          <a:p>
-            <a:pPr indent="0" lvl="0" marL="0" rtl="0" algn="ctr">
-              <a:spcBef>
-                <a:spcPts val="0"/>
-              </a:spcBef>
-              <a:spcAft>
-                <a:spcPts val="0"/>
-              </a:spcAft>
-              <a:buNone/>
-            </a:pPr>
-            <a:r>
-              <a:rPr lang="nl-NL"/>
-              <a:t>Sprint backlog</a:t>
-            </a:r>
-            <a:endParaRPr/>
-          </a:p>
-        </p:txBody>
-      </p:sp>
-      <p:sp>
-        <p:nvSpPr>
-          <p:cNvPr id="72" name="Google Shape;72;g1e04fecdc38_0_8"/>
-          <p:cNvSpPr txBox="1"/>
-          <p:nvPr>
-            <p:ph idx="1" type="body"/>
-          </p:nvPr>
-        </p:nvSpPr>
+      </p:pic>
+      <p:pic>
+        <p:nvPicPr>
+          <p:cNvPr id="7" name="Graphic 6">
+            <a:extLst>
+              <a:ext uri="{FF2B5EF4-FFF2-40B4-BE49-F238E27FC236}">
+                <a16:creationId xmlns:a16="http://schemas.microsoft.com/office/drawing/2014/main" id="{BD95C166-00C1-FCBD-FD61-EA02F4F47B19}"/>
+              </a:ext>
+            </a:extLst>
+          </p:cNvPr>
+          <p:cNvPicPr>
+            <a:picLocks noChangeAspect="1"/>
+          </p:cNvPicPr>
+          <p:nvPr/>
+        </p:nvPicPr>
+        <p:blipFill>
+          <a:blip r:embed="rId4">
+            <a:extLst>
+              <a:ext uri="{96DAC541-7B7A-43D3-8B79-37D633B846F1}">
+                <asvg:svgBlip xmlns:asvg="http://schemas.microsoft.com/office/drawing/2016/SVG/main" r:embed="rId5"/>
+              </a:ext>
+            </a:extLst>
+          </a:blip>
+          <a:stretch>
+            <a:fillRect/>
+          </a:stretch>
+        </p:blipFill>
         <p:spPr>
-          <a:xfrm>
-            <a:off x="5474895" y="1671175"/>
-            <a:ext cx="10353900" cy="3714600"/>
+          <a:xfrm rot="7188560">
+            <a:off x="8526100" y="-413722"/>
+            <a:ext cx="3143250" cy="4400550"/>
           </a:xfrm>
           <a:prstGeom prst="rect">
             <a:avLst/>
           </a:prstGeom>
         </p:spPr>
-        <p:txBody>
-          <a:bodyPr anchorCtr="0" anchor="t" bIns="45700" lIns="91425" spcFirstLastPara="1" rIns="91425" wrap="square" tIns="45700">
-            <a:normAutofit/>
-          </a:bodyPr>
-          <a:lstStyle/>
-          <a:p>
-            <a:pPr indent="0" lvl="0" marL="0" rtl="0" algn="l">
-              <a:spcBef>
-                <a:spcPts val="360"/>
-              </a:spcBef>
-              <a:spcAft>
-                <a:spcPts val="600"/>
-              </a:spcAft>
-              <a:buNone/>
-            </a:pPr>
-            <a:r>
-              <a:rPr lang="nl-NL"/>
-              <a:t>Week 1:</a:t>
-            </a:r>
-            <a:endParaRPr/>
-          </a:p>
-        </p:txBody>
-      </p:sp>
+      </p:pic>
       <p:pic>
         <p:nvPicPr>
-          <p:cNvPr id="73" name="Google Shape;73;g1e04fecdc38_0_8"/>
-          <p:cNvPicPr preferRelativeResize="0"/>
+          <p:cNvPr id="9" name="Graphic 8">
+            <a:extLst>
+              <a:ext uri="{FF2B5EF4-FFF2-40B4-BE49-F238E27FC236}">
+                <a16:creationId xmlns:a16="http://schemas.microsoft.com/office/drawing/2014/main" id="{7B7B7AFE-266F-C801-91BC-A46116CC6337}"/>
+              </a:ext>
+            </a:extLst>
+          </p:cNvPr>
+          <p:cNvPicPr>
+            <a:picLocks noChangeAspect="1"/>
+          </p:cNvPicPr>
           <p:nvPr/>
         </p:nvPicPr>
         <p:blipFill>
-          <a:blip r:embed="rId3">
-            <a:alphaModFix/>
+          <a:blip r:embed="rId6">
+            <a:extLst>
+              <a:ext uri="{96DAC541-7B7A-43D3-8B79-37D633B846F1}">
+                <asvg:svgBlip xmlns:asvg="http://schemas.microsoft.com/office/drawing/2016/SVG/main" r:embed="rId7"/>
+              </a:ext>
+            </a:extLst>
+          </a:blip>
+          <a:stretch>
+            <a:fillRect/>
+          </a:stretch>
+        </p:blipFill>
+        <p:spPr>
+          <a:xfrm rot="11613978">
+            <a:off x="6311111" y="5156943"/>
+            <a:ext cx="2838450" cy="2171700"/>
+          </a:xfrm>
+          <a:prstGeom prst="rect">
+            <a:avLst/>
+          </a:prstGeom>
+        </p:spPr>
+      </p:pic>
+      <p:pic>
+        <p:nvPicPr>
+          <p:cNvPr id="10" name="Graphic 9">
+            <a:extLst>
+              <a:ext uri="{FF2B5EF4-FFF2-40B4-BE49-F238E27FC236}">
+                <a16:creationId xmlns:a16="http://schemas.microsoft.com/office/drawing/2014/main" id="{F837DCAE-E8CB-EABC-A90D-7987A32A3CBF}"/>
+              </a:ext>
+            </a:extLst>
+          </p:cNvPr>
+          <p:cNvPicPr>
+            <a:picLocks noChangeAspect="1"/>
+          </p:cNvPicPr>
+          <p:nvPr/>
+        </p:nvPicPr>
+        <p:blipFill>
+          <a:blip r:embed="rId8">
+            <a:extLst>
+              <a:ext uri="{96DAC541-7B7A-43D3-8B79-37D633B846F1}">
+                <asvg:svgBlip xmlns:asvg="http://schemas.microsoft.com/office/drawing/2016/SVG/main" r:embed="rId9"/>
+              </a:ext>
+            </a:extLst>
           </a:blip>
           <a:stretch>
             <a:fillRect/>
@@ -7047,27 +7311,35 @@
         </p:blipFill>
         <p:spPr>
           <a:xfrm>
-            <a:off x="3225300" y="2161725"/>
-            <a:ext cx="1722500" cy="3729831"/>
+            <a:off x="1176119" y="886362"/>
+            <a:ext cx="1628775" cy="1495425"/>
           </a:xfrm>
           <a:prstGeom prst="rect">
             <a:avLst/>
           </a:prstGeom>
-          <a:noFill/>
-          <a:ln>
-            <a:noFill/>
-          </a:ln>
         </p:spPr>
       </p:pic>
       <p:pic>
         <p:nvPicPr>
-          <p:cNvPr id="74" name="Google Shape;74;g1e04fecdc38_0_8"/>
-          <p:cNvPicPr preferRelativeResize="0"/>
+          <p:cNvPr id="11" name="Graphic 10">
+            <a:extLst>
+              <a:ext uri="{FF2B5EF4-FFF2-40B4-BE49-F238E27FC236}">
+                <a16:creationId xmlns:a16="http://schemas.microsoft.com/office/drawing/2014/main" id="{DA271406-403C-CCFF-D3C9-4BB33F1BFACB}"/>
+              </a:ext>
+            </a:extLst>
+          </p:cNvPr>
+          <p:cNvPicPr>
+            <a:picLocks noChangeAspect="1"/>
+          </p:cNvPicPr>
           <p:nvPr/>
         </p:nvPicPr>
         <p:blipFill>
-          <a:blip r:embed="rId4">
-            <a:alphaModFix/>
+          <a:blip r:embed="rId8">
+            <a:extLst>
+              <a:ext uri="{96DAC541-7B7A-43D3-8B79-37D633B846F1}">
+                <asvg:svgBlip xmlns:asvg="http://schemas.microsoft.com/office/drawing/2016/SVG/main" r:embed="rId9"/>
+              </a:ext>
+            </a:extLst>
           </a:blip>
           <a:stretch>
             <a:fillRect/>
@@ -7075,478 +7347,20 @@
         </p:blipFill>
         <p:spPr>
           <a:xfrm>
-            <a:off x="5474899" y="2161725"/>
-            <a:ext cx="1722500" cy="4272530"/>
-          </a:xfrm>
-          <a:prstGeom prst="rect">
-            <a:avLst/>
-          </a:prstGeom>
-          <a:noFill/>
-          <a:ln>
-            <a:noFill/>
-          </a:ln>
-        </p:spPr>
-      </p:pic>
-      <p:pic>
-        <p:nvPicPr>
-          <p:cNvPr id="75" name="Google Shape;75;g1e04fecdc38_0_8"/>
-          <p:cNvPicPr preferRelativeResize="0"/>
-          <p:nvPr/>
-        </p:nvPicPr>
-        <p:blipFill>
-          <a:blip r:embed="rId5">
-            <a:alphaModFix/>
-          </a:blip>
-          <a:stretch>
-            <a:fillRect/>
-          </a:stretch>
-        </p:blipFill>
-        <p:spPr>
-          <a:xfrm>
-            <a:off x="7724503" y="2161725"/>
-            <a:ext cx="1722500" cy="4183188"/>
-          </a:xfrm>
-          <a:prstGeom prst="rect">
-            <a:avLst/>
-          </a:prstGeom>
-          <a:noFill/>
-          <a:ln>
-            <a:noFill/>
-          </a:ln>
-        </p:spPr>
-      </p:pic>
-    </p:spTree>
-  </p:cSld>
-  <p:clrMapOvr>
-    <a:masterClrMapping/>
-  </p:clrMapOvr>
-</p:sld>
-</file>
-
-<file path=ppt/slides/slide7.xml><?xml version="1.0" encoding="utf-8"?>
-<p:sld xmlns:a="http://schemas.openxmlformats.org/drawingml/2006/main" xmlns:r="http://schemas.openxmlformats.org/officeDocument/2006/relationships" xmlns:mc="http://schemas.openxmlformats.org/markup-compatibility/2006" xmlns:mv="urn:schemas-microsoft-com:mac:vml" xmlns:p="http://schemas.openxmlformats.org/presentationml/2006/main" xmlns:c="http://schemas.openxmlformats.org/drawingml/2006/chart" xmlns:dgm="http://schemas.openxmlformats.org/drawingml/2006/diagram" xmlns:o="urn:schemas-microsoft-com:office:office" xmlns:v="urn:schemas-microsoft-com:vml" xmlns:pvml="urn:schemas-microsoft-com:office:powerpoint" xmlns:com="http://schemas.openxmlformats.org/drawingml/2006/compatibility" xmlns:p14="http://schemas.microsoft.com/office/powerpoint/2010/main" xmlns:p15="http://schemas.microsoft.com/office/powerpoint/2012/main" xmlns:ahyp="http://schemas.microsoft.com/office/drawing/2018/hyperlinkcolor">
-  <p:cSld>
-    <p:spTree>
-      <p:nvGrpSpPr>
-        <p:cNvPr id="80" name="Shape 80"/>
-        <p:cNvGrpSpPr/>
-        <p:nvPr/>
-      </p:nvGrpSpPr>
-      <p:grpSpPr>
-        <a:xfrm>
-          <a:off x="0" y="0"/>
-          <a:ext cx="0" cy="0"/>
-          <a:chOff x="0" y="0"/>
-          <a:chExt cx="0" cy="0"/>
-        </a:xfrm>
-      </p:grpSpPr>
-      <p:sp>
-        <p:nvSpPr>
-          <p:cNvPr id="81" name="Google Shape;81;g1e04fecdc38_0_33"/>
-          <p:cNvSpPr txBox="1"/>
-          <p:nvPr>
-            <p:ph type="title"/>
-          </p:nvPr>
-        </p:nvSpPr>
-        <p:spPr>
-          <a:xfrm>
-            <a:off x="919045" y="294375"/>
-            <a:ext cx="10353900" cy="1257300"/>
+            <a:off x="2555272" y="616112"/>
+            <a:ext cx="1628775" cy="1495425"/>
           </a:xfrm>
           <a:prstGeom prst="rect">
             <a:avLst/>
           </a:prstGeom>
         </p:spPr>
-        <p:txBody>
-          <a:bodyPr anchorCtr="0" anchor="ctr" bIns="45700" lIns="91425" spcFirstLastPara="1" rIns="91425" wrap="square" tIns="45700">
-            <a:normAutofit/>
-          </a:bodyPr>
-          <a:lstStyle/>
-          <a:p>
-            <a:pPr indent="0" lvl="0" marL="0" rtl="0" algn="ctr">
-              <a:spcBef>
-                <a:spcPts val="0"/>
-              </a:spcBef>
-              <a:spcAft>
-                <a:spcPts val="0"/>
-              </a:spcAft>
-              <a:buNone/>
-            </a:pPr>
-            <a:r>
-              <a:rPr lang="nl-NL"/>
-              <a:t>Sprint backlog</a:t>
-            </a:r>
-            <a:endParaRPr/>
-          </a:p>
-        </p:txBody>
-      </p:sp>
-      <p:sp>
-        <p:nvSpPr>
-          <p:cNvPr id="82" name="Google Shape;82;g1e04fecdc38_0_33"/>
-          <p:cNvSpPr txBox="1"/>
-          <p:nvPr>
-            <p:ph idx="1" type="body"/>
-          </p:nvPr>
-        </p:nvSpPr>
-        <p:spPr>
-          <a:xfrm>
-            <a:off x="5338020" y="1198350"/>
-            <a:ext cx="10353900" cy="3714600"/>
-          </a:xfrm>
-          <a:prstGeom prst="rect">
-            <a:avLst/>
-          </a:prstGeom>
-        </p:spPr>
-        <p:txBody>
-          <a:bodyPr anchorCtr="0" anchor="t" bIns="45700" lIns="91425" spcFirstLastPara="1" rIns="91425" wrap="square" tIns="45700">
-            <a:normAutofit/>
-          </a:bodyPr>
-          <a:lstStyle/>
-          <a:p>
-            <a:pPr indent="0" lvl="0" marL="0" rtl="0" algn="l">
-              <a:spcBef>
-                <a:spcPts val="360"/>
-              </a:spcBef>
-              <a:spcAft>
-                <a:spcPts val="600"/>
-              </a:spcAft>
-              <a:buNone/>
-            </a:pPr>
-            <a:r>
-              <a:rPr lang="nl-NL"/>
-              <a:t>Week 2:</a:t>
-            </a:r>
-            <a:endParaRPr/>
-          </a:p>
-        </p:txBody>
-      </p:sp>
-      <p:pic>
-        <p:nvPicPr>
-          <p:cNvPr id="83" name="Google Shape;83;g1e04fecdc38_0_33"/>
-          <p:cNvPicPr preferRelativeResize="0"/>
-          <p:nvPr/>
-        </p:nvPicPr>
-        <p:blipFill>
-          <a:blip r:embed="rId3">
-            <a:alphaModFix/>
-          </a:blip>
-          <a:stretch>
-            <a:fillRect/>
-          </a:stretch>
-        </p:blipFill>
-        <p:spPr>
-          <a:xfrm>
-            <a:off x="502250" y="1996213"/>
-            <a:ext cx="2191435" cy="4686300"/>
-          </a:xfrm>
-          <a:prstGeom prst="rect">
-            <a:avLst/>
-          </a:prstGeom>
-          <a:noFill/>
-          <a:ln>
-            <a:noFill/>
-          </a:ln>
-        </p:spPr>
-      </p:pic>
-      <p:pic>
-        <p:nvPicPr>
-          <p:cNvPr id="84" name="Google Shape;84;g1e04fecdc38_0_33"/>
-          <p:cNvPicPr preferRelativeResize="0"/>
-          <p:nvPr/>
-        </p:nvPicPr>
-        <p:blipFill>
-          <a:blip r:embed="rId4">
-            <a:alphaModFix/>
-          </a:blip>
-          <a:stretch>
-            <a:fillRect/>
-          </a:stretch>
-        </p:blipFill>
-        <p:spPr>
-          <a:xfrm>
-            <a:off x="2999510" y="1996225"/>
-            <a:ext cx="1952625" cy="4686299"/>
-          </a:xfrm>
-          <a:prstGeom prst="rect">
-            <a:avLst/>
-          </a:prstGeom>
-          <a:noFill/>
-          <a:ln>
-            <a:noFill/>
-          </a:ln>
-        </p:spPr>
-      </p:pic>
-      <p:pic>
-        <p:nvPicPr>
-          <p:cNvPr id="85" name="Google Shape;85;g1e04fecdc38_0_33"/>
-          <p:cNvPicPr preferRelativeResize="0"/>
-          <p:nvPr/>
-        </p:nvPicPr>
-        <p:blipFill>
-          <a:blip r:embed="rId5">
-            <a:alphaModFix/>
-          </a:blip>
-          <a:stretch>
-            <a:fillRect/>
-          </a:stretch>
-        </p:blipFill>
-        <p:spPr>
-          <a:xfrm>
-            <a:off x="5249325" y="1996225"/>
-            <a:ext cx="1952625" cy="4214620"/>
-          </a:xfrm>
-          <a:prstGeom prst="rect">
-            <a:avLst/>
-          </a:prstGeom>
-          <a:noFill/>
-          <a:ln>
-            <a:noFill/>
-          </a:ln>
-        </p:spPr>
-      </p:pic>
-      <p:pic>
-        <p:nvPicPr>
-          <p:cNvPr id="86" name="Google Shape;86;g1e04fecdc38_0_33"/>
-          <p:cNvPicPr preferRelativeResize="0"/>
-          <p:nvPr/>
-        </p:nvPicPr>
-        <p:blipFill>
-          <a:blip r:embed="rId6">
-            <a:alphaModFix/>
-          </a:blip>
-          <a:stretch>
-            <a:fillRect/>
-          </a:stretch>
-        </p:blipFill>
-        <p:spPr>
-          <a:xfrm>
-            <a:off x="7575350" y="1996225"/>
-            <a:ext cx="1819565" cy="4598825"/>
-          </a:xfrm>
-          <a:prstGeom prst="rect">
-            <a:avLst/>
-          </a:prstGeom>
-          <a:noFill/>
-          <a:ln>
-            <a:noFill/>
-          </a:ln>
-        </p:spPr>
-      </p:pic>
-      <p:pic>
-        <p:nvPicPr>
-          <p:cNvPr id="87" name="Google Shape;87;g1e04fecdc38_0_33"/>
-          <p:cNvPicPr preferRelativeResize="0"/>
-          <p:nvPr/>
-        </p:nvPicPr>
-        <p:blipFill>
-          <a:blip r:embed="rId7">
-            <a:alphaModFix/>
-          </a:blip>
-          <a:stretch>
-            <a:fillRect/>
-          </a:stretch>
-        </p:blipFill>
-        <p:spPr>
-          <a:xfrm>
-            <a:off x="9768325" y="1996225"/>
-            <a:ext cx="1526575" cy="4443125"/>
-          </a:xfrm>
-          <a:prstGeom prst="rect">
-            <a:avLst/>
-          </a:prstGeom>
-          <a:noFill/>
-          <a:ln>
-            <a:noFill/>
-          </a:ln>
-        </p:spPr>
       </p:pic>
     </p:spTree>
-  </p:cSld>
-  <p:clrMapOvr>
-    <a:masterClrMapping/>
-  </p:clrMapOvr>
-</p:sld>
-</file>
-
-<file path=ppt/slides/slide8.xml><?xml version="1.0" encoding="utf-8"?>
-<p:sld xmlns:a="http://schemas.openxmlformats.org/drawingml/2006/main" xmlns:r="http://schemas.openxmlformats.org/officeDocument/2006/relationships" xmlns:mc="http://schemas.openxmlformats.org/markup-compatibility/2006" xmlns:mv="urn:schemas-microsoft-com:mac:vml" xmlns:p="http://schemas.openxmlformats.org/presentationml/2006/main" xmlns:c="http://schemas.openxmlformats.org/drawingml/2006/chart" xmlns:dgm="http://schemas.openxmlformats.org/drawingml/2006/diagram" xmlns:o="urn:schemas-microsoft-com:office:office" xmlns:v="urn:schemas-microsoft-com:vml" xmlns:pvml="urn:schemas-microsoft-com:office:powerpoint" xmlns:com="http://schemas.openxmlformats.org/drawingml/2006/compatibility" xmlns:p14="http://schemas.microsoft.com/office/powerpoint/2010/main" xmlns:p15="http://schemas.microsoft.com/office/powerpoint/2012/main" xmlns:ahyp="http://schemas.microsoft.com/office/drawing/2018/hyperlinkcolor">
-  <p:cSld>
-    <p:spTree>
-      <p:nvGrpSpPr>
-        <p:cNvPr id="92" name="Shape 92"/>
-        <p:cNvGrpSpPr/>
-        <p:nvPr/>
-      </p:nvGrpSpPr>
-      <p:grpSpPr>
-        <a:xfrm>
-          <a:off x="0" y="0"/>
-          <a:ext cx="0" cy="0"/>
-          <a:chOff x="0" y="0"/>
-          <a:chExt cx="0" cy="0"/>
-        </a:xfrm>
-      </p:grpSpPr>
-      <p:sp>
-        <p:nvSpPr>
-          <p:cNvPr id="93" name="Google Shape;93;g1e04fecdc38_0_20"/>
-          <p:cNvSpPr txBox="1"/>
-          <p:nvPr>
-            <p:ph type="title"/>
-          </p:nvPr>
-        </p:nvSpPr>
-        <p:spPr>
-          <a:xfrm>
-            <a:off x="913795" y="609600"/>
-            <a:ext cx="10353900" cy="1257300"/>
-          </a:xfrm>
-          <a:prstGeom prst="rect">
-            <a:avLst/>
-          </a:prstGeom>
-        </p:spPr>
-        <p:txBody>
-          <a:bodyPr anchorCtr="0" anchor="ctr" bIns="45700" lIns="91425" spcFirstLastPara="1" rIns="91425" wrap="square" tIns="45700">
-            <a:normAutofit/>
-          </a:bodyPr>
-          <a:lstStyle/>
-          <a:p>
-            <a:pPr indent="0" lvl="0" marL="0" rtl="0" algn="ctr">
-              <a:spcBef>
-                <a:spcPts val="0"/>
-              </a:spcBef>
-              <a:spcAft>
-                <a:spcPts val="0"/>
-              </a:spcAft>
-              <a:buNone/>
-            </a:pPr>
-            <a:r>
-              <a:rPr lang="nl-NL"/>
-              <a:t>Time tracking</a:t>
-            </a:r>
-            <a:endParaRPr/>
-          </a:p>
-        </p:txBody>
-      </p:sp>
-      <p:pic>
-        <p:nvPicPr>
-          <p:cNvPr id="94" name="Google Shape;94;g1e04fecdc38_0_20"/>
-          <p:cNvPicPr preferRelativeResize="0"/>
-          <p:nvPr/>
-        </p:nvPicPr>
-        <p:blipFill>
-          <a:blip r:embed="rId3">
-            <a:alphaModFix/>
-          </a:blip>
-          <a:stretch>
-            <a:fillRect/>
-          </a:stretch>
-        </p:blipFill>
-        <p:spPr>
-          <a:xfrm>
-            <a:off x="2777413" y="2066850"/>
-            <a:ext cx="6637174" cy="3493249"/>
-          </a:xfrm>
-          <a:prstGeom prst="rect">
-            <a:avLst/>
-          </a:prstGeom>
-          <a:noFill/>
-          <a:ln>
-            <a:noFill/>
-          </a:ln>
-        </p:spPr>
-      </p:pic>
-    </p:spTree>
-  </p:cSld>
-  <p:clrMapOvr>
-    <a:masterClrMapping/>
-  </p:clrMapOvr>
-</p:sld>
-</file>
-
-<file path=ppt/slides/slide9.xml><?xml version="1.0" encoding="utf-8"?>
-<p:sld xmlns:a="http://schemas.openxmlformats.org/drawingml/2006/main" xmlns:r="http://schemas.openxmlformats.org/officeDocument/2006/relationships" xmlns:mc="http://schemas.openxmlformats.org/markup-compatibility/2006" xmlns:mv="urn:schemas-microsoft-com:mac:vml" xmlns:p="http://schemas.openxmlformats.org/presentationml/2006/main" xmlns:c="http://schemas.openxmlformats.org/drawingml/2006/chart" xmlns:dgm="http://schemas.openxmlformats.org/drawingml/2006/diagram" xmlns:o="urn:schemas-microsoft-com:office:office" xmlns:v="urn:schemas-microsoft-com:vml" xmlns:pvml="urn:schemas-microsoft-com:office:powerpoint" xmlns:com="http://schemas.openxmlformats.org/drawingml/2006/compatibility" xmlns:p14="http://schemas.microsoft.com/office/powerpoint/2010/main" xmlns:p15="http://schemas.microsoft.com/office/powerpoint/2012/main" xmlns:ahyp="http://schemas.microsoft.com/office/drawing/2018/hyperlinkcolor">
-  <p:cSld>
-    <p:spTree>
-      <p:nvGrpSpPr>
-        <p:cNvPr id="99" name="Shape 99"/>
-        <p:cNvGrpSpPr/>
-        <p:nvPr/>
-      </p:nvGrpSpPr>
-      <p:grpSpPr>
-        <a:xfrm>
-          <a:off x="0" y="0"/>
-          <a:ext cx="0" cy="0"/>
-          <a:chOff x="0" y="0"/>
-          <a:chExt cx="0" cy="0"/>
-        </a:xfrm>
-      </p:grpSpPr>
-      <p:sp>
-        <p:nvSpPr>
-          <p:cNvPr id="100" name="Google Shape;100;g1e04fecdc38_0_27"/>
-          <p:cNvSpPr txBox="1"/>
-          <p:nvPr>
-            <p:ph type="title"/>
-          </p:nvPr>
-        </p:nvSpPr>
-        <p:spPr>
-          <a:xfrm>
-            <a:off x="913795" y="609600"/>
-            <a:ext cx="10353900" cy="1257300"/>
-          </a:xfrm>
-          <a:prstGeom prst="rect">
-            <a:avLst/>
-          </a:prstGeom>
-        </p:spPr>
-        <p:txBody>
-          <a:bodyPr anchorCtr="0" anchor="ctr" bIns="45700" lIns="91425" spcFirstLastPara="1" rIns="91425" wrap="square" tIns="45700">
-            <a:normAutofit/>
-          </a:bodyPr>
-          <a:lstStyle/>
-          <a:p>
-            <a:pPr indent="0" lvl="0" marL="0" rtl="0" algn="ctr">
-              <a:spcBef>
-                <a:spcPts val="0"/>
-              </a:spcBef>
-              <a:spcAft>
-                <a:spcPts val="0"/>
-              </a:spcAft>
-              <a:buNone/>
-            </a:pPr>
-            <a:r>
-              <a:rPr lang="nl-NL"/>
-              <a:t>Time tracking</a:t>
-            </a:r>
-            <a:endParaRPr/>
-          </a:p>
-        </p:txBody>
-      </p:sp>
-      <p:pic>
-        <p:nvPicPr>
-          <p:cNvPr id="101" name="Google Shape;101;g1e04fecdc38_0_27"/>
-          <p:cNvPicPr preferRelativeResize="0"/>
-          <p:nvPr/>
-        </p:nvPicPr>
-        <p:blipFill>
-          <a:blip r:embed="rId3">
-            <a:alphaModFix/>
-          </a:blip>
-          <a:stretch>
-            <a:fillRect/>
-          </a:stretch>
-        </p:blipFill>
-        <p:spPr>
-          <a:xfrm>
-            <a:off x="3135525" y="1866900"/>
-            <a:ext cx="5920948" cy="4686299"/>
-          </a:xfrm>
-          <a:prstGeom prst="rect">
-            <a:avLst/>
-          </a:prstGeom>
-          <a:noFill/>
-          <a:ln>
-            <a:noFill/>
-          </a:ln>
-        </p:spPr>
-      </p:pic>
-    </p:spTree>
+    <p:extLst>
+      <p:ext uri="{BB962C8B-B14F-4D97-AF65-F5344CB8AC3E}">
+        <p14:creationId xmlns:p14="http://schemas.microsoft.com/office/powerpoint/2010/main" val="2626063581"/>
+      </p:ext>
+    </p:extLst>
   </p:cSld>
   <p:clrMapOvr>
     <a:masterClrMapping/>
@@ -7555,7 +7369,7 @@
 </file>
 
 <file path=ppt/theme/theme1.xml><?xml version="1.0" encoding="utf-8"?>
-<a:theme xmlns:a="http://schemas.openxmlformats.org/drawingml/2006/main" xmlns:r="http://schemas.openxmlformats.org/officeDocument/2006/relationships" name="SlateVTI">
+<a:theme xmlns:a="http://schemas.openxmlformats.org/drawingml/2006/main" name="SlateVTI">
   <a:themeElements>
     <a:clrScheme name="Green">
       <a:dk1>
@@ -7830,11 +7644,13 @@
       </a:bgFillStyleLst>
     </a:fmtScheme>
   </a:themeElements>
+  <a:objectDefaults/>
+  <a:extraClrSchemeLst/>
 </a:theme>
 </file>
 
 <file path=ppt/theme/theme2.xml><?xml version="1.0" encoding="utf-8"?>
-<a:theme xmlns:a="http://schemas.openxmlformats.org/drawingml/2006/main" xmlns:r="http://schemas.openxmlformats.org/officeDocument/2006/relationships" name="Office-thema">
+<a:theme xmlns:a="http://schemas.openxmlformats.org/drawingml/2006/main" name="Office-thema">
   <a:themeElements>
     <a:clrScheme name="Office">
       <a:dk1>
@@ -8109,5 +7925,7 @@
       </a:bgFillStyleLst>
     </a:fmtScheme>
   </a:themeElements>
+  <a:objectDefaults/>
+  <a:extraClrSchemeLst/>
 </a:theme>
 </file>